--- a/lec10_python_Dictionaries+Set.pptx
+++ b/lec10_python_Dictionaries+Set.pptx
@@ -5,7 +5,7 @@
     <p:sldMasterId id="2147483660" r:id="rId1"/>
   </p:sldMasterIdLst>
   <p:notesMasterIdLst>
-    <p:notesMasterId r:id="rId38"/>
+    <p:notesMasterId r:id="rId43"/>
   </p:notesMasterIdLst>
   <p:sldIdLst>
     <p:sldId id="282" r:id="rId2"/>
@@ -31,19 +31,24 @@
     <p:sldId id="302" r:id="rId22"/>
     <p:sldId id="304" r:id="rId23"/>
     <p:sldId id="305" r:id="rId24"/>
-    <p:sldId id="306" r:id="rId25"/>
-    <p:sldId id="307" r:id="rId26"/>
-    <p:sldId id="308" r:id="rId27"/>
-    <p:sldId id="309" r:id="rId28"/>
-    <p:sldId id="310" r:id="rId29"/>
-    <p:sldId id="311" r:id="rId30"/>
-    <p:sldId id="312" r:id="rId31"/>
-    <p:sldId id="314" r:id="rId32"/>
-    <p:sldId id="315" r:id="rId33"/>
-    <p:sldId id="316" r:id="rId34"/>
-    <p:sldId id="280" r:id="rId35"/>
-    <p:sldId id="281" r:id="rId36"/>
-    <p:sldId id="317" r:id="rId37"/>
+    <p:sldId id="318" r:id="rId25"/>
+    <p:sldId id="320" r:id="rId26"/>
+    <p:sldId id="319" r:id="rId27"/>
+    <p:sldId id="321" r:id="rId28"/>
+    <p:sldId id="322" r:id="rId29"/>
+    <p:sldId id="306" r:id="rId30"/>
+    <p:sldId id="307" r:id="rId31"/>
+    <p:sldId id="308" r:id="rId32"/>
+    <p:sldId id="309" r:id="rId33"/>
+    <p:sldId id="310" r:id="rId34"/>
+    <p:sldId id="311" r:id="rId35"/>
+    <p:sldId id="312" r:id="rId36"/>
+    <p:sldId id="314" r:id="rId37"/>
+    <p:sldId id="315" r:id="rId38"/>
+    <p:sldId id="316" r:id="rId39"/>
+    <p:sldId id="280" r:id="rId40"/>
+    <p:sldId id="281" r:id="rId41"/>
+    <p:sldId id="317" r:id="rId42"/>
   </p:sldIdLst>
   <p:sldSz cx="9144000" cy="6858000" type="screen4x3"/>
   <p:notesSz cx="6858000" cy="9144000"/>
@@ -232,7 +237,7 @@
           <a:p>
             <a:fld id="{450E57FF-D87D-4EA0-A2EF-D82EE6FFBA2D}" type="datetimeFigureOut">
               <a:rPr lang="ru-RU" smtClean="0"/>
-              <a:t>12.11.2019</a:t>
+              <a:t>20.11.2019</a:t>
             </a:fld>
             <a:endParaRPr lang="ru-RU"/>
           </a:p>
@@ -1909,7 +1914,7 @@
           <a:p>
             <a:fld id="{96AFC79B-B754-4326-AC74-B3E5F82A4453}" type="slidenum">
               <a:rPr lang="ru-RU" smtClean="0"/>
-              <a:t>24</a:t>
+              <a:t>29</a:t>
             </a:fld>
             <a:endParaRPr lang="ru-RU"/>
           </a:p>
@@ -1993,7 +1998,7 @@
           <a:p>
             <a:fld id="{96AFC79B-B754-4326-AC74-B3E5F82A4453}" type="slidenum">
               <a:rPr lang="ru-RU" smtClean="0"/>
-              <a:t>25</a:t>
+              <a:t>30</a:t>
             </a:fld>
             <a:endParaRPr lang="ru-RU"/>
           </a:p>
@@ -2077,7 +2082,7 @@
           <a:p>
             <a:fld id="{96AFC79B-B754-4326-AC74-B3E5F82A4453}" type="slidenum">
               <a:rPr lang="ru-RU" smtClean="0"/>
-              <a:t>26</a:t>
+              <a:t>31</a:t>
             </a:fld>
             <a:endParaRPr lang="ru-RU"/>
           </a:p>
@@ -2161,7 +2166,7 @@
           <a:p>
             <a:fld id="{96AFC79B-B754-4326-AC74-B3E5F82A4453}" type="slidenum">
               <a:rPr lang="ru-RU" smtClean="0"/>
-              <a:t>27</a:t>
+              <a:t>32</a:t>
             </a:fld>
             <a:endParaRPr lang="ru-RU"/>
           </a:p>
@@ -2245,7 +2250,7 @@
           <a:p>
             <a:fld id="{96AFC79B-B754-4326-AC74-B3E5F82A4453}" type="slidenum">
               <a:rPr lang="ru-RU" smtClean="0"/>
-              <a:t>28</a:t>
+              <a:t>33</a:t>
             </a:fld>
             <a:endParaRPr lang="ru-RU"/>
           </a:p>
@@ -2329,7 +2334,7 @@
           <a:p>
             <a:fld id="{96AFC79B-B754-4326-AC74-B3E5F82A4453}" type="slidenum">
               <a:rPr lang="ru-RU" smtClean="0"/>
-              <a:t>29</a:t>
+              <a:t>34</a:t>
             </a:fld>
             <a:endParaRPr lang="ru-RU"/>
           </a:p>
@@ -2497,7 +2502,7 @@
           <a:p>
             <a:fld id="{96AFC79B-B754-4326-AC74-B3E5F82A4453}" type="slidenum">
               <a:rPr lang="ru-RU" smtClean="0"/>
-              <a:t>30</a:t>
+              <a:t>35</a:t>
             </a:fld>
             <a:endParaRPr lang="ru-RU"/>
           </a:p>
@@ -2581,7 +2586,7 @@
           <a:p>
             <a:fld id="{96AFC79B-B754-4326-AC74-B3E5F82A4453}" type="slidenum">
               <a:rPr lang="ru-RU" smtClean="0"/>
-              <a:t>31</a:t>
+              <a:t>36</a:t>
             </a:fld>
             <a:endParaRPr lang="ru-RU"/>
           </a:p>
@@ -2665,7 +2670,7 @@
           <a:p>
             <a:fld id="{96AFC79B-B754-4326-AC74-B3E5F82A4453}" type="slidenum">
               <a:rPr lang="ru-RU" smtClean="0"/>
-              <a:t>32</a:t>
+              <a:t>37</a:t>
             </a:fld>
             <a:endParaRPr lang="ru-RU"/>
           </a:p>
@@ -2749,7 +2754,7 @@
           <a:p>
             <a:fld id="{96AFC79B-B754-4326-AC74-B3E5F82A4453}" type="slidenum">
               <a:rPr lang="ru-RU" smtClean="0"/>
-              <a:t>33</a:t>
+              <a:t>38</a:t>
             </a:fld>
             <a:endParaRPr lang="ru-RU"/>
           </a:p>
@@ -2833,7 +2838,7 @@
           <a:p>
             <a:fld id="{96AFC79B-B754-4326-AC74-B3E5F82A4453}" type="slidenum">
               <a:rPr lang="ru-RU" smtClean="0"/>
-              <a:t>34</a:t>
+              <a:t>39</a:t>
             </a:fld>
             <a:endParaRPr lang="ru-RU"/>
           </a:p>
@@ -3076,7 +3081,7 @@
                 <a:latin typeface="Calibri" panose="020F0502020204030204" pitchFamily="34" charset="0"/>
               </a:rPr>
               <a:pPr eaLnBrk="1" hangingPunct="1"/>
-              <a:t>35</a:t>
+              <a:t>40</a:t>
             </a:fld>
             <a:endParaRPr lang="ru-RU" altLang="ru-RU">
               <a:solidFill>
@@ -4586,7 +4591,7 @@
           <a:p>
             <a:fld id="{560F0BE6-3B93-4A34-8921-3CB2F46FB7B7}" type="datetimeFigureOut">
               <a:rPr lang="ru-RU" smtClean="0"/>
-              <a:t>12.11.2019</a:t>
+              <a:t>20.11.2019</a:t>
             </a:fld>
             <a:endParaRPr lang="ru-RU"/>
           </a:p>
@@ -13550,8 +13555,8 @@
         </p:nvSpPr>
         <p:spPr>
           <a:xfrm>
-            <a:off x="140579" y="0"/>
-            <a:ext cx="9003421" cy="646331"/>
+            <a:off x="0" y="0"/>
+            <a:ext cx="9143999" cy="584775"/>
           </a:xfrm>
           <a:prstGeom prst="rect">
             <a:avLst/>
@@ -13565,172 +13570,93 @@
           <a:p>
             <a:pPr algn="ctr"/>
             <a:r>
-              <a:rPr lang="ru-RU" sz="3600" b="1" dirty="0" err="1" smtClean="0"/>
-              <a:t>Поняття</a:t>
-            </a:r>
-            <a:r>
-              <a:rPr lang="ru-RU" sz="3600" b="1" dirty="0" smtClean="0"/>
-              <a:t> </a:t>
-            </a:r>
-            <a:r>
-              <a:rPr lang="ru-RU" sz="3600" b="1" dirty="0" err="1" smtClean="0"/>
-              <a:t>множин</a:t>
-            </a:r>
-            <a:r>
-              <a:rPr lang="ru-RU" sz="3600" b="1" dirty="0" smtClean="0"/>
-              <a:t> в </a:t>
-            </a:r>
-            <a:r>
-              <a:rPr lang="en-US" sz="3600" b="1" dirty="0" smtClean="0"/>
-              <a:t>Python</a:t>
-            </a:r>
-            <a:endParaRPr lang="ru-RU" sz="3600" dirty="0"/>
+              <a:rPr lang="ru-RU" sz="3200" b="1" dirty="0" smtClean="0"/>
+              <a:t>Приклад </a:t>
+            </a:r>
+            <a:r>
+              <a:rPr lang="uk-UA" sz="3200" b="1" dirty="0" smtClean="0"/>
+              <a:t>програми до лабораторної роботи №8</a:t>
+            </a:r>
+            <a:endParaRPr lang="ru-RU" sz="3200" dirty="0"/>
           </a:p>
         </p:txBody>
       </p:sp>
+      <p:pic>
+        <p:nvPicPr>
+          <p:cNvPr id="5" name="Рисунок 4"/>
+          <p:cNvPicPr>
+            <a:picLocks noChangeAspect="1"/>
+          </p:cNvPicPr>
+          <p:nvPr/>
+        </p:nvPicPr>
+        <p:blipFill>
+          <a:blip r:embed="rId2"/>
+          <a:stretch>
+            <a:fillRect/>
+          </a:stretch>
+        </p:blipFill>
+        <p:spPr>
+          <a:xfrm>
+            <a:off x="1" y="984250"/>
+            <a:ext cx="9143998" cy="5873750"/>
+          </a:xfrm>
+          <a:prstGeom prst="rect">
+            <a:avLst/>
+          </a:prstGeom>
+        </p:spPr>
+      </p:pic>
       <p:sp>
         <p:nvSpPr>
-          <p:cNvPr id="3" name="Прямоугольник 2"/>
+          <p:cNvPr id="6" name="Управляющая кнопка: далее 5">
+            <a:hlinkClick r:id="rId3" action="ppaction://hlinkfile" highlightClick="1"/>
+          </p:cNvPr>
           <p:cNvSpPr/>
           <p:nvPr/>
         </p:nvSpPr>
         <p:spPr>
           <a:xfrm>
-            <a:off x="140579" y="1024235"/>
-            <a:ext cx="8812921" cy="769441"/>
+            <a:off x="6692900" y="3479800"/>
+            <a:ext cx="1003300" cy="609600"/>
           </a:xfrm>
-          <a:prstGeom prst="rect">
+          <a:prstGeom prst="actionButtonForwardNext">
             <a:avLst/>
           </a:prstGeom>
-          <a:ln w="38100">
-            <a:solidFill>
-              <a:srgbClr val="0000CC"/>
-            </a:solidFill>
-          </a:ln>
         </p:spPr>
+        <p:style>
+          <a:lnRef idx="2">
+            <a:schemeClr val="accent1">
+              <a:shade val="50000"/>
+            </a:schemeClr>
+          </a:lnRef>
+          <a:fillRef idx="1">
+            <a:schemeClr val="accent1"/>
+          </a:fillRef>
+          <a:effectRef idx="0">
+            <a:schemeClr val="accent1"/>
+          </a:effectRef>
+          <a:fontRef idx="minor">
+            <a:schemeClr val="lt1"/>
+          </a:fontRef>
+        </p:style>
         <p:txBody>
-          <a:bodyPr wrap="square">
-            <a:spAutoFit/>
-          </a:bodyPr>
+          <a:bodyPr rtlCol="0" anchor="ctr"/>
           <a:lstStyle/>
           <a:p>
-            <a:r>
-              <a:rPr lang="ru-RU" sz="2200" dirty="0" err="1"/>
-              <a:t>Множина</a:t>
-            </a:r>
-            <a:r>
-              <a:rPr lang="ru-RU" sz="2200" dirty="0"/>
-              <a:t> у </a:t>
-            </a:r>
-            <a:r>
-              <a:rPr lang="ru-RU" sz="2200" dirty="0" err="1"/>
-              <a:t>Python</a:t>
-            </a:r>
-            <a:r>
-              <a:rPr lang="ru-RU" sz="2200" dirty="0"/>
-              <a:t> – </a:t>
-            </a:r>
-            <a:r>
-              <a:rPr lang="ru-RU" sz="2200" dirty="0" err="1"/>
-              <a:t>це</a:t>
-            </a:r>
-            <a:r>
-              <a:rPr lang="ru-RU" sz="2200" dirty="0"/>
-              <a:t> </a:t>
-            </a:r>
-            <a:r>
-              <a:rPr lang="ru-RU" sz="2200" dirty="0" err="1"/>
-              <a:t>невпорядкована</a:t>
-            </a:r>
-            <a:r>
-              <a:rPr lang="ru-RU" sz="2200" dirty="0"/>
-              <a:t> </a:t>
-            </a:r>
-            <a:r>
-              <a:rPr lang="ru-RU" sz="2200" dirty="0" err="1"/>
-              <a:t>колекція</a:t>
-            </a:r>
-            <a:r>
-              <a:rPr lang="ru-RU" sz="2200" dirty="0"/>
-              <a:t> </a:t>
-            </a:r>
-            <a:r>
-              <a:rPr lang="ru-RU" sz="2200" dirty="0" err="1"/>
-              <a:t>унікальних</a:t>
-            </a:r>
-            <a:r>
-              <a:rPr lang="ru-RU" sz="2200" dirty="0"/>
-              <a:t> </a:t>
-            </a:r>
-            <a:r>
-              <a:rPr lang="ru-RU" sz="2200" dirty="0" err="1"/>
-              <a:t>об'єктів</a:t>
-            </a:r>
-            <a:r>
-              <a:rPr lang="ru-RU" sz="2200" dirty="0"/>
-              <a:t> (</a:t>
-            </a:r>
-            <a:r>
-              <a:rPr lang="ru-RU" sz="2200" dirty="0" err="1" smtClean="0"/>
-              <a:t>тобто</a:t>
-            </a:r>
-            <a:r>
-              <a:rPr lang="en-US" sz="2200" dirty="0" smtClean="0"/>
-              <a:t> </a:t>
-            </a:r>
-            <a:r>
-              <a:rPr lang="ru-RU" sz="2200" dirty="0" smtClean="0"/>
-              <a:t>таких</a:t>
-            </a:r>
-            <a:r>
-              <a:rPr lang="ru-RU" sz="2200" dirty="0"/>
-              <a:t>, </a:t>
-            </a:r>
-            <a:r>
-              <a:rPr lang="ru-RU" sz="2200" dirty="0" err="1"/>
-              <a:t>що</a:t>
-            </a:r>
-            <a:r>
-              <a:rPr lang="ru-RU" sz="2200" dirty="0"/>
-              <a:t> не </a:t>
-            </a:r>
-            <a:r>
-              <a:rPr lang="ru-RU" sz="2200" dirty="0" err="1"/>
-              <a:t>повторюються</a:t>
-            </a:r>
-            <a:r>
-              <a:rPr lang="ru-RU" sz="2200" dirty="0"/>
-              <a:t>) </a:t>
-            </a:r>
-            <a:r>
-              <a:rPr lang="ru-RU" sz="2200" dirty="0" err="1"/>
-              <a:t>довільних</a:t>
-            </a:r>
-            <a:r>
-              <a:rPr lang="ru-RU" sz="2200" dirty="0"/>
-              <a:t> </a:t>
-            </a:r>
-            <a:r>
-              <a:rPr lang="ru-RU" sz="2200" dirty="0" err="1"/>
-              <a:t>типів</a:t>
-            </a:r>
-            <a:r>
-              <a:rPr lang="ru-RU" sz="2200" dirty="0"/>
-              <a:t>.</a:t>
-            </a:r>
+            <a:pPr algn="ctr"/>
+            <a:endParaRPr lang="ru-RU"/>
           </a:p>
         </p:txBody>
       </p:sp>
       <p:sp>
         <p:nvSpPr>
-          <p:cNvPr id="4" name="Прямоугольник 3"/>
+          <p:cNvPr id="7" name="Прямоугольник 6"/>
           <p:cNvSpPr/>
           <p:nvPr/>
         </p:nvSpPr>
         <p:spPr>
           <a:xfrm>
-            <a:off x="140578" y="2171580"/>
-            <a:ext cx="8812921" cy="3139321"/>
+            <a:off x="5080000" y="4230351"/>
+            <a:ext cx="4063999" cy="246221"/>
           </a:xfrm>
           <a:prstGeom prst="rect">
             <a:avLst/>
@@ -13742,388 +13668,70 @@
           </a:bodyPr>
           <a:lstStyle/>
           <a:p>
-            <a:pPr marL="342900" indent="-342900">
-              <a:buFont typeface="Wingdings" panose="05000000000000000000" pitchFamily="2" charset="2"/>
-              <a:buChar char="q"/>
-            </a:pPr>
-            <a:r>
-              <a:rPr lang="ru-RU" sz="2200" dirty="0" err="1"/>
-              <a:t>Множини</a:t>
-            </a:r>
-            <a:r>
-              <a:rPr lang="ru-RU" sz="2200" dirty="0"/>
-              <a:t> у </a:t>
-            </a:r>
-            <a:r>
-              <a:rPr lang="ru-RU" sz="2200" dirty="0" err="1"/>
+            <a:r>
+              <a:rPr lang="ru-RU" sz="1000" dirty="0"/>
+              <a:t>I:\!KHУ им </a:t>
+            </a:r>
+            <a:r>
+              <a:rPr lang="ru-RU" sz="1000" dirty="0" err="1"/>
+              <a:t>Шевченка</a:t>
+            </a:r>
+            <a:r>
+              <a:rPr lang="ru-RU" sz="1000" dirty="0"/>
+              <a:t>\PYTHON\</a:t>
+            </a:r>
+            <a:r>
+              <a:rPr lang="ru-RU" sz="1000" dirty="0" err="1"/>
+              <a:t>method</a:t>
+            </a:r>
+            <a:r>
+              <a:rPr lang="ru-RU" sz="1000" dirty="0"/>
+              <a:t> </a:t>
+            </a:r>
+            <a:r>
+              <a:rPr lang="ru-RU" sz="1000" dirty="0" err="1"/>
+              <a:t>lab</a:t>
+            </a:r>
+            <a:r>
+              <a:rPr lang="ru-RU" sz="1000" dirty="0"/>
+              <a:t> </a:t>
+            </a:r>
+            <a:r>
+              <a:rPr lang="ru-RU" sz="1000" dirty="0" err="1"/>
+              <a:t>work</a:t>
+            </a:r>
+            <a:r>
+              <a:rPr lang="ru-RU" sz="1000" dirty="0"/>
+              <a:t> </a:t>
+            </a:r>
+            <a:r>
+              <a:rPr lang="ru-RU" sz="1000" dirty="0" err="1" smtClean="0"/>
               <a:t>Python</a:t>
             </a:r>
             <a:r>
-              <a:rPr lang="ru-RU" sz="2200" dirty="0"/>
-              <a:t> належать до </a:t>
-            </a:r>
-            <a:r>
-              <a:rPr lang="ru-RU" sz="2200" dirty="0" err="1">
-                <a:solidFill>
-                  <a:srgbClr val="0000CC"/>
-                </a:solidFill>
-              </a:rPr>
-              <a:t>змінюваних</a:t>
-            </a:r>
-            <a:r>
-              <a:rPr lang="ru-RU" sz="2200" dirty="0">
-                <a:solidFill>
-                  <a:srgbClr val="0000CC"/>
-                </a:solidFill>
-              </a:rPr>
-              <a:t> (</a:t>
-            </a:r>
-            <a:r>
-              <a:rPr lang="ru-RU" sz="2200" dirty="0" err="1">
-                <a:solidFill>
-                  <a:srgbClr val="0000CC"/>
-                </a:solidFill>
-              </a:rPr>
-              <a:t>mutable</a:t>
-            </a:r>
-            <a:r>
-              <a:rPr lang="ru-RU" sz="2200" dirty="0">
-                <a:solidFill>
-                  <a:srgbClr val="0000CC"/>
-                </a:solidFill>
-              </a:rPr>
-              <a:t>) </a:t>
-            </a:r>
-            <a:r>
-              <a:rPr lang="ru-RU" sz="2200" dirty="0" err="1">
-                <a:solidFill>
-                  <a:srgbClr val="0000CC"/>
-                </a:solidFill>
-              </a:rPr>
-              <a:t>типів</a:t>
-            </a:r>
-            <a:r>
-              <a:rPr lang="ru-RU" sz="2200" dirty="0"/>
-              <a:t>. </a:t>
-            </a:r>
-            <a:endParaRPr lang="en-US" sz="2200" dirty="0" smtClean="0"/>
-          </a:p>
-          <a:p>
-            <a:pPr marL="342900" indent="-342900">
-              <a:buFont typeface="Wingdings" panose="05000000000000000000" pitchFamily="2" charset="2"/>
-              <a:buChar char="q"/>
-            </a:pPr>
-            <a:r>
-              <a:rPr lang="ru-RU" sz="2200" dirty="0" err="1" smtClean="0"/>
-              <a:t>Елементи</a:t>
-            </a:r>
-            <a:r>
-              <a:rPr lang="en-US" sz="2200" dirty="0" smtClean="0"/>
-              <a:t> </a:t>
-            </a:r>
-            <a:r>
-              <a:rPr lang="ru-RU" sz="2200" dirty="0" err="1" smtClean="0"/>
-              <a:t>зберігаються</a:t>
-            </a:r>
-            <a:r>
-              <a:rPr lang="ru-RU" sz="2200" dirty="0" smtClean="0"/>
-              <a:t> </a:t>
-            </a:r>
-            <a:r>
-              <a:rPr lang="ru-RU" sz="2200" dirty="0"/>
-              <a:t>в </a:t>
-            </a:r>
-            <a:r>
-              <a:rPr lang="ru-RU" sz="2200" dirty="0" err="1"/>
-              <a:t>невідсортованому</a:t>
-            </a:r>
-            <a:r>
-              <a:rPr lang="ru-RU" sz="2200" dirty="0"/>
-              <a:t> порядку та не </a:t>
-            </a:r>
-            <a:r>
-              <a:rPr lang="ru-RU" sz="2200" dirty="0" err="1"/>
-              <a:t>залежать</a:t>
-            </a:r>
-            <a:r>
-              <a:rPr lang="ru-RU" sz="2200" dirty="0"/>
-              <a:t> </a:t>
-            </a:r>
-            <a:r>
-              <a:rPr lang="ru-RU" sz="2200" dirty="0" err="1"/>
-              <a:t>від</a:t>
-            </a:r>
-            <a:r>
-              <a:rPr lang="ru-RU" sz="2200" dirty="0"/>
-              <a:t> того коли </a:t>
-            </a:r>
-            <a:r>
-              <a:rPr lang="ru-RU" sz="2200" dirty="0" smtClean="0"/>
-              <a:t>вони</a:t>
-            </a:r>
-            <a:r>
-              <a:rPr lang="en-US" sz="2200" dirty="0" smtClean="0"/>
-              <a:t> </a:t>
-            </a:r>
-            <a:r>
-              <a:rPr lang="ru-RU" sz="2200" dirty="0" err="1" smtClean="0"/>
-              <a:t>додаються</a:t>
-            </a:r>
-            <a:r>
-              <a:rPr lang="ru-RU" sz="2200" dirty="0" smtClean="0"/>
-              <a:t> </a:t>
-            </a:r>
-            <a:r>
-              <a:rPr lang="ru-RU" sz="2200" dirty="0"/>
-              <a:t>у </a:t>
-            </a:r>
-            <a:r>
-              <a:rPr lang="ru-RU" sz="2200" dirty="0" err="1"/>
-              <a:t>множину</a:t>
-            </a:r>
-            <a:r>
-              <a:rPr lang="ru-RU" sz="2200" dirty="0"/>
-              <a:t>.</a:t>
-            </a:r>
-          </a:p>
-          <a:p>
-            <a:pPr marL="342900" indent="-342900">
-              <a:buFont typeface="Wingdings" panose="05000000000000000000" pitchFamily="2" charset="2"/>
-              <a:buChar char="q"/>
-            </a:pPr>
-            <a:r>
-              <a:rPr lang="ru-RU" sz="2200" dirty="0" err="1"/>
-              <a:t>Множини</a:t>
-            </a:r>
-            <a:r>
-              <a:rPr lang="ru-RU" sz="2200" dirty="0"/>
-              <a:t> </a:t>
-            </a:r>
-            <a:r>
-              <a:rPr lang="ru-RU" sz="2200" dirty="0" err="1"/>
-              <a:t>Python</a:t>
-            </a:r>
-            <a:r>
-              <a:rPr lang="ru-RU" sz="2200" dirty="0"/>
-              <a:t> </a:t>
-            </a:r>
-            <a:r>
-              <a:rPr lang="ru-RU" sz="2200" dirty="0" err="1"/>
-              <a:t>використовуються</a:t>
-            </a:r>
-            <a:r>
-              <a:rPr lang="ru-RU" sz="2200" dirty="0"/>
-              <a:t> для </a:t>
-            </a:r>
-            <a:r>
-              <a:rPr lang="ru-RU" sz="2200" dirty="0" err="1"/>
-              <a:t>розв’язання</a:t>
-            </a:r>
-            <a:r>
-              <a:rPr lang="ru-RU" sz="2200" dirty="0"/>
-              <a:t> </a:t>
-            </a:r>
-            <a:r>
-              <a:rPr lang="ru-RU" sz="2200" dirty="0" smtClean="0"/>
-              <a:t>задач</a:t>
-            </a:r>
-            <a:r>
-              <a:rPr lang="uk-UA" sz="2200" dirty="0"/>
-              <a:t>,</a:t>
-            </a:r>
-            <a:r>
-              <a:rPr lang="ru-RU" sz="2200" dirty="0" smtClean="0"/>
-              <a:t> </a:t>
-            </a:r>
-            <a:r>
-              <a:rPr lang="ru-RU" sz="2200" dirty="0"/>
-              <a:t>у </a:t>
-            </a:r>
-            <a:r>
-              <a:rPr lang="ru-RU" sz="2200" dirty="0" err="1"/>
-              <a:t>яких</a:t>
-            </a:r>
-            <a:r>
-              <a:rPr lang="ru-RU" sz="2200" dirty="0"/>
-              <a:t> </a:t>
-            </a:r>
-            <a:r>
-              <a:rPr lang="ru-RU" sz="2200" dirty="0" err="1"/>
-              <a:t>має</a:t>
-            </a:r>
-            <a:endParaRPr lang="ru-RU" sz="2200" dirty="0"/>
-          </a:p>
-          <a:p>
-            <a:pPr marL="342900" indent="-342900">
-              <a:buFont typeface="Wingdings" panose="05000000000000000000" pitchFamily="2" charset="2"/>
-              <a:buChar char="q"/>
-            </a:pPr>
-            <a:r>
-              <a:rPr lang="ru-RU" sz="2200" dirty="0" err="1"/>
-              <a:t>значення</a:t>
-            </a:r>
-            <a:r>
-              <a:rPr lang="ru-RU" sz="2200" dirty="0"/>
-              <a:t> </a:t>
-            </a:r>
-            <a:r>
-              <a:rPr lang="ru-RU" sz="2200" dirty="0" err="1"/>
-              <a:t>лише</a:t>
-            </a:r>
-            <a:r>
-              <a:rPr lang="ru-RU" sz="2200" dirty="0"/>
-              <a:t> </a:t>
-            </a:r>
-            <a:r>
-              <a:rPr lang="ru-RU" sz="2200" dirty="0" err="1"/>
-              <a:t>приналежність</a:t>
-            </a:r>
-            <a:r>
-              <a:rPr lang="ru-RU" sz="2200" dirty="0"/>
-              <a:t> </a:t>
-            </a:r>
-            <a:r>
-              <a:rPr lang="ru-RU" sz="2200" dirty="0" err="1"/>
-              <a:t>елемента</a:t>
-            </a:r>
-            <a:r>
-              <a:rPr lang="ru-RU" sz="2200" dirty="0"/>
-              <a:t> до </a:t>
-            </a:r>
-            <a:r>
-              <a:rPr lang="ru-RU" sz="2200" dirty="0" err="1"/>
-              <a:t>деякої</a:t>
-            </a:r>
-            <a:r>
-              <a:rPr lang="ru-RU" sz="2200" dirty="0"/>
-              <a:t> </a:t>
-            </a:r>
-            <a:r>
-              <a:rPr lang="ru-RU" sz="2200" dirty="0" err="1"/>
-              <a:t>множини</a:t>
-            </a:r>
-            <a:r>
-              <a:rPr lang="ru-RU" sz="2200" dirty="0"/>
-              <a:t> </a:t>
-            </a:r>
-            <a:r>
-              <a:rPr lang="ru-RU" sz="2200" dirty="0" err="1"/>
-              <a:t>або</a:t>
-            </a:r>
-            <a:r>
-              <a:rPr lang="ru-RU" sz="2200" dirty="0"/>
-              <a:t> </a:t>
-            </a:r>
-            <a:r>
-              <a:rPr lang="ru-RU" sz="2200" dirty="0" err="1" smtClean="0"/>
-              <a:t>відсутність</a:t>
-            </a:r>
-            <a:r>
-              <a:rPr lang="ru-RU" sz="2200" dirty="0" smtClean="0"/>
-              <a:t> </a:t>
-            </a:r>
-            <a:r>
-              <a:rPr lang="ru-RU" sz="2200" dirty="0" err="1" smtClean="0"/>
-              <a:t>елемента</a:t>
-            </a:r>
-            <a:r>
-              <a:rPr lang="ru-RU" sz="2200" dirty="0" smtClean="0"/>
-              <a:t> </a:t>
-            </a:r>
-            <a:r>
-              <a:rPr lang="ru-RU" sz="2200" dirty="0"/>
-              <a:t>у </a:t>
-            </a:r>
-            <a:r>
-              <a:rPr lang="ru-RU" sz="2200" dirty="0" err="1"/>
-              <a:t>множині</a:t>
-            </a:r>
-            <a:r>
-              <a:rPr lang="ru-RU" sz="2200" dirty="0"/>
-              <a:t>. </a:t>
-            </a:r>
-            <a:endParaRPr lang="ru-RU" sz="2200" dirty="0" smtClean="0"/>
-          </a:p>
-          <a:p>
-            <a:pPr marL="342900" indent="-342900">
-              <a:buFont typeface="Wingdings" panose="05000000000000000000" pitchFamily="2" charset="2"/>
-              <a:buChar char="q"/>
-            </a:pPr>
-            <a:r>
-              <a:rPr lang="ru-RU" sz="2200" dirty="0" smtClean="0"/>
-              <a:t>Робота </a:t>
-            </a:r>
-            <a:r>
-              <a:rPr lang="ru-RU" sz="2200" dirty="0"/>
-              <a:t>з </a:t>
-            </a:r>
-            <a:r>
-              <a:rPr lang="ru-RU" sz="2200" dirty="0" err="1"/>
-              <a:t>множинами</a:t>
-            </a:r>
-            <a:r>
-              <a:rPr lang="ru-RU" sz="2200" dirty="0"/>
-              <a:t> у </a:t>
-            </a:r>
-            <a:r>
-              <a:rPr lang="ru-RU" sz="2200" dirty="0" err="1"/>
-              <a:t>Python</a:t>
-            </a:r>
-            <a:r>
-              <a:rPr lang="ru-RU" sz="2200" dirty="0"/>
-              <a:t> </a:t>
-            </a:r>
-            <a:r>
-              <a:rPr lang="ru-RU" sz="2200" dirty="0" err="1"/>
-              <a:t>подібна</a:t>
-            </a:r>
-            <a:r>
-              <a:rPr lang="ru-RU" sz="2200" dirty="0"/>
-              <a:t> до </a:t>
-            </a:r>
-            <a:r>
-              <a:rPr lang="ru-RU" sz="2200" dirty="0" err="1"/>
-              <a:t>роботи</a:t>
-            </a:r>
-            <a:r>
-              <a:rPr lang="ru-RU" sz="2200" dirty="0"/>
-              <a:t> </a:t>
-            </a:r>
-            <a:r>
-              <a:rPr lang="ru-RU" sz="2200" dirty="0" smtClean="0"/>
-              <a:t>з </a:t>
-            </a:r>
-            <a:r>
-              <a:rPr lang="ru-RU" sz="2200" dirty="0" err="1" smtClean="0"/>
-              <a:t>дискретними</a:t>
-            </a:r>
-            <a:r>
-              <a:rPr lang="ru-RU" sz="2200" dirty="0" smtClean="0"/>
-              <a:t> </a:t>
-            </a:r>
-            <a:r>
-              <a:rPr lang="ru-RU" sz="2200" dirty="0" err="1"/>
-              <a:t>множинами</a:t>
-            </a:r>
-            <a:r>
-              <a:rPr lang="ru-RU" sz="2200" dirty="0"/>
-              <a:t> у </a:t>
-            </a:r>
-            <a:r>
-              <a:rPr lang="ru-RU" sz="2200" dirty="0" err="1"/>
-              <a:t>математиці</a:t>
-            </a:r>
-            <a:r>
-              <a:rPr lang="ru-RU" sz="2200" dirty="0"/>
-              <a:t>.</a:t>
-            </a:r>
+              <a:rPr lang="ru-RU" sz="1000" dirty="0" smtClean="0"/>
+              <a:t>\</a:t>
+            </a:r>
+            <a:r>
+              <a:rPr lang="ru-RU" sz="1000" dirty="0" err="1" smtClean="0"/>
+              <a:t>ready</a:t>
+            </a:r>
+            <a:r>
+              <a:rPr lang="ru-RU" sz="1000" dirty="0" smtClean="0"/>
+              <a:t>\</a:t>
+            </a:r>
+            <a:r>
+              <a:rPr lang="en-GB" sz="1000" dirty="0"/>
+              <a:t>lab8_a.py</a:t>
+            </a:r>
+            <a:endParaRPr lang="ru-RU" sz="1000" dirty="0"/>
           </a:p>
         </p:txBody>
       </p:sp>
     </p:spTree>
     <p:extLst>
       <p:ext uri="{BB962C8B-B14F-4D97-AF65-F5344CB8AC3E}">
-        <p14:creationId xmlns:p14="http://schemas.microsoft.com/office/powerpoint/2010/main" val="1312012280"/>
+        <p14:creationId xmlns:p14="http://schemas.microsoft.com/office/powerpoint/2010/main" val="3606364068"/>
       </p:ext>
     </p:extLst>
   </p:cSld>
@@ -14159,57 +13767,14 @@
       </p:grpSpPr>
       <p:sp>
         <p:nvSpPr>
-          <p:cNvPr id="2" name="Прямоугольник 1"/>
-          <p:cNvSpPr/>
-          <p:nvPr/>
-        </p:nvSpPr>
-        <p:spPr>
-          <a:xfrm>
-            <a:off x="2489211" y="0"/>
-            <a:ext cx="4583947" cy="646331"/>
-          </a:xfrm>
-          <a:prstGeom prst="rect">
-            <a:avLst/>
-          </a:prstGeom>
-        </p:spPr>
-        <p:txBody>
-          <a:bodyPr wrap="none">
-            <a:spAutoFit/>
-          </a:bodyPr>
-          <a:lstStyle/>
-          <a:p>
-            <a:r>
-              <a:rPr lang="ru-RU" sz="3600" b="1" dirty="0" err="1">
-                <a:latin typeface="Cambria,Bold"/>
-              </a:rPr>
-              <a:t>Створення</a:t>
-            </a:r>
-            <a:r>
-              <a:rPr lang="ru-RU" sz="3600" b="1" dirty="0">
-                <a:latin typeface="Cambria,Bold"/>
-              </a:rPr>
-              <a:t> </a:t>
-            </a:r>
-            <a:r>
-              <a:rPr lang="ru-RU" sz="3600" b="1" dirty="0" err="1">
-                <a:latin typeface="Cambria,Bold"/>
-              </a:rPr>
-              <a:t>множин</a:t>
-            </a:r>
-            <a:endParaRPr lang="ru-RU" sz="3600" dirty="0"/>
-          </a:p>
-        </p:txBody>
-      </p:sp>
-      <p:sp>
-        <p:nvSpPr>
           <p:cNvPr id="3" name="Прямоугольник 2"/>
           <p:cNvSpPr/>
           <p:nvPr/>
         </p:nvSpPr>
         <p:spPr>
           <a:xfrm>
-            <a:off x="0" y="1482636"/>
-            <a:ext cx="9144000" cy="769441"/>
+            <a:off x="0" y="0"/>
+            <a:ext cx="9143999" cy="584775"/>
           </a:xfrm>
           <a:prstGeom prst="rect">
             <a:avLst/>
@@ -14221,504 +13786,47 @@
           </a:bodyPr>
           <a:lstStyle/>
           <a:p>
-            <a:r>
-              <a:rPr lang="ru-RU" sz="2200" dirty="0" err="1" smtClean="0"/>
-              <a:t>Елементи</a:t>
-            </a:r>
-            <a:r>
-              <a:rPr lang="ru-RU" sz="2200" dirty="0" smtClean="0"/>
-              <a:t> </a:t>
-            </a:r>
-            <a:r>
-              <a:rPr lang="ru-RU" sz="2200" dirty="0" err="1"/>
-              <a:t>множини</a:t>
-            </a:r>
-            <a:r>
-              <a:rPr lang="ru-RU" sz="2200" dirty="0"/>
-              <a:t> </a:t>
-            </a:r>
-            <a:r>
-              <a:rPr lang="ru-RU" sz="2200" dirty="0" err="1"/>
-              <a:t>розділяються</a:t>
-            </a:r>
-            <a:r>
-              <a:rPr lang="ru-RU" sz="2200" dirty="0"/>
-              <a:t> комою, а </a:t>
-            </a:r>
-            <a:r>
-              <a:rPr lang="ru-RU" sz="2200" dirty="0" smtClean="0"/>
-              <a:t>вся </a:t>
-            </a:r>
-            <a:r>
-              <a:rPr lang="ru-RU" sz="2200" dirty="0" err="1" smtClean="0"/>
-              <a:t>послідовність</a:t>
-            </a:r>
-            <a:r>
-              <a:rPr lang="ru-RU" sz="2200" dirty="0" smtClean="0"/>
-              <a:t> </a:t>
-            </a:r>
-            <a:r>
-              <a:rPr lang="ru-RU" sz="2200" dirty="0" err="1"/>
-              <a:t>записується</a:t>
-            </a:r>
-            <a:r>
-              <a:rPr lang="ru-RU" sz="2200" dirty="0"/>
-              <a:t> у </a:t>
-            </a:r>
-            <a:r>
-              <a:rPr lang="ru-RU" sz="2200" dirty="0" err="1">
-                <a:solidFill>
-                  <a:srgbClr val="FF0000"/>
-                </a:solidFill>
-              </a:rPr>
-              <a:t>фігурних</a:t>
-            </a:r>
-            <a:r>
-              <a:rPr lang="ru-RU" sz="2200" dirty="0">
-                <a:solidFill>
-                  <a:srgbClr val="FF0000"/>
-                </a:solidFill>
-              </a:rPr>
-              <a:t> дужках</a:t>
-            </a:r>
-            <a:r>
-              <a:rPr lang="ru-RU" sz="2200" dirty="0"/>
-              <a:t>, </a:t>
-            </a:r>
-            <a:r>
-              <a:rPr lang="ru-RU" sz="2200" dirty="0" err="1"/>
-              <a:t>аналогічно</a:t>
-            </a:r>
-            <a:r>
-              <a:rPr lang="ru-RU" sz="2200" dirty="0"/>
-              <a:t> словникам</a:t>
-            </a:r>
+            <a:pPr algn="ctr"/>
+            <a:r>
+              <a:rPr lang="ru-RU" sz="3200" b="1" dirty="0" smtClean="0"/>
+              <a:t>Приклад </a:t>
+            </a:r>
+            <a:r>
+              <a:rPr lang="uk-UA" sz="3200" b="1" dirty="0" smtClean="0"/>
+              <a:t>програми до лабораторної роботи №8</a:t>
+            </a:r>
+            <a:endParaRPr lang="ru-RU" sz="3200" dirty="0"/>
           </a:p>
         </p:txBody>
       </p:sp>
-      <p:sp>
-        <p:nvSpPr>
-          <p:cNvPr id="4" name="Прямоугольник 3"/>
-          <p:cNvSpPr/>
+      <p:pic>
+        <p:nvPicPr>
+          <p:cNvPr id="4" name="Рисунок 3"/>
+          <p:cNvPicPr>
+            <a:picLocks noChangeAspect="1"/>
+          </p:cNvPicPr>
           <p:nvPr/>
-        </p:nvSpPr>
+        </p:nvPicPr>
+        <p:blipFill>
+          <a:blip r:embed="rId2"/>
+          <a:stretch>
+            <a:fillRect/>
+          </a:stretch>
+        </p:blipFill>
         <p:spPr>
           <a:xfrm>
-            <a:off x="197277" y="962367"/>
-            <a:ext cx="3351559" cy="430887"/>
+            <a:off x="127000" y="926919"/>
+            <a:ext cx="9017000" cy="6203989"/>
           </a:xfrm>
           <a:prstGeom prst="rect">
             <a:avLst/>
           </a:prstGeom>
         </p:spPr>
-        <p:txBody>
-          <a:bodyPr wrap="none">
-            <a:spAutoFit/>
-          </a:bodyPr>
-          <a:lstStyle/>
-          <a:p>
-            <a:r>
-              <a:rPr lang="ru-RU" sz="2200" b="1" dirty="0">
-                <a:solidFill>
-                  <a:srgbClr val="0000CC"/>
-                </a:solidFill>
-              </a:rPr>
-              <a:t>1. За </a:t>
-            </a:r>
-            <a:r>
-              <a:rPr lang="ru-RU" sz="2200" b="1" dirty="0" err="1">
-                <a:solidFill>
-                  <a:srgbClr val="0000CC"/>
-                </a:solidFill>
-              </a:rPr>
-              <a:t>допомогою</a:t>
-            </a:r>
-            <a:r>
-              <a:rPr lang="ru-RU" sz="2200" b="1" dirty="0">
-                <a:solidFill>
-                  <a:srgbClr val="0000CC"/>
-                </a:solidFill>
-              </a:rPr>
-              <a:t> </a:t>
-            </a:r>
-            <a:r>
-              <a:rPr lang="ru-RU" sz="2200" b="1" dirty="0" err="1">
-                <a:solidFill>
-                  <a:srgbClr val="0000CC"/>
-                </a:solidFill>
-              </a:rPr>
-              <a:t>літерала</a:t>
-            </a:r>
-            <a:endParaRPr lang="ru-RU" sz="2200" b="1" dirty="0">
-              <a:solidFill>
-                <a:srgbClr val="0000CC"/>
-              </a:solidFill>
-            </a:endParaRPr>
-          </a:p>
-        </p:txBody>
-      </p:sp>
-      <p:sp>
-        <p:nvSpPr>
-          <p:cNvPr id="5" name="Прямоугольник 4"/>
-          <p:cNvSpPr/>
-          <p:nvPr/>
-        </p:nvSpPr>
-        <p:spPr>
-          <a:xfrm>
-            <a:off x="419100" y="2587536"/>
-            <a:ext cx="8305800" cy="1107996"/>
-          </a:xfrm>
-          <a:prstGeom prst="rect">
-            <a:avLst/>
-          </a:prstGeom>
-        </p:spPr>
-        <p:txBody>
-          <a:bodyPr wrap="square">
-            <a:spAutoFit/>
-          </a:bodyPr>
-          <a:lstStyle/>
-          <a:p>
-            <a:r>
-              <a:rPr lang="en-GB" sz="2200" dirty="0" err="1"/>
-              <a:t>empty_set</a:t>
-            </a:r>
-            <a:r>
-              <a:rPr lang="en-GB" sz="2200" dirty="0"/>
-              <a:t> = set() </a:t>
-            </a:r>
-            <a:r>
-              <a:rPr lang="uk-UA" sz="2200" dirty="0" smtClean="0"/>
-              <a:t> 	</a:t>
-            </a:r>
-            <a:r>
-              <a:rPr lang="en-GB" sz="2200" dirty="0" smtClean="0">
-                <a:solidFill>
-                  <a:srgbClr val="FF0000"/>
-                </a:solidFill>
-              </a:rPr>
-              <a:t># </a:t>
-            </a:r>
-            <a:r>
-              <a:rPr lang="ru-RU" sz="2200" dirty="0" err="1">
-                <a:solidFill>
-                  <a:srgbClr val="FF0000"/>
-                </a:solidFill>
-              </a:rPr>
-              <a:t>Порожня</a:t>
-            </a:r>
-            <a:r>
-              <a:rPr lang="ru-RU" sz="2200" dirty="0">
-                <a:solidFill>
-                  <a:srgbClr val="FF0000"/>
-                </a:solidFill>
-              </a:rPr>
-              <a:t> </a:t>
-            </a:r>
-            <a:r>
-              <a:rPr lang="ru-RU" sz="2200" dirty="0" err="1">
-                <a:solidFill>
-                  <a:srgbClr val="FF0000"/>
-                </a:solidFill>
-              </a:rPr>
-              <a:t>множина</a:t>
-            </a:r>
-            <a:r>
-              <a:rPr lang="ru-RU" sz="2200" dirty="0">
-                <a:solidFill>
-                  <a:srgbClr val="FF0000"/>
-                </a:solidFill>
-              </a:rPr>
-              <a:t> </a:t>
-            </a:r>
-            <a:r>
-              <a:rPr lang="ru-RU" sz="2200" dirty="0" err="1">
-                <a:solidFill>
-                  <a:srgbClr val="FF0000"/>
-                </a:solidFill>
-              </a:rPr>
-              <a:t>може</a:t>
-            </a:r>
-            <a:r>
-              <a:rPr lang="ru-RU" sz="2200" dirty="0">
-                <a:solidFill>
-                  <a:srgbClr val="FF0000"/>
-                </a:solidFill>
-              </a:rPr>
-              <a:t> </a:t>
-            </a:r>
-            <a:r>
-              <a:rPr lang="ru-RU" sz="2200" dirty="0" err="1">
-                <a:solidFill>
-                  <a:srgbClr val="FF0000"/>
-                </a:solidFill>
-              </a:rPr>
-              <a:t>створюватися</a:t>
-            </a:r>
-            <a:endParaRPr lang="ru-RU" sz="2200" dirty="0">
-              <a:solidFill>
-                <a:srgbClr val="FF0000"/>
-              </a:solidFill>
-            </a:endParaRPr>
-          </a:p>
-          <a:p>
-            <a:r>
-              <a:rPr lang="ru-RU" sz="2200" dirty="0" smtClean="0">
-                <a:solidFill>
-                  <a:srgbClr val="FF0000"/>
-                </a:solidFill>
-              </a:rPr>
-              <a:t>			# </a:t>
-            </a:r>
-            <a:r>
-              <a:rPr lang="ru-RU" sz="2200" dirty="0" err="1">
-                <a:solidFill>
-                  <a:srgbClr val="FF0000"/>
-                </a:solidFill>
-              </a:rPr>
-              <a:t>лише</a:t>
-            </a:r>
-            <a:r>
-              <a:rPr lang="ru-RU" sz="2200" dirty="0">
-                <a:solidFill>
-                  <a:srgbClr val="FF0000"/>
-                </a:solidFill>
-              </a:rPr>
-              <a:t> з </a:t>
-            </a:r>
-            <a:r>
-              <a:rPr lang="ru-RU" sz="2200" dirty="0" err="1">
-                <a:solidFill>
-                  <a:srgbClr val="FF0000"/>
-                </a:solidFill>
-              </a:rPr>
-              <a:t>допомогою</a:t>
-            </a:r>
-            <a:r>
-              <a:rPr lang="ru-RU" sz="2200" dirty="0">
-                <a:solidFill>
-                  <a:srgbClr val="FF0000"/>
-                </a:solidFill>
-              </a:rPr>
-              <a:t> </a:t>
-            </a:r>
-            <a:r>
-              <a:rPr lang="ru-RU" sz="2200" dirty="0" err="1">
-                <a:solidFill>
-                  <a:srgbClr val="FF0000"/>
-                </a:solidFill>
-              </a:rPr>
-              <a:t>інструкції</a:t>
-            </a:r>
-            <a:r>
-              <a:rPr lang="ru-RU" sz="2200" dirty="0">
-                <a:solidFill>
-                  <a:srgbClr val="FF0000"/>
-                </a:solidFill>
-              </a:rPr>
-              <a:t> </a:t>
-            </a:r>
-            <a:r>
-              <a:rPr lang="en-GB" sz="2200" dirty="0">
-                <a:solidFill>
-                  <a:srgbClr val="FF0000"/>
-                </a:solidFill>
-              </a:rPr>
-              <a:t>set</a:t>
-            </a:r>
-          </a:p>
-          <a:p>
-            <a:r>
-              <a:rPr lang="en-GB" sz="2200" dirty="0"/>
-              <a:t>M = {1, 2, 3, 3, 3} </a:t>
-            </a:r>
-            <a:r>
-              <a:rPr lang="uk-UA" sz="2200" dirty="0" smtClean="0"/>
-              <a:t>	</a:t>
-            </a:r>
-            <a:r>
-              <a:rPr lang="en-GB" sz="2200" dirty="0" smtClean="0">
-                <a:solidFill>
-                  <a:srgbClr val="FF0000"/>
-                </a:solidFill>
-              </a:rPr>
-              <a:t># </a:t>
-            </a:r>
-            <a:r>
-              <a:rPr lang="ru-RU" sz="2200" dirty="0" err="1">
-                <a:solidFill>
-                  <a:srgbClr val="FF0000"/>
-                </a:solidFill>
-              </a:rPr>
-              <a:t>Множина</a:t>
-            </a:r>
-            <a:r>
-              <a:rPr lang="ru-RU" sz="2200" dirty="0">
-                <a:solidFill>
-                  <a:srgbClr val="FF0000"/>
-                </a:solidFill>
-              </a:rPr>
-              <a:t> {1, 2, 3}</a:t>
-            </a:r>
-          </a:p>
-        </p:txBody>
-      </p:sp>
-      <p:sp>
-        <p:nvSpPr>
-          <p:cNvPr id="6" name="Прямоугольник 5"/>
-          <p:cNvSpPr/>
-          <p:nvPr/>
-        </p:nvSpPr>
-        <p:spPr>
-          <a:xfrm>
-            <a:off x="197276" y="4030991"/>
-            <a:ext cx="8743523" cy="1107996"/>
-          </a:xfrm>
-          <a:prstGeom prst="rect">
-            <a:avLst/>
-          </a:prstGeom>
-        </p:spPr>
-        <p:txBody>
-          <a:bodyPr wrap="square">
-            <a:spAutoFit/>
-          </a:bodyPr>
-          <a:lstStyle/>
-          <a:p>
-            <a:r>
-              <a:rPr lang="ru-RU" sz="2200" dirty="0" err="1" smtClean="0"/>
-              <a:t>Порожні</a:t>
-            </a:r>
-            <a:r>
-              <a:rPr lang="ru-RU" sz="2200" dirty="0" smtClean="0"/>
-              <a:t> </a:t>
-            </a:r>
-            <a:r>
-              <a:rPr lang="ru-RU" sz="2200" dirty="0" err="1" smtClean="0"/>
-              <a:t>фігурні</a:t>
-            </a:r>
-            <a:r>
-              <a:rPr lang="ru-RU" sz="2200" dirty="0" smtClean="0"/>
-              <a:t> </a:t>
-            </a:r>
-            <a:r>
-              <a:rPr lang="ru-RU" sz="2200" dirty="0"/>
-              <a:t>дужки </a:t>
-            </a:r>
-            <a:r>
-              <a:rPr lang="ru-RU" sz="2200" dirty="0" err="1"/>
-              <a:t>використовуються</a:t>
-            </a:r>
-            <a:r>
-              <a:rPr lang="ru-RU" sz="2200" dirty="0"/>
-              <a:t> для </a:t>
-            </a:r>
-            <a:r>
-              <a:rPr lang="ru-RU" sz="2200" dirty="0" err="1"/>
-              <a:t>створення</a:t>
-            </a:r>
-            <a:r>
-              <a:rPr lang="ru-RU" sz="2200" dirty="0"/>
-              <a:t> </a:t>
-            </a:r>
-            <a:r>
-              <a:rPr lang="ru-RU" sz="2200" dirty="0" err="1"/>
-              <a:t>словників</a:t>
-            </a:r>
-            <a:r>
-              <a:rPr lang="ru-RU" sz="2200" dirty="0"/>
-              <a:t>. Тому, </a:t>
-            </a:r>
-            <a:r>
-              <a:rPr lang="ru-RU" sz="2200" dirty="0" err="1"/>
-              <a:t>щоб</a:t>
-            </a:r>
-            <a:r>
-              <a:rPr lang="ru-RU" sz="2200" dirty="0"/>
-              <a:t> </a:t>
-            </a:r>
-            <a:r>
-              <a:rPr lang="ru-RU" sz="2200" dirty="0" err="1" smtClean="0"/>
-              <a:t>уникнути</a:t>
-            </a:r>
-            <a:r>
-              <a:rPr lang="ru-RU" sz="2200" dirty="0" smtClean="0"/>
-              <a:t> </a:t>
-            </a:r>
-            <a:r>
-              <a:rPr lang="ru-RU" sz="2200" dirty="0" err="1" smtClean="0"/>
-              <a:t>неоднозначності</a:t>
-            </a:r>
-            <a:r>
-              <a:rPr lang="ru-RU" sz="2200" dirty="0" smtClean="0"/>
-              <a:t> </a:t>
-            </a:r>
-            <a:r>
-              <a:rPr lang="ru-RU" sz="2200" dirty="0" err="1"/>
-              <a:t>порожні</a:t>
-            </a:r>
-            <a:r>
-              <a:rPr lang="ru-RU" sz="2200" dirty="0"/>
-              <a:t> </a:t>
-            </a:r>
-            <a:r>
-              <a:rPr lang="ru-RU" sz="2200" dirty="0" err="1"/>
-              <a:t>множини</a:t>
-            </a:r>
-            <a:r>
-              <a:rPr lang="ru-RU" sz="2200" dirty="0"/>
-              <a:t> </a:t>
-            </a:r>
-            <a:r>
-              <a:rPr lang="ru-RU" sz="2200" dirty="0" err="1"/>
-              <a:t>створюються</a:t>
-            </a:r>
-            <a:r>
-              <a:rPr lang="ru-RU" sz="2200" dirty="0"/>
-              <a:t> з </a:t>
-            </a:r>
-            <a:r>
-              <a:rPr lang="ru-RU" sz="2200" dirty="0" err="1"/>
-              <a:t>використанням</a:t>
-            </a:r>
-            <a:r>
-              <a:rPr lang="ru-RU" sz="2200" dirty="0"/>
-              <a:t> </a:t>
-            </a:r>
-            <a:r>
-              <a:rPr lang="ru-RU" sz="2200" dirty="0" err="1"/>
-              <a:t>функції</a:t>
-            </a:r>
-            <a:r>
-              <a:rPr lang="ru-RU" sz="2200" dirty="0"/>
-              <a:t> </a:t>
-            </a:r>
-            <a:r>
-              <a:rPr lang="ru-RU" sz="2200" b="1" dirty="0" err="1" smtClean="0">
-                <a:solidFill>
-                  <a:srgbClr val="0000CC"/>
-                </a:solidFill>
-              </a:rPr>
-              <a:t>set</a:t>
-            </a:r>
-            <a:r>
-              <a:rPr lang="ru-RU" sz="2200" b="1" dirty="0" smtClean="0">
-                <a:solidFill>
-                  <a:srgbClr val="0000CC"/>
-                </a:solidFill>
-              </a:rPr>
-              <a:t>()</a:t>
-            </a:r>
-            <a:r>
-              <a:rPr lang="ru-RU" sz="2200" dirty="0" smtClean="0"/>
-              <a:t>.</a:t>
-            </a:r>
-            <a:endParaRPr lang="ru-RU" sz="2200" dirty="0"/>
-          </a:p>
-        </p:txBody>
-      </p:sp>
+      </p:pic>
     </p:spTree>
     <p:extLst>
       <p:ext uri="{BB962C8B-B14F-4D97-AF65-F5344CB8AC3E}">
-        <p14:creationId xmlns:p14="http://schemas.microsoft.com/office/powerpoint/2010/main" val="2407457050"/>
+        <p14:creationId xmlns:p14="http://schemas.microsoft.com/office/powerpoint/2010/main" val="2163226087"/>
       </p:ext>
     </p:extLst>
   </p:cSld>
@@ -14754,14 +13862,14 @@
       </p:grpSpPr>
       <p:sp>
         <p:nvSpPr>
-          <p:cNvPr id="2" name="Прямоугольник 1"/>
+          <p:cNvPr id="3" name="Прямоугольник 2"/>
           <p:cNvSpPr/>
           <p:nvPr/>
         </p:nvSpPr>
         <p:spPr>
           <a:xfrm>
-            <a:off x="203210" y="2532150"/>
-            <a:ext cx="8940789" cy="430887"/>
+            <a:off x="0" y="0"/>
+            <a:ext cx="9143999" cy="584775"/>
           </a:xfrm>
           <a:prstGeom prst="rect">
             <a:avLst/>
@@ -14773,552 +13881,47 @@
           </a:bodyPr>
           <a:lstStyle/>
           <a:p>
-            <a:r>
-              <a:rPr lang="ru-RU" sz="2200" dirty="0" smtClean="0">
-                <a:solidFill>
-                  <a:srgbClr val="000000"/>
-                </a:solidFill>
-              </a:rPr>
-              <a:t>Тут </a:t>
-            </a:r>
-            <a:r>
-              <a:rPr lang="ru-RU" sz="2200" dirty="0">
-                <a:solidFill>
-                  <a:srgbClr val="000000"/>
-                </a:solidFill>
-              </a:rPr>
-              <a:t>M – нова </a:t>
-            </a:r>
-            <a:r>
-              <a:rPr lang="ru-RU" sz="2200" dirty="0" err="1">
-                <a:solidFill>
-                  <a:srgbClr val="000000"/>
-                </a:solidFill>
-              </a:rPr>
-              <a:t>множна</a:t>
-            </a:r>
-            <a:r>
-              <a:rPr lang="ru-RU" sz="2200" dirty="0">
-                <a:solidFill>
-                  <a:srgbClr val="000000"/>
-                </a:solidFill>
-              </a:rPr>
-              <a:t>, </a:t>
-            </a:r>
-            <a:r>
-              <a:rPr lang="ru-RU" sz="2200" dirty="0" err="1">
-                <a:solidFill>
-                  <a:srgbClr val="000000"/>
-                </a:solidFill>
-              </a:rPr>
-              <a:t>що</a:t>
-            </a:r>
-            <a:r>
-              <a:rPr lang="ru-RU" sz="2200" dirty="0">
-                <a:solidFill>
-                  <a:srgbClr val="000000"/>
-                </a:solidFill>
-              </a:rPr>
-              <a:t> </a:t>
-            </a:r>
-            <a:r>
-              <a:rPr lang="ru-RU" sz="2200" dirty="0" err="1">
-                <a:solidFill>
-                  <a:srgbClr val="000000"/>
-                </a:solidFill>
-              </a:rPr>
-              <a:t>будується</a:t>
-            </a:r>
-            <a:r>
-              <a:rPr lang="ru-RU" sz="2200" dirty="0">
-                <a:solidFill>
-                  <a:srgbClr val="000000"/>
-                </a:solidFill>
-              </a:rPr>
-              <a:t> на </a:t>
-            </a:r>
-            <a:r>
-              <a:rPr lang="ru-RU" sz="2200" dirty="0" err="1">
-                <a:solidFill>
-                  <a:srgbClr val="000000"/>
-                </a:solidFill>
-              </a:rPr>
-              <a:t>базі</a:t>
-            </a:r>
-            <a:r>
-              <a:rPr lang="ru-RU" sz="2200" dirty="0">
-                <a:solidFill>
-                  <a:srgbClr val="000000"/>
-                </a:solidFill>
-              </a:rPr>
-              <a:t> </a:t>
-            </a:r>
-            <a:r>
-              <a:rPr lang="ru-RU" sz="2200" dirty="0" err="1">
-                <a:solidFill>
-                  <a:srgbClr val="000000"/>
-                </a:solidFill>
-              </a:rPr>
-              <a:t>колекції</a:t>
-            </a:r>
-            <a:r>
-              <a:rPr lang="ru-RU" sz="2200" dirty="0">
-                <a:solidFill>
-                  <a:srgbClr val="000000"/>
-                </a:solidFill>
-              </a:rPr>
-              <a:t> </a:t>
-            </a:r>
-            <a:r>
-              <a:rPr lang="ru-RU" sz="2200" dirty="0" err="1">
-                <a:solidFill>
-                  <a:srgbClr val="000000"/>
-                </a:solidFill>
-              </a:rPr>
-              <a:t>collection</a:t>
-            </a:r>
-            <a:r>
-              <a:rPr lang="ru-RU" sz="2200" dirty="0" smtClean="0">
-                <a:solidFill>
-                  <a:srgbClr val="000000"/>
-                </a:solidFill>
-              </a:rPr>
-              <a:t>.</a:t>
-            </a:r>
-            <a:endParaRPr lang="ru-RU" sz="2200" dirty="0">
-              <a:solidFill>
-                <a:srgbClr val="000000"/>
-              </a:solidFill>
-            </a:endParaRPr>
+            <a:pPr algn="ctr"/>
+            <a:r>
+              <a:rPr lang="ru-RU" sz="3200" b="1" dirty="0" smtClean="0"/>
+              <a:t>Приклад </a:t>
+            </a:r>
+            <a:r>
+              <a:rPr lang="uk-UA" sz="3200" b="1" dirty="0" smtClean="0"/>
+              <a:t>програми до лабораторної роботи №8</a:t>
+            </a:r>
+            <a:endParaRPr lang="ru-RU" sz="3200" dirty="0"/>
           </a:p>
         </p:txBody>
       </p:sp>
-      <p:sp>
-        <p:nvSpPr>
-          <p:cNvPr id="3" name="Прямоугольник 2"/>
-          <p:cNvSpPr/>
+      <p:pic>
+        <p:nvPicPr>
+          <p:cNvPr id="5" name="Рисунок 4"/>
+          <p:cNvPicPr>
+            <a:picLocks noChangeAspect="1"/>
+          </p:cNvPicPr>
           <p:nvPr/>
-        </p:nvSpPr>
+        </p:nvPicPr>
+        <p:blipFill>
+          <a:blip r:embed="rId2"/>
+          <a:stretch>
+            <a:fillRect/>
+          </a:stretch>
+        </p:blipFill>
         <p:spPr>
           <a:xfrm>
-            <a:off x="2489211" y="0"/>
-            <a:ext cx="4583947" cy="646331"/>
+            <a:off x="1" y="966787"/>
+            <a:ext cx="9143998" cy="5891213"/>
           </a:xfrm>
           <a:prstGeom prst="rect">
             <a:avLst/>
           </a:prstGeom>
         </p:spPr>
-        <p:txBody>
-          <a:bodyPr wrap="none">
-            <a:spAutoFit/>
-          </a:bodyPr>
-          <a:lstStyle/>
-          <a:p>
-            <a:r>
-              <a:rPr lang="ru-RU" sz="3600" b="1" dirty="0" err="1">
-                <a:latin typeface="Cambria,Bold"/>
-              </a:rPr>
-              <a:t>Створення</a:t>
-            </a:r>
-            <a:r>
-              <a:rPr lang="ru-RU" sz="3600" b="1" dirty="0">
-                <a:latin typeface="Cambria,Bold"/>
-              </a:rPr>
-              <a:t> </a:t>
-            </a:r>
-            <a:r>
-              <a:rPr lang="ru-RU" sz="3600" b="1" dirty="0" err="1">
-                <a:latin typeface="Cambria,Bold"/>
-              </a:rPr>
-              <a:t>множин</a:t>
-            </a:r>
-            <a:endParaRPr lang="ru-RU" sz="3600" dirty="0"/>
-          </a:p>
-        </p:txBody>
-      </p:sp>
-      <p:sp>
-        <p:nvSpPr>
-          <p:cNvPr id="4" name="Прямоугольник 3"/>
-          <p:cNvSpPr/>
-          <p:nvPr/>
-        </p:nvSpPr>
-        <p:spPr>
-          <a:xfrm>
-            <a:off x="310788" y="964674"/>
-            <a:ext cx="8833211" cy="769441"/>
-          </a:xfrm>
-          <a:prstGeom prst="rect">
-            <a:avLst/>
-          </a:prstGeom>
-        </p:spPr>
-        <p:txBody>
-          <a:bodyPr wrap="square">
-            <a:spAutoFit/>
-          </a:bodyPr>
-          <a:lstStyle/>
-          <a:p>
-            <a:r>
-              <a:rPr lang="ru-RU" sz="2200" b="1" dirty="0">
-                <a:solidFill>
-                  <a:srgbClr val="000000"/>
-                </a:solidFill>
-              </a:rPr>
-              <a:t>2. За </a:t>
-            </a:r>
-            <a:r>
-              <a:rPr lang="ru-RU" sz="2200" b="1" dirty="0" err="1">
-                <a:solidFill>
-                  <a:srgbClr val="000000"/>
-                </a:solidFill>
-              </a:rPr>
-              <a:t>допомогою</a:t>
-            </a:r>
-            <a:r>
-              <a:rPr lang="ru-RU" sz="2200" b="1" dirty="0">
-                <a:solidFill>
-                  <a:srgbClr val="000000"/>
-                </a:solidFill>
-              </a:rPr>
-              <a:t> </a:t>
-            </a:r>
-            <a:r>
-              <a:rPr lang="ru-RU" sz="2200" b="1" dirty="0" err="1">
-                <a:solidFill>
-                  <a:srgbClr val="000000"/>
-                </a:solidFill>
-              </a:rPr>
-              <a:t>перетворення</a:t>
-            </a:r>
-            <a:r>
-              <a:rPr lang="ru-RU" sz="2200" b="1" dirty="0">
-                <a:solidFill>
-                  <a:srgbClr val="000000"/>
-                </a:solidFill>
-              </a:rPr>
-              <a:t> у </a:t>
-            </a:r>
-            <a:r>
-              <a:rPr lang="ru-RU" sz="2200" b="1" dirty="0" err="1">
-                <a:solidFill>
-                  <a:srgbClr val="000000"/>
-                </a:solidFill>
-              </a:rPr>
-              <a:t>множину</a:t>
-            </a:r>
-            <a:r>
-              <a:rPr lang="ru-RU" sz="2200" b="1" dirty="0">
-                <a:solidFill>
-                  <a:srgbClr val="000000"/>
-                </a:solidFill>
-              </a:rPr>
-              <a:t> </a:t>
-            </a:r>
-            <a:r>
-              <a:rPr lang="ru-RU" sz="2200" b="1" dirty="0" err="1">
-                <a:solidFill>
-                  <a:srgbClr val="000000"/>
-                </a:solidFill>
-              </a:rPr>
-              <a:t>іншої</a:t>
-            </a:r>
-            <a:r>
-              <a:rPr lang="ru-RU" sz="2200" b="1" dirty="0">
-                <a:solidFill>
-                  <a:srgbClr val="000000"/>
-                </a:solidFill>
-              </a:rPr>
-              <a:t> </a:t>
-            </a:r>
-            <a:r>
-              <a:rPr lang="ru-RU" sz="2200" b="1" dirty="0" err="1">
-                <a:solidFill>
-                  <a:srgbClr val="000000"/>
-                </a:solidFill>
-              </a:rPr>
-              <a:t>колекції</a:t>
-            </a:r>
-            <a:r>
-              <a:rPr lang="ru-RU" sz="2200" b="1" dirty="0">
-                <a:solidFill>
-                  <a:srgbClr val="000000"/>
-                </a:solidFill>
-              </a:rPr>
-              <a:t> , </a:t>
-            </a:r>
-            <a:r>
-              <a:rPr lang="ru-RU" sz="2200" b="1" dirty="0" err="1">
-                <a:solidFill>
-                  <a:srgbClr val="000000"/>
-                </a:solidFill>
-              </a:rPr>
-              <a:t>використовуючи</a:t>
-            </a:r>
-            <a:r>
-              <a:rPr lang="ru-RU" sz="2200" b="1" dirty="0">
-                <a:solidFill>
-                  <a:srgbClr val="000000"/>
-                </a:solidFill>
-              </a:rPr>
-              <a:t> </a:t>
-            </a:r>
-            <a:r>
-              <a:rPr lang="ru-RU" sz="2200" b="1" dirty="0" err="1">
-                <a:solidFill>
-                  <a:srgbClr val="000000"/>
-                </a:solidFill>
-              </a:rPr>
-              <a:t>ключове</a:t>
-            </a:r>
-            <a:r>
-              <a:rPr lang="ru-RU" sz="2200" b="1" dirty="0">
-                <a:solidFill>
-                  <a:srgbClr val="000000"/>
-                </a:solidFill>
-              </a:rPr>
-              <a:t> слово </a:t>
-            </a:r>
-            <a:r>
-              <a:rPr lang="en-GB" sz="2200" b="1" dirty="0">
-                <a:solidFill>
-                  <a:srgbClr val="000081"/>
-                </a:solidFill>
-              </a:rPr>
-              <a:t>set</a:t>
-            </a:r>
-            <a:r>
-              <a:rPr lang="en-GB" sz="2200" dirty="0">
-                <a:solidFill>
-                  <a:srgbClr val="000000"/>
-                </a:solidFill>
-              </a:rPr>
-              <a:t>.</a:t>
-            </a:r>
-          </a:p>
-        </p:txBody>
-      </p:sp>
-      <p:sp>
-        <p:nvSpPr>
-          <p:cNvPr id="5" name="Прямоугольник 4"/>
-          <p:cNvSpPr/>
-          <p:nvPr/>
-        </p:nvSpPr>
-        <p:spPr>
-          <a:xfrm>
-            <a:off x="2489211" y="1917689"/>
-            <a:ext cx="2366289" cy="430887"/>
-          </a:xfrm>
-          <a:prstGeom prst="rect">
-            <a:avLst/>
-          </a:prstGeom>
-          <a:ln>
-            <a:solidFill>
-              <a:srgbClr val="0000CC"/>
-            </a:solidFill>
-          </a:ln>
-        </p:spPr>
-        <p:txBody>
-          <a:bodyPr wrap="none">
-            <a:spAutoFit/>
-          </a:bodyPr>
-          <a:lstStyle/>
-          <a:p>
-            <a:r>
-              <a:rPr lang="en-GB" sz="2200" b="1" dirty="0">
-                <a:solidFill>
-                  <a:srgbClr val="333333"/>
-                </a:solidFill>
-              </a:rPr>
-              <a:t>M = </a:t>
-            </a:r>
-            <a:r>
-              <a:rPr lang="en-GB" sz="2200" b="1" dirty="0">
-                <a:solidFill>
-                  <a:srgbClr val="000081"/>
-                </a:solidFill>
-              </a:rPr>
-              <a:t>set</a:t>
-            </a:r>
-            <a:r>
-              <a:rPr lang="en-GB" sz="2200" b="1" dirty="0">
-                <a:solidFill>
-                  <a:srgbClr val="333333"/>
-                </a:solidFill>
-              </a:rPr>
-              <a:t>(collection)</a:t>
-            </a:r>
-          </a:p>
-        </p:txBody>
-      </p:sp>
-      <p:sp>
-        <p:nvSpPr>
-          <p:cNvPr id="6" name="Прямоугольник 5"/>
-          <p:cNvSpPr/>
-          <p:nvPr/>
-        </p:nvSpPr>
-        <p:spPr>
-          <a:xfrm>
-            <a:off x="2032000" y="3374936"/>
-            <a:ext cx="2921000" cy="1107996"/>
-          </a:xfrm>
-          <a:prstGeom prst="rect">
-            <a:avLst/>
-          </a:prstGeom>
-          <a:ln>
-            <a:solidFill>
-              <a:srgbClr val="0000CC"/>
-            </a:solidFill>
-          </a:ln>
-        </p:spPr>
-        <p:txBody>
-          <a:bodyPr wrap="square">
-            <a:spAutoFit/>
-          </a:bodyPr>
-          <a:lstStyle/>
-          <a:p>
-            <a:r>
-              <a:rPr lang="en-GB" sz="2200" dirty="0">
-                <a:solidFill>
-                  <a:srgbClr val="994806"/>
-                </a:solidFill>
-              </a:rPr>
-              <a:t>&gt;&gt;&gt; </a:t>
-            </a:r>
-            <a:r>
-              <a:rPr lang="en-GB" sz="2200" dirty="0">
-                <a:solidFill>
-                  <a:srgbClr val="333333"/>
-                </a:solidFill>
-              </a:rPr>
-              <a:t>M = </a:t>
-            </a:r>
-            <a:r>
-              <a:rPr lang="en-GB" sz="2200" dirty="0">
-                <a:solidFill>
-                  <a:srgbClr val="000081"/>
-                </a:solidFill>
-              </a:rPr>
-              <a:t>set</a:t>
-            </a:r>
-            <a:r>
-              <a:rPr lang="en-GB" sz="2200" dirty="0">
-                <a:solidFill>
-                  <a:srgbClr val="333333"/>
-                </a:solidFill>
-              </a:rPr>
-              <a:t>(</a:t>
-            </a:r>
-            <a:r>
-              <a:rPr lang="en-GB" sz="2200" dirty="0">
-                <a:solidFill>
-                  <a:srgbClr val="0000C1"/>
-                </a:solidFill>
-              </a:rPr>
-              <a:t>'</a:t>
-            </a:r>
-            <a:r>
-              <a:rPr lang="ru-RU" sz="2200" dirty="0">
-                <a:solidFill>
-                  <a:srgbClr val="0000C1"/>
-                </a:solidFill>
-              </a:rPr>
-              <a:t>мама'</a:t>
-            </a:r>
-            <a:r>
-              <a:rPr lang="ru-RU" sz="2200" dirty="0">
-                <a:solidFill>
-                  <a:srgbClr val="333333"/>
-                </a:solidFill>
-              </a:rPr>
-              <a:t>)</a:t>
-            </a:r>
-          </a:p>
-          <a:p>
-            <a:r>
-              <a:rPr lang="en-GB" sz="2200" dirty="0">
-                <a:solidFill>
-                  <a:srgbClr val="994806"/>
-                </a:solidFill>
-              </a:rPr>
-              <a:t>&gt;&gt;&gt; </a:t>
-            </a:r>
-            <a:r>
-              <a:rPr lang="en-GB" sz="2200" dirty="0">
-                <a:solidFill>
-                  <a:srgbClr val="000081"/>
-                </a:solidFill>
-              </a:rPr>
-              <a:t>print</a:t>
-            </a:r>
-            <a:r>
-              <a:rPr lang="en-GB" sz="2200" dirty="0">
-                <a:solidFill>
-                  <a:srgbClr val="333333"/>
-                </a:solidFill>
-              </a:rPr>
-              <a:t>(M)</a:t>
-            </a:r>
-          </a:p>
-          <a:p>
-            <a:r>
-              <a:rPr lang="ru-RU" sz="2200" dirty="0">
-                <a:solidFill>
-                  <a:srgbClr val="333333"/>
-                </a:solidFill>
-              </a:rPr>
-              <a:t>{</a:t>
-            </a:r>
-            <a:r>
-              <a:rPr lang="ru-RU" sz="2200" dirty="0">
-                <a:solidFill>
-                  <a:srgbClr val="0000C1"/>
-                </a:solidFill>
-              </a:rPr>
-              <a:t>'м'</a:t>
-            </a:r>
-            <a:r>
-              <a:rPr lang="ru-RU" sz="2200" dirty="0">
-                <a:solidFill>
-                  <a:srgbClr val="0000FF"/>
-                </a:solidFill>
-              </a:rPr>
-              <a:t>, </a:t>
-            </a:r>
-            <a:r>
-              <a:rPr lang="ru-RU" sz="2200" dirty="0">
-                <a:solidFill>
-                  <a:srgbClr val="0000C1"/>
-                </a:solidFill>
-              </a:rPr>
-              <a:t>'а</a:t>
-            </a:r>
-            <a:r>
-              <a:rPr lang="ru-RU" sz="2200" dirty="0" smtClean="0">
-                <a:solidFill>
-                  <a:srgbClr val="0000C1"/>
-                </a:solidFill>
-              </a:rPr>
-              <a:t>'</a:t>
-            </a:r>
-            <a:r>
-              <a:rPr lang="ru-RU" sz="2200" dirty="0" smtClean="0">
-                <a:solidFill>
-                  <a:srgbClr val="333333"/>
-                </a:solidFill>
-              </a:rPr>
-              <a:t>}</a:t>
-            </a:r>
-            <a:endParaRPr lang="ru-RU" sz="2200" dirty="0">
-              <a:solidFill>
-                <a:srgbClr val="333333"/>
-              </a:solidFill>
-            </a:endParaRPr>
-          </a:p>
-        </p:txBody>
-      </p:sp>
+      </p:pic>
     </p:spTree>
     <p:extLst>
       <p:ext uri="{BB962C8B-B14F-4D97-AF65-F5344CB8AC3E}">
-        <p14:creationId xmlns:p14="http://schemas.microsoft.com/office/powerpoint/2010/main" val="816418350"/>
+        <p14:creationId xmlns:p14="http://schemas.microsoft.com/office/powerpoint/2010/main" val="3459450288"/>
       </p:ext>
     </p:extLst>
   </p:cSld>
@@ -15352,49 +13955,39 @@
           <a:chExt cx="0" cy="0"/>
         </a:xfrm>
       </p:grpSpPr>
-      <p:sp>
-        <p:nvSpPr>
-          <p:cNvPr id="2" name="Прямоугольник 1"/>
-          <p:cNvSpPr/>
+      <p:pic>
+        <p:nvPicPr>
+          <p:cNvPr id="2" name="Рисунок 1"/>
+          <p:cNvPicPr/>
           <p:nvPr/>
-        </p:nvSpPr>
-        <p:spPr>
+        </p:nvPicPr>
+        <p:blipFill>
+          <a:blip r:embed="rId2">
+            <a:extLst>
+              <a:ext uri="{28A0092B-C50C-407E-A947-70E740481C1C}">
+                <a14:useLocalDpi xmlns:a14="http://schemas.microsoft.com/office/drawing/2010/main" val="0"/>
+              </a:ext>
+            </a:extLst>
+          </a:blip>
+          <a:srcRect/>
+          <a:stretch>
+            <a:fillRect/>
+          </a:stretch>
+        </p:blipFill>
+        <p:spPr bwMode="auto">
           <a:xfrm>
-            <a:off x="2489211" y="0"/>
-            <a:ext cx="4583947" cy="646331"/>
+            <a:off x="254000" y="1016000"/>
+            <a:ext cx="8267700" cy="5118100"/>
           </a:xfrm>
           <a:prstGeom prst="rect">
             <a:avLst/>
           </a:prstGeom>
+          <a:noFill/>
+          <a:ln>
+            <a:noFill/>
+          </a:ln>
         </p:spPr>
-        <p:txBody>
-          <a:bodyPr wrap="none">
-            <a:spAutoFit/>
-          </a:bodyPr>
-          <a:lstStyle/>
-          <a:p>
-            <a:r>
-              <a:rPr lang="ru-RU" sz="3600" b="1" dirty="0" err="1">
-                <a:latin typeface="Cambria,Bold"/>
-              </a:rPr>
-              <a:t>Створення</a:t>
-            </a:r>
-            <a:r>
-              <a:rPr lang="ru-RU" sz="3600" b="1" dirty="0">
-                <a:latin typeface="Cambria,Bold"/>
-              </a:rPr>
-              <a:t> </a:t>
-            </a:r>
-            <a:r>
-              <a:rPr lang="ru-RU" sz="3600" b="1" dirty="0" err="1">
-                <a:latin typeface="Cambria,Bold"/>
-              </a:rPr>
-              <a:t>множин</a:t>
-            </a:r>
-            <a:endParaRPr lang="ru-RU" sz="3600" dirty="0"/>
-          </a:p>
-        </p:txBody>
-      </p:sp>
+      </p:pic>
       <p:sp>
         <p:nvSpPr>
           <p:cNvPr id="3" name="Прямоугольник 2"/>
@@ -15403,8 +13996,8 @@
         </p:nvSpPr>
         <p:spPr>
           <a:xfrm>
-            <a:off x="209184" y="1150035"/>
-            <a:ext cx="8820516" cy="430887"/>
+            <a:off x="0" y="0"/>
+            <a:ext cx="9143999" cy="584775"/>
           </a:xfrm>
           <a:prstGeom prst="rect">
             <a:avLst/>
@@ -15416,741 +14009,39 @@
           </a:bodyPr>
           <a:lstStyle/>
           <a:p>
-            <a:r>
-              <a:rPr lang="ru-RU" sz="2200" b="1" dirty="0">
-                <a:solidFill>
-                  <a:srgbClr val="0000CC"/>
-                </a:solidFill>
-              </a:rPr>
-              <a:t>3. За </a:t>
-            </a:r>
-            <a:r>
-              <a:rPr lang="ru-RU" sz="2200" b="1" dirty="0" err="1">
-                <a:solidFill>
-                  <a:srgbClr val="0000CC"/>
-                </a:solidFill>
-              </a:rPr>
-              <a:t>допомогою</a:t>
-            </a:r>
-            <a:r>
-              <a:rPr lang="ru-RU" sz="2200" b="1" dirty="0">
-                <a:solidFill>
-                  <a:srgbClr val="0000CC"/>
-                </a:solidFill>
-              </a:rPr>
-              <a:t> оператор </a:t>
-            </a:r>
-            <a:r>
-              <a:rPr lang="ru-RU" sz="2200" b="1" dirty="0" err="1">
-                <a:solidFill>
-                  <a:srgbClr val="0000CC"/>
-                </a:solidFill>
-              </a:rPr>
-              <a:t>створення</a:t>
-            </a:r>
-            <a:r>
-              <a:rPr lang="ru-RU" sz="2200" b="1" dirty="0">
-                <a:solidFill>
-                  <a:srgbClr val="0000CC"/>
-                </a:solidFill>
-              </a:rPr>
-              <a:t> </a:t>
-            </a:r>
-            <a:r>
-              <a:rPr lang="ru-RU" sz="2200" b="1" dirty="0" err="1">
-                <a:solidFill>
-                  <a:srgbClr val="0000CC"/>
-                </a:solidFill>
-              </a:rPr>
-              <a:t>множини</a:t>
-            </a:r>
-            <a:r>
-              <a:rPr lang="ru-RU" sz="2200" dirty="0"/>
-              <a:t>.</a:t>
-            </a:r>
-          </a:p>
-        </p:txBody>
-      </p:sp>
-      <p:sp>
-        <p:nvSpPr>
-          <p:cNvPr id="4" name="Прямоугольник 3"/>
-          <p:cNvSpPr/>
-          <p:nvPr/>
-        </p:nvSpPr>
-        <p:spPr>
-          <a:xfrm>
-            <a:off x="304800" y="1800136"/>
-            <a:ext cx="8839200" cy="769441"/>
-          </a:xfrm>
-          <a:prstGeom prst="rect">
-            <a:avLst/>
-          </a:prstGeom>
-        </p:spPr>
-        <p:txBody>
-          <a:bodyPr wrap="square">
-            <a:spAutoFit/>
-          </a:bodyPr>
-          <a:lstStyle/>
-          <a:p>
-            <a:r>
-              <a:rPr lang="ru-RU" sz="2200" dirty="0"/>
-              <a:t>Оператор </a:t>
-            </a:r>
-            <a:r>
-              <a:rPr lang="ru-RU" sz="2200" dirty="0" err="1"/>
-              <a:t>створення</a:t>
-            </a:r>
-            <a:r>
-              <a:rPr lang="ru-RU" sz="2200" dirty="0"/>
-              <a:t> </a:t>
-            </a:r>
-            <a:r>
-              <a:rPr lang="ru-RU" sz="2200" dirty="0" err="1"/>
-              <a:t>множини</a:t>
-            </a:r>
-            <a:r>
-              <a:rPr lang="ru-RU" sz="2200" dirty="0"/>
-              <a:t> – </a:t>
-            </a:r>
-            <a:r>
-              <a:rPr lang="ru-RU" sz="2200" dirty="0" err="1"/>
-              <a:t>це</a:t>
-            </a:r>
-            <a:r>
-              <a:rPr lang="ru-RU" sz="2200" dirty="0"/>
-              <a:t> </a:t>
-            </a:r>
-            <a:r>
-              <a:rPr lang="ru-RU" sz="2200" dirty="0" err="1"/>
-              <a:t>спосіб</a:t>
-            </a:r>
-            <a:r>
-              <a:rPr lang="ru-RU" sz="2200" dirty="0"/>
-              <a:t> </a:t>
-            </a:r>
-            <a:r>
-              <a:rPr lang="ru-RU" sz="2200" dirty="0" err="1"/>
-              <a:t>побудови</a:t>
-            </a:r>
-            <a:r>
-              <a:rPr lang="ru-RU" sz="2200" dirty="0"/>
-              <a:t> </a:t>
-            </a:r>
-            <a:r>
-              <a:rPr lang="ru-RU" sz="2200" dirty="0" err="1"/>
-              <a:t>множини</a:t>
-            </a:r>
-            <a:r>
-              <a:rPr lang="ru-RU" sz="2200" dirty="0"/>
-              <a:t> на </a:t>
-            </a:r>
-            <a:r>
-              <a:rPr lang="ru-RU" sz="2200" dirty="0" err="1"/>
-              <a:t>базі</a:t>
-            </a:r>
-            <a:endParaRPr lang="ru-RU" sz="2200" dirty="0"/>
-          </a:p>
-          <a:p>
-            <a:r>
-              <a:rPr lang="ru-RU" sz="2200" dirty="0" err="1"/>
-              <a:t>колекції</a:t>
-            </a:r>
-            <a:r>
-              <a:rPr lang="ru-RU" sz="2200" dirty="0"/>
-              <a:t>, до </a:t>
-            </a:r>
-            <a:r>
-              <a:rPr lang="ru-RU" sz="2200" dirty="0" err="1"/>
-              <a:t>всіх</a:t>
-            </a:r>
-            <a:r>
-              <a:rPr lang="ru-RU" sz="2200" dirty="0"/>
-              <a:t> </a:t>
-            </a:r>
-            <a:r>
-              <a:rPr lang="ru-RU" sz="2200" dirty="0" err="1"/>
-              <a:t>елементів</a:t>
-            </a:r>
-            <a:r>
-              <a:rPr lang="ru-RU" sz="2200" dirty="0"/>
-              <a:t> </a:t>
-            </a:r>
-            <a:r>
-              <a:rPr lang="ru-RU" sz="2200" dirty="0" err="1"/>
-              <a:t>якої</a:t>
-            </a:r>
-            <a:r>
-              <a:rPr lang="ru-RU" sz="2200" dirty="0"/>
-              <a:t> </a:t>
-            </a:r>
-            <a:r>
-              <a:rPr lang="ru-RU" sz="2200" dirty="0" err="1"/>
-              <a:t>застосовується</a:t>
-            </a:r>
-            <a:r>
-              <a:rPr lang="ru-RU" sz="2200" dirty="0"/>
-              <a:t> </a:t>
-            </a:r>
-            <a:r>
-              <a:rPr lang="ru-RU" sz="2200" dirty="0" err="1"/>
-              <a:t>деякий</a:t>
-            </a:r>
-            <a:r>
-              <a:rPr lang="ru-RU" sz="2200" dirty="0"/>
-              <a:t> </a:t>
-            </a:r>
-            <a:r>
-              <a:rPr lang="ru-RU" sz="2200" dirty="0" err="1"/>
-              <a:t>вираз</a:t>
-            </a:r>
-            <a:r>
-              <a:rPr lang="ru-RU" sz="2200" dirty="0"/>
-              <a:t>:</a:t>
-            </a:r>
-          </a:p>
-        </p:txBody>
-      </p:sp>
-      <p:sp>
-        <p:nvSpPr>
-          <p:cNvPr id="5" name="Прямоугольник 4"/>
-          <p:cNvSpPr/>
-          <p:nvPr/>
-        </p:nvSpPr>
-        <p:spPr>
-          <a:xfrm>
-            <a:off x="640984" y="2690480"/>
-            <a:ext cx="7263527" cy="400110"/>
-          </a:xfrm>
-          <a:prstGeom prst="rect">
-            <a:avLst/>
-          </a:prstGeom>
-          <a:ln>
-            <a:solidFill>
-              <a:srgbClr val="0000CC"/>
-            </a:solidFill>
-          </a:ln>
-        </p:spPr>
-        <p:txBody>
-          <a:bodyPr wrap="none">
-            <a:spAutoFit/>
-          </a:bodyPr>
-          <a:lstStyle/>
-          <a:p>
-            <a:r>
-              <a:rPr lang="en-US" sz="2000" dirty="0">
-                <a:solidFill>
-                  <a:srgbClr val="0000CC"/>
-                </a:solidFill>
-                <a:latin typeface="Courier New" panose="02070309020205020404" pitchFamily="49" charset="0"/>
-                <a:cs typeface="Courier New" panose="02070309020205020404" pitchFamily="49" charset="0"/>
-              </a:rPr>
-              <a:t>M = {expr(</a:t>
-            </a:r>
-            <a:r>
-              <a:rPr lang="en-US" sz="2000" dirty="0" err="1">
-                <a:solidFill>
-                  <a:srgbClr val="0000CC"/>
-                </a:solidFill>
-                <a:latin typeface="Courier New" panose="02070309020205020404" pitchFamily="49" charset="0"/>
-                <a:cs typeface="Courier New" panose="02070309020205020404" pitchFamily="49" charset="0"/>
-              </a:rPr>
-              <a:t>i</a:t>
-            </a:r>
-            <a:r>
-              <a:rPr lang="en-US" sz="2000" dirty="0">
-                <a:solidFill>
-                  <a:srgbClr val="0000CC"/>
-                </a:solidFill>
-                <a:latin typeface="Courier New" panose="02070309020205020404" pitchFamily="49" charset="0"/>
-                <a:cs typeface="Courier New" panose="02070309020205020404" pitchFamily="49" charset="0"/>
-              </a:rPr>
-              <a:t>) for </a:t>
-            </a:r>
-            <a:r>
-              <a:rPr lang="en-US" sz="2000" dirty="0" err="1">
-                <a:solidFill>
-                  <a:srgbClr val="0000CC"/>
-                </a:solidFill>
-                <a:latin typeface="Courier New" panose="02070309020205020404" pitchFamily="49" charset="0"/>
-                <a:cs typeface="Courier New" panose="02070309020205020404" pitchFamily="49" charset="0"/>
-              </a:rPr>
-              <a:t>i</a:t>
-            </a:r>
-            <a:r>
-              <a:rPr lang="en-US" sz="2000" dirty="0">
-                <a:solidFill>
-                  <a:srgbClr val="0000CC"/>
-                </a:solidFill>
-                <a:latin typeface="Courier New" panose="02070309020205020404" pitchFamily="49" charset="0"/>
-                <a:cs typeface="Courier New" panose="02070309020205020404" pitchFamily="49" charset="0"/>
-              </a:rPr>
-              <a:t> in collection if condition}</a:t>
-            </a:r>
-            <a:endParaRPr lang="ru-RU" sz="2000" dirty="0">
-              <a:solidFill>
-                <a:srgbClr val="0000CC"/>
-              </a:solidFill>
-              <a:latin typeface="Courier New" panose="02070309020205020404" pitchFamily="49" charset="0"/>
-              <a:cs typeface="Courier New" panose="02070309020205020404" pitchFamily="49" charset="0"/>
-            </a:endParaRPr>
-          </a:p>
-        </p:txBody>
-      </p:sp>
-      <p:sp>
-        <p:nvSpPr>
-          <p:cNvPr id="6" name="Прямоугольник 5"/>
-          <p:cNvSpPr/>
-          <p:nvPr/>
-        </p:nvSpPr>
-        <p:spPr>
-          <a:xfrm>
-            <a:off x="209184" y="3438892"/>
-            <a:ext cx="8820516" cy="1323439"/>
-          </a:xfrm>
-          <a:prstGeom prst="rect">
-            <a:avLst/>
-          </a:prstGeom>
-        </p:spPr>
-        <p:txBody>
-          <a:bodyPr wrap="square">
-            <a:spAutoFit/>
-          </a:bodyPr>
-          <a:lstStyle/>
-          <a:p>
-            <a:r>
-              <a:rPr lang="ru-RU" sz="2000" dirty="0" err="1"/>
-              <a:t>Цей</a:t>
-            </a:r>
-            <a:r>
-              <a:rPr lang="ru-RU" sz="2000" dirty="0"/>
-              <a:t> оператор </a:t>
-            </a:r>
-            <a:r>
-              <a:rPr lang="ru-RU" sz="2000" dirty="0" err="1"/>
-              <a:t>працює</a:t>
-            </a:r>
-            <a:r>
-              <a:rPr lang="ru-RU" sz="2000" dirty="0"/>
-              <a:t> </a:t>
-            </a:r>
-            <a:r>
-              <a:rPr lang="ru-RU" sz="2000" dirty="0" smtClean="0"/>
-              <a:t>так: </a:t>
-            </a:r>
-          </a:p>
-          <a:p>
-            <a:pPr marL="342900" indent="-342900">
-              <a:buFont typeface="Wingdings" panose="05000000000000000000" pitchFamily="2" charset="2"/>
-              <a:buChar char="q"/>
-            </a:pPr>
-            <a:r>
-              <a:rPr lang="ru-RU" sz="2000" dirty="0" err="1" smtClean="0"/>
-              <a:t>змінна</a:t>
-            </a:r>
-            <a:r>
-              <a:rPr lang="ru-RU" sz="2000" dirty="0" smtClean="0"/>
-              <a:t> </a:t>
-            </a:r>
-            <a:r>
-              <a:rPr lang="en-GB" sz="2000" dirty="0" err="1"/>
-              <a:t>i</a:t>
-            </a:r>
-            <a:r>
-              <a:rPr lang="en-GB" sz="2000" dirty="0"/>
-              <a:t> </a:t>
-            </a:r>
-            <a:r>
-              <a:rPr lang="ru-RU" sz="2000" dirty="0" err="1"/>
-              <a:t>послідовно</a:t>
-            </a:r>
-            <a:r>
-              <a:rPr lang="ru-RU" sz="2000" dirty="0"/>
-              <a:t> </a:t>
-            </a:r>
-            <a:r>
-              <a:rPr lang="ru-RU" sz="2000" dirty="0" err="1"/>
-              <a:t>пробігає</a:t>
-            </a:r>
-            <a:r>
-              <a:rPr lang="ru-RU" sz="2000" dirty="0"/>
-              <a:t> </a:t>
-            </a:r>
-            <a:r>
-              <a:rPr lang="ru-RU" sz="2000" dirty="0" err="1" smtClean="0"/>
-              <a:t>всі</a:t>
-            </a:r>
-            <a:r>
-              <a:rPr lang="ru-RU" sz="2000" dirty="0" smtClean="0"/>
-              <a:t> </a:t>
-            </a:r>
-            <a:r>
-              <a:rPr lang="ru-RU" sz="2000" dirty="0" err="1" smtClean="0"/>
-              <a:t>елементи</a:t>
-            </a:r>
-            <a:r>
-              <a:rPr lang="ru-RU" sz="2000" dirty="0" smtClean="0"/>
-              <a:t> </a:t>
-            </a:r>
-            <a:r>
-              <a:rPr lang="en-GB" sz="2000" dirty="0" smtClean="0"/>
-              <a:t>collection</a:t>
-            </a:r>
-            <a:r>
-              <a:rPr lang="uk-UA" sz="2000" dirty="0"/>
-              <a:t>,</a:t>
-            </a:r>
-            <a:endParaRPr lang="uk-UA" sz="2000" dirty="0" smtClean="0"/>
-          </a:p>
-          <a:p>
-            <a:pPr marL="342900" indent="-342900">
-              <a:buFont typeface="Wingdings" panose="05000000000000000000" pitchFamily="2" charset="2"/>
-              <a:buChar char="q"/>
-            </a:pPr>
-            <a:r>
-              <a:rPr lang="ru-RU" sz="2000" dirty="0" err="1" smtClean="0"/>
-              <a:t>якщо</a:t>
-            </a:r>
-            <a:r>
-              <a:rPr lang="ru-RU" sz="2000" dirty="0" smtClean="0"/>
-              <a:t> </a:t>
-            </a:r>
-            <a:r>
-              <a:rPr lang="ru-RU" sz="2000" dirty="0"/>
-              <a:t>для поточного </a:t>
-            </a:r>
-            <a:r>
-              <a:rPr lang="ru-RU" sz="2000" dirty="0" err="1"/>
-              <a:t>значення</a:t>
-            </a:r>
-            <a:r>
-              <a:rPr lang="ru-RU" sz="2000" dirty="0"/>
-              <a:t> </a:t>
-            </a:r>
-            <a:r>
-              <a:rPr lang="en-GB" sz="2000" dirty="0" err="1"/>
-              <a:t>i</a:t>
-            </a:r>
-            <a:r>
-              <a:rPr lang="en-GB" sz="2000" dirty="0"/>
-              <a:t> </a:t>
-            </a:r>
-            <a:r>
-              <a:rPr lang="ru-RU" sz="2000" dirty="0" err="1"/>
-              <a:t>виконується</a:t>
-            </a:r>
-            <a:r>
-              <a:rPr lang="ru-RU" sz="2000" dirty="0"/>
-              <a:t> </a:t>
-            </a:r>
-            <a:r>
-              <a:rPr lang="ru-RU" sz="2000" dirty="0" err="1" smtClean="0"/>
-              <a:t>умова</a:t>
-            </a:r>
-            <a:r>
-              <a:rPr lang="ru-RU" sz="2000" dirty="0" smtClean="0"/>
-              <a:t> </a:t>
-            </a:r>
-            <a:r>
-              <a:rPr lang="en-GB" sz="2000" dirty="0" smtClean="0"/>
-              <a:t>condition</a:t>
-            </a:r>
-            <a:r>
-              <a:rPr lang="en-GB" sz="2000" dirty="0"/>
-              <a:t>, </a:t>
-            </a:r>
-            <a:r>
-              <a:rPr lang="ru-RU" sz="2000" dirty="0"/>
-              <a:t>то в </a:t>
-            </a:r>
-            <a:r>
-              <a:rPr lang="ru-RU" sz="2000" dirty="0" err="1"/>
-              <a:t>множину</a:t>
-            </a:r>
-            <a:r>
-              <a:rPr lang="ru-RU" sz="2000" dirty="0"/>
-              <a:t> </a:t>
-            </a:r>
-            <a:r>
-              <a:rPr lang="en-GB" sz="2000" dirty="0"/>
-              <a:t>M </a:t>
-            </a:r>
-            <a:r>
-              <a:rPr lang="ru-RU" sz="2000" dirty="0" err="1"/>
-              <a:t>додається</a:t>
-            </a:r>
-            <a:r>
-              <a:rPr lang="ru-RU" sz="2000" dirty="0"/>
-              <a:t> </a:t>
-            </a:r>
-            <a:r>
-              <a:rPr lang="ru-RU" sz="2000" dirty="0" err="1"/>
-              <a:t>елемент</a:t>
-            </a:r>
-            <a:r>
-              <a:rPr lang="ru-RU" sz="2000" dirty="0"/>
-              <a:t> </a:t>
-            </a:r>
-            <a:r>
-              <a:rPr lang="en-GB" sz="2000" dirty="0"/>
-              <a:t>expr(</a:t>
-            </a:r>
-            <a:r>
-              <a:rPr lang="en-GB" sz="2000" dirty="0" err="1"/>
-              <a:t>i</a:t>
-            </a:r>
-            <a:r>
-              <a:rPr lang="en-GB" sz="2000" dirty="0"/>
-              <a:t>).</a:t>
-            </a:r>
-            <a:endParaRPr lang="ru-RU" sz="2000" dirty="0"/>
-          </a:p>
-        </p:txBody>
-      </p:sp>
-      <p:sp>
-        <p:nvSpPr>
-          <p:cNvPr id="7" name="Прямоугольник 6"/>
-          <p:cNvSpPr/>
-          <p:nvPr/>
-        </p:nvSpPr>
-        <p:spPr>
-          <a:xfrm>
-            <a:off x="1612900" y="5058826"/>
-            <a:ext cx="6464300" cy="923330"/>
-          </a:xfrm>
-          <a:prstGeom prst="rect">
-            <a:avLst/>
-          </a:prstGeom>
-          <a:ln>
-            <a:solidFill>
-              <a:srgbClr val="0000CC"/>
-            </a:solidFill>
-          </a:ln>
-        </p:spPr>
-        <p:txBody>
-          <a:bodyPr wrap="square">
-            <a:spAutoFit/>
-          </a:bodyPr>
-          <a:lstStyle/>
-          <a:p>
-            <a:r>
-              <a:rPr lang="en-US" dirty="0">
-                <a:solidFill>
-                  <a:srgbClr val="994806"/>
-                </a:solidFill>
-                <a:latin typeface="Courier New,Bold"/>
-              </a:rPr>
-              <a:t>&gt;&gt;&gt; </a:t>
-            </a:r>
-            <a:r>
-              <a:rPr lang="en-US" dirty="0">
-                <a:solidFill>
-                  <a:srgbClr val="333333"/>
-                </a:solidFill>
-                <a:latin typeface="Courier New" panose="02070309020205020404" pitchFamily="49" charset="0"/>
-              </a:rPr>
-              <a:t>M = </a:t>
-            </a:r>
-            <a:r>
-              <a:rPr lang="en-US" dirty="0">
-                <a:solidFill>
-                  <a:srgbClr val="333333"/>
-                </a:solidFill>
-                <a:latin typeface="Courier New,Bold"/>
-              </a:rPr>
-              <a:t>{</a:t>
-            </a:r>
-            <a:r>
-              <a:rPr lang="en-US" dirty="0" err="1">
-                <a:solidFill>
-                  <a:srgbClr val="333333"/>
-                </a:solidFill>
-                <a:latin typeface="Courier New" panose="02070309020205020404" pitchFamily="49" charset="0"/>
-              </a:rPr>
-              <a:t>i</a:t>
-            </a:r>
-            <a:r>
-              <a:rPr lang="en-US" dirty="0">
-                <a:solidFill>
-                  <a:srgbClr val="333333"/>
-                </a:solidFill>
-                <a:latin typeface="Courier New" panose="02070309020205020404" pitchFamily="49" charset="0"/>
-              </a:rPr>
-              <a:t> </a:t>
-            </a:r>
-            <a:r>
-              <a:rPr lang="en-US" dirty="0">
-                <a:solidFill>
-                  <a:srgbClr val="7F0055"/>
-                </a:solidFill>
-                <a:latin typeface="Courier New,Bold"/>
-              </a:rPr>
-              <a:t>for </a:t>
-            </a:r>
-            <a:r>
-              <a:rPr lang="en-US" dirty="0" err="1">
-                <a:solidFill>
-                  <a:srgbClr val="333333"/>
-                </a:solidFill>
-                <a:latin typeface="Courier New" panose="02070309020205020404" pitchFamily="49" charset="0"/>
-              </a:rPr>
-              <a:t>i</a:t>
-            </a:r>
-            <a:r>
-              <a:rPr lang="en-US" dirty="0">
-                <a:solidFill>
-                  <a:srgbClr val="333333"/>
-                </a:solidFill>
-                <a:latin typeface="Courier New" panose="02070309020205020404" pitchFamily="49" charset="0"/>
-              </a:rPr>
-              <a:t> </a:t>
-            </a:r>
-            <a:r>
-              <a:rPr lang="en-US" dirty="0">
-                <a:solidFill>
-                  <a:srgbClr val="7F0055"/>
-                </a:solidFill>
-                <a:latin typeface="Courier New,Bold"/>
-              </a:rPr>
-              <a:t>in </a:t>
-            </a:r>
-            <a:r>
-              <a:rPr lang="en-US" dirty="0">
-                <a:solidFill>
-                  <a:srgbClr val="0000C1"/>
-                </a:solidFill>
-                <a:latin typeface="Courier New" panose="02070309020205020404" pitchFamily="49" charset="0"/>
-              </a:rPr>
-              <a:t>"Boing 777" </a:t>
-            </a:r>
-            <a:r>
-              <a:rPr lang="en-US" dirty="0">
-                <a:solidFill>
-                  <a:srgbClr val="7F0055"/>
-                </a:solidFill>
-                <a:latin typeface="Courier New,Bold"/>
-              </a:rPr>
-              <a:t>if </a:t>
-            </a:r>
-            <a:r>
-              <a:rPr lang="en-US" dirty="0" err="1">
-                <a:solidFill>
-                  <a:srgbClr val="333333"/>
-                </a:solidFill>
-                <a:latin typeface="Courier New" panose="02070309020205020404" pitchFamily="49" charset="0"/>
-              </a:rPr>
-              <a:t>i</a:t>
-            </a:r>
-            <a:r>
-              <a:rPr lang="en-US" dirty="0" err="1">
-                <a:solidFill>
-                  <a:srgbClr val="0000FF"/>
-                </a:solidFill>
-                <a:latin typeface="Courier New,Bold"/>
-              </a:rPr>
-              <a:t>.</a:t>
-            </a:r>
-            <a:r>
-              <a:rPr lang="en-US" dirty="0" err="1">
-                <a:solidFill>
-                  <a:srgbClr val="333333"/>
-                </a:solidFill>
-                <a:latin typeface="Courier New" panose="02070309020205020404" pitchFamily="49" charset="0"/>
-              </a:rPr>
-              <a:t>isdigit</a:t>
-            </a:r>
-            <a:r>
-              <a:rPr lang="en-US" dirty="0">
-                <a:solidFill>
-                  <a:srgbClr val="333333"/>
-                </a:solidFill>
-                <a:latin typeface="Courier New,Bold"/>
-              </a:rPr>
-              <a:t>()}</a:t>
-            </a:r>
-          </a:p>
-          <a:p>
-            <a:r>
-              <a:rPr lang="en-GB" dirty="0">
-                <a:solidFill>
-                  <a:srgbClr val="994806"/>
-                </a:solidFill>
-                <a:latin typeface="Courier New,Bold"/>
-              </a:rPr>
-              <a:t>&gt;&gt;&gt; </a:t>
-            </a:r>
-            <a:r>
-              <a:rPr lang="en-GB" dirty="0">
-                <a:solidFill>
-                  <a:srgbClr val="000081"/>
-                </a:solidFill>
-                <a:latin typeface="Courier New" panose="02070309020205020404" pitchFamily="49" charset="0"/>
-              </a:rPr>
-              <a:t>print</a:t>
-            </a:r>
-            <a:r>
-              <a:rPr lang="en-GB" dirty="0">
-                <a:solidFill>
-                  <a:srgbClr val="333333"/>
-                </a:solidFill>
-                <a:latin typeface="Courier New,Bold"/>
-              </a:rPr>
-              <a:t>(</a:t>
-            </a:r>
-            <a:r>
-              <a:rPr lang="en-GB" dirty="0">
-                <a:solidFill>
-                  <a:srgbClr val="333333"/>
-                </a:solidFill>
-                <a:latin typeface="Courier New" panose="02070309020205020404" pitchFamily="49" charset="0"/>
-              </a:rPr>
-              <a:t>M</a:t>
-            </a:r>
-            <a:r>
-              <a:rPr lang="en-GB" dirty="0">
-                <a:solidFill>
-                  <a:srgbClr val="333333"/>
-                </a:solidFill>
-                <a:latin typeface="Courier New,Bold"/>
-              </a:rPr>
-              <a:t>)</a:t>
-            </a:r>
-          </a:p>
-          <a:p>
-            <a:r>
-              <a:rPr lang="ru-RU" dirty="0">
-                <a:solidFill>
-                  <a:srgbClr val="333333"/>
-                </a:solidFill>
-                <a:latin typeface="Courier New,Bold"/>
-              </a:rPr>
-              <a:t>{</a:t>
-            </a:r>
-            <a:r>
-              <a:rPr lang="ru-RU" dirty="0">
-                <a:solidFill>
-                  <a:srgbClr val="0000C1"/>
-                </a:solidFill>
-                <a:latin typeface="Courier New" panose="02070309020205020404" pitchFamily="49" charset="0"/>
-              </a:rPr>
-              <a:t>'7'</a:t>
-            </a:r>
-            <a:r>
-              <a:rPr lang="ru-RU" dirty="0">
-                <a:solidFill>
-                  <a:srgbClr val="333333"/>
-                </a:solidFill>
-                <a:latin typeface="Courier New,Bold"/>
-              </a:rPr>
-              <a:t>}</a:t>
-            </a:r>
-            <a:endParaRPr lang="ru-RU" dirty="0"/>
+            <a:pPr algn="ctr"/>
+            <a:r>
+              <a:rPr lang="ru-RU" sz="3200" b="1" dirty="0" smtClean="0"/>
+              <a:t>Результат </a:t>
+            </a:r>
+            <a:r>
+              <a:rPr lang="ru-RU" sz="3200" b="1" dirty="0" err="1" smtClean="0"/>
+              <a:t>роботи</a:t>
+            </a:r>
+            <a:r>
+              <a:rPr lang="ru-RU" sz="3200" b="1" dirty="0" smtClean="0"/>
+              <a:t> </a:t>
+            </a:r>
+            <a:r>
+              <a:rPr lang="uk-UA" sz="3200" b="1" dirty="0" smtClean="0"/>
+              <a:t>програми з </a:t>
+            </a:r>
+            <a:r>
+              <a:rPr lang="uk-UA" sz="3200" b="1" dirty="0" err="1" smtClean="0"/>
+              <a:t>лаб</a:t>
+            </a:r>
+            <a:r>
+              <a:rPr lang="uk-UA" sz="3200" b="1" dirty="0" smtClean="0"/>
+              <a:t>. роботи №8</a:t>
+            </a:r>
+            <a:endParaRPr lang="ru-RU" sz="3200" dirty="0"/>
           </a:p>
         </p:txBody>
       </p:sp>
     </p:spTree>
     <p:extLst>
       <p:ext uri="{BB962C8B-B14F-4D97-AF65-F5344CB8AC3E}">
-        <p14:creationId xmlns:p14="http://schemas.microsoft.com/office/powerpoint/2010/main" val="4252835519"/>
+        <p14:creationId xmlns:p14="http://schemas.microsoft.com/office/powerpoint/2010/main" val="1507458791"/>
       </p:ext>
     </p:extLst>
   </p:cSld>
@@ -16186,14 +14077,14 @@
       </p:grpSpPr>
       <p:sp>
         <p:nvSpPr>
-          <p:cNvPr id="2" name="Прямоугольник 1"/>
+          <p:cNvPr id="3" name="Прямоугольник 2"/>
           <p:cNvSpPr/>
           <p:nvPr/>
         </p:nvSpPr>
         <p:spPr>
           <a:xfrm>
-            <a:off x="0" y="107434"/>
-            <a:ext cx="9144000" cy="646331"/>
+            <a:off x="0" y="0"/>
+            <a:ext cx="9143999" cy="584775"/>
           </a:xfrm>
           <a:prstGeom prst="rect">
             <a:avLst/>
@@ -16207,90 +14098,199 @@
           <a:p>
             <a:pPr algn="ctr"/>
             <a:r>
-              <a:rPr lang="ru-RU" sz="3600" b="1" dirty="0" err="1"/>
-              <a:t>Операції</a:t>
-            </a:r>
-            <a:r>
-              <a:rPr lang="ru-RU" sz="3600" b="1" dirty="0"/>
-              <a:t> над </a:t>
-            </a:r>
-            <a:r>
-              <a:rPr lang="ru-RU" sz="3600" b="1" dirty="0" err="1"/>
-              <a:t>множинами</a:t>
-            </a:r>
-            <a:endParaRPr lang="ru-RU" sz="3600" dirty="0"/>
+              <a:rPr lang="ru-RU" sz="3200" b="1" dirty="0" smtClean="0"/>
+              <a:t>Результат </a:t>
+            </a:r>
+            <a:r>
+              <a:rPr lang="ru-RU" sz="3200" b="1" dirty="0" err="1" smtClean="0"/>
+              <a:t>роботи</a:t>
+            </a:r>
+            <a:r>
+              <a:rPr lang="ru-RU" sz="3200" b="1" dirty="0" smtClean="0"/>
+              <a:t> </a:t>
+            </a:r>
+            <a:r>
+              <a:rPr lang="uk-UA" sz="3200" b="1" dirty="0" smtClean="0"/>
+              <a:t>програми з </a:t>
+            </a:r>
+            <a:r>
+              <a:rPr lang="uk-UA" sz="3200" b="1" dirty="0" err="1" smtClean="0"/>
+              <a:t>лаб</a:t>
+            </a:r>
+            <a:r>
+              <a:rPr lang="uk-UA" sz="3200" b="1" dirty="0" smtClean="0"/>
+              <a:t>. роботи №8</a:t>
+            </a:r>
+            <a:endParaRPr lang="ru-RU" sz="3200" dirty="0"/>
           </a:p>
         </p:txBody>
       </p:sp>
       <p:pic>
         <p:nvPicPr>
           <p:cNvPr id="4" name="Рисунок 3"/>
-          <p:cNvPicPr>
-            <a:picLocks noChangeAspect="1"/>
-          </p:cNvPicPr>
+          <p:cNvPicPr/>
           <p:nvPr/>
         </p:nvPicPr>
         <p:blipFill>
-          <a:blip r:embed="rId3"/>
+          <a:blip r:embed="rId2">
+            <a:extLst>
+              <a:ext uri="{28A0092B-C50C-407E-A947-70E740481C1C}">
+                <a14:useLocalDpi xmlns:a14="http://schemas.microsoft.com/office/drawing/2010/main" val="0"/>
+              </a:ext>
+            </a:extLst>
+          </a:blip>
+          <a:srcRect/>
           <a:stretch>
             <a:fillRect/>
           </a:stretch>
         </p:blipFill>
-        <p:spPr>
+        <p:spPr bwMode="auto">
           <a:xfrm>
-            <a:off x="341783" y="1987680"/>
-            <a:ext cx="8460433" cy="3145521"/>
+            <a:off x="157797" y="1016000"/>
+            <a:ext cx="8828404" cy="2717800"/>
           </a:xfrm>
           <a:prstGeom prst="rect">
             <a:avLst/>
           </a:prstGeom>
+          <a:noFill/>
+          <a:ln>
+            <a:solidFill>
+              <a:schemeClr val="accent1"/>
+            </a:solidFill>
+          </a:ln>
+        </p:spPr>
+      </p:pic>
+      <p:pic>
+        <p:nvPicPr>
+          <p:cNvPr id="5" name="Рисунок 4"/>
+          <p:cNvPicPr/>
+          <p:nvPr/>
+        </p:nvPicPr>
+        <p:blipFill>
+          <a:blip r:embed="rId3">
+            <a:extLst>
+              <a:ext uri="{28A0092B-C50C-407E-A947-70E740481C1C}">
+                <a14:useLocalDpi xmlns:a14="http://schemas.microsoft.com/office/drawing/2010/main" val="0"/>
+              </a:ext>
+            </a:extLst>
+          </a:blip>
+          <a:srcRect/>
+          <a:stretch>
+            <a:fillRect/>
+          </a:stretch>
+        </p:blipFill>
+        <p:spPr bwMode="auto">
+          <a:xfrm>
+            <a:off x="157797" y="3733801"/>
+            <a:ext cx="8828404" cy="2514600"/>
+          </a:xfrm>
+          <a:prstGeom prst="rect">
+            <a:avLst/>
+          </a:prstGeom>
+          <a:noFill/>
+          <a:ln>
+            <a:solidFill>
+              <a:srgbClr val="FF0000"/>
+            </a:solidFill>
+          </a:ln>
         </p:spPr>
       </p:pic>
       <p:sp>
         <p:nvSpPr>
-          <p:cNvPr id="5" name="Прямоугольник 4"/>
+          <p:cNvPr id="6" name="Овал 5"/>
           <p:cNvSpPr/>
           <p:nvPr/>
         </p:nvSpPr>
         <p:spPr>
           <a:xfrm>
-            <a:off x="2436018" y="1139890"/>
-            <a:ext cx="3352200" cy="461665"/>
+            <a:off x="157797" y="1460500"/>
+            <a:ext cx="3906203" cy="266700"/>
           </a:xfrm>
-          <a:prstGeom prst="rect">
+          <a:prstGeom prst="ellipse">
             <a:avLst/>
           </a:prstGeom>
+          <a:noFill/>
+          <a:ln>
+            <a:solidFill>
+              <a:srgbClr val="FF0000"/>
+            </a:solidFill>
+          </a:ln>
         </p:spPr>
+        <p:style>
+          <a:lnRef idx="2">
+            <a:schemeClr val="accent1">
+              <a:shade val="50000"/>
+            </a:schemeClr>
+          </a:lnRef>
+          <a:fillRef idx="1">
+            <a:schemeClr val="accent1"/>
+          </a:fillRef>
+          <a:effectRef idx="0">
+            <a:schemeClr val="accent1"/>
+          </a:effectRef>
+          <a:fontRef idx="minor">
+            <a:schemeClr val="lt1"/>
+          </a:fontRef>
+        </p:style>
         <p:txBody>
-          <a:bodyPr wrap="none">
-            <a:spAutoFit/>
-          </a:bodyPr>
+          <a:bodyPr rtlCol="0" anchor="ctr"/>
           <a:lstStyle/>
           <a:p>
-            <a:r>
-              <a:rPr lang="ru-RU" sz="2400" b="1" dirty="0" smtClean="0"/>
-              <a:t>1. </a:t>
-            </a:r>
-            <a:r>
-              <a:rPr lang="ru-RU" sz="2400" b="1" dirty="0" err="1" smtClean="0"/>
-              <a:t>Операції</a:t>
-            </a:r>
-            <a:r>
-              <a:rPr lang="ru-RU" sz="2400" b="1" dirty="0" smtClean="0"/>
-              <a:t> </a:t>
-            </a:r>
-            <a:r>
-              <a:rPr lang="ru-RU" sz="2400" b="1" dirty="0" err="1"/>
-              <a:t>відношення</a:t>
-            </a:r>
-            <a:endParaRPr lang="ru-RU" sz="2400" b="1" dirty="0"/>
+            <a:pPr algn="ctr"/>
+            <a:endParaRPr lang="ru-RU"/>
+          </a:p>
+        </p:txBody>
+      </p:sp>
+      <p:sp>
+        <p:nvSpPr>
+          <p:cNvPr id="7" name="Овал 6"/>
+          <p:cNvSpPr/>
+          <p:nvPr/>
+        </p:nvSpPr>
+        <p:spPr>
+          <a:xfrm>
+            <a:off x="157796" y="4724401"/>
+            <a:ext cx="7487604" cy="266699"/>
+          </a:xfrm>
+          <a:prstGeom prst="ellipse">
+            <a:avLst/>
+          </a:prstGeom>
+          <a:noFill/>
+          <a:ln>
+            <a:solidFill>
+              <a:srgbClr val="FF0000"/>
+            </a:solidFill>
+          </a:ln>
+        </p:spPr>
+        <p:style>
+          <a:lnRef idx="2">
+            <a:schemeClr val="accent1">
+              <a:shade val="50000"/>
+            </a:schemeClr>
+          </a:lnRef>
+          <a:fillRef idx="1">
+            <a:schemeClr val="accent1"/>
+          </a:fillRef>
+          <a:effectRef idx="0">
+            <a:schemeClr val="accent1"/>
+          </a:effectRef>
+          <a:fontRef idx="minor">
+            <a:schemeClr val="lt1"/>
+          </a:fontRef>
+        </p:style>
+        <p:txBody>
+          <a:bodyPr rtlCol="0" anchor="ctr"/>
+          <a:lstStyle/>
+          <a:p>
+            <a:pPr algn="ctr"/>
+            <a:endParaRPr lang="ru-RU"/>
           </a:p>
         </p:txBody>
       </p:sp>
     </p:spTree>
     <p:extLst>
       <p:ext uri="{BB962C8B-B14F-4D97-AF65-F5344CB8AC3E}">
-        <p14:creationId xmlns:p14="http://schemas.microsoft.com/office/powerpoint/2010/main" val="705346774"/>
+        <p14:creationId xmlns:p14="http://schemas.microsoft.com/office/powerpoint/2010/main" val="1287998219"/>
       </p:ext>
     </p:extLst>
   </p:cSld>
@@ -16332,8 +14332,8 @@
         </p:nvSpPr>
         <p:spPr>
           <a:xfrm>
-            <a:off x="0" y="107434"/>
-            <a:ext cx="9144000" cy="646331"/>
+            <a:off x="140579" y="0"/>
+            <a:ext cx="9003421" cy="646331"/>
           </a:xfrm>
           <a:prstGeom prst="rect">
             <a:avLst/>
@@ -16347,50 +14347,162 @@
           <a:p>
             <a:pPr algn="ctr"/>
             <a:r>
-              <a:rPr lang="ru-RU" sz="3600" b="1" dirty="0" err="1"/>
-              <a:t>Операції</a:t>
-            </a:r>
-            <a:r>
-              <a:rPr lang="ru-RU" sz="3600" b="1" dirty="0"/>
-              <a:t> над </a:t>
-            </a:r>
-            <a:r>
-              <a:rPr lang="ru-RU" sz="3600" b="1" dirty="0" err="1"/>
-              <a:t>множинами</a:t>
+              <a:rPr lang="ru-RU" sz="3600" b="1" dirty="0" err="1" smtClean="0"/>
+              <a:t>Поняття</a:t>
+            </a:r>
+            <a:r>
+              <a:rPr lang="ru-RU" sz="3600" b="1" dirty="0" smtClean="0"/>
+              <a:t> </a:t>
+            </a:r>
+            <a:r>
+              <a:rPr lang="ru-RU" sz="3600" b="1" dirty="0" err="1" smtClean="0"/>
+              <a:t>множин</a:t>
+            </a:r>
+            <a:r>
+              <a:rPr lang="ru-RU" sz="3600" b="1" dirty="0" smtClean="0"/>
+              <a:t> в </a:t>
+            </a:r>
+            <a:r>
+              <a:rPr lang="en-US" sz="3600" b="1" dirty="0" smtClean="0"/>
+              <a:t>Python</a:t>
             </a:r>
             <a:endParaRPr lang="ru-RU" sz="3600" dirty="0"/>
           </a:p>
         </p:txBody>
       </p:sp>
-      <p:pic>
-        <p:nvPicPr>
-          <p:cNvPr id="3" name="Рисунок 2"/>
-          <p:cNvPicPr>
-            <a:picLocks noChangeAspect="1"/>
-          </p:cNvPicPr>
+      <p:sp>
+        <p:nvSpPr>
+          <p:cNvPr id="3" name="Прямоугольник 2"/>
+          <p:cNvSpPr/>
           <p:nvPr/>
-        </p:nvPicPr>
-        <p:blipFill>
-          <a:blip r:embed="rId3"/>
-          <a:stretch>
-            <a:fillRect/>
-          </a:stretch>
-        </p:blipFill>
+        </p:nvSpPr>
         <p:spPr>
           <a:xfrm>
-            <a:off x="0" y="1607300"/>
-            <a:ext cx="9144000" cy="2058620"/>
+            <a:off x="140579" y="1024235"/>
+            <a:ext cx="8812921" cy="769441"/>
           </a:xfrm>
           <a:prstGeom prst="rect">
             <a:avLst/>
           </a:prstGeom>
-          <a:ln>
+          <a:ln w="38100">
             <a:solidFill>
-              <a:schemeClr val="accent1"/>
+              <a:srgbClr val="0000CC"/>
             </a:solidFill>
           </a:ln>
         </p:spPr>
-      </p:pic>
+        <p:txBody>
+          <a:bodyPr wrap="square">
+            <a:spAutoFit/>
+          </a:bodyPr>
+          <a:lstStyle/>
+          <a:p>
+            <a:r>
+              <a:rPr lang="ru-RU" sz="2200" dirty="0" err="1"/>
+              <a:t>Множина</a:t>
+            </a:r>
+            <a:r>
+              <a:rPr lang="ru-RU" sz="2200" dirty="0"/>
+              <a:t> у </a:t>
+            </a:r>
+            <a:r>
+              <a:rPr lang="ru-RU" sz="2200" dirty="0" err="1"/>
+              <a:t>Python</a:t>
+            </a:r>
+            <a:r>
+              <a:rPr lang="ru-RU" sz="2200" dirty="0"/>
+              <a:t> – </a:t>
+            </a:r>
+            <a:r>
+              <a:rPr lang="ru-RU" sz="2200" dirty="0" err="1"/>
+              <a:t>це</a:t>
+            </a:r>
+            <a:r>
+              <a:rPr lang="ru-RU" sz="2200" dirty="0"/>
+              <a:t> </a:t>
+            </a:r>
+            <a:r>
+              <a:rPr lang="ru-RU" sz="2200" dirty="0" err="1"/>
+              <a:t>невпорядкована</a:t>
+            </a:r>
+            <a:r>
+              <a:rPr lang="ru-RU" sz="2200" dirty="0"/>
+              <a:t> </a:t>
+            </a:r>
+            <a:r>
+              <a:rPr lang="ru-RU" sz="2200" dirty="0" err="1"/>
+              <a:t>колекція</a:t>
+            </a:r>
+            <a:r>
+              <a:rPr lang="ru-RU" sz="2200" dirty="0"/>
+              <a:t> </a:t>
+            </a:r>
+            <a:r>
+              <a:rPr lang="ru-RU" sz="2200" dirty="0" err="1"/>
+              <a:t>унікальних</a:t>
+            </a:r>
+            <a:r>
+              <a:rPr lang="ru-RU" sz="2200" dirty="0"/>
+              <a:t> </a:t>
+            </a:r>
+            <a:r>
+              <a:rPr lang="ru-RU" sz="2200" dirty="0" err="1"/>
+              <a:t>об'єктів</a:t>
+            </a:r>
+            <a:r>
+              <a:rPr lang="ru-RU" sz="2200" dirty="0"/>
+              <a:t> (</a:t>
+            </a:r>
+            <a:r>
+              <a:rPr lang="ru-RU" sz="2200" dirty="0" err="1" smtClean="0"/>
+              <a:t>тобто</a:t>
+            </a:r>
+            <a:r>
+              <a:rPr lang="en-US" sz="2200" dirty="0" smtClean="0"/>
+              <a:t> </a:t>
+            </a:r>
+            <a:r>
+              <a:rPr lang="ru-RU" sz="2200" dirty="0" smtClean="0"/>
+              <a:t>таких</a:t>
+            </a:r>
+            <a:r>
+              <a:rPr lang="ru-RU" sz="2200" dirty="0"/>
+              <a:t>, </a:t>
+            </a:r>
+            <a:r>
+              <a:rPr lang="ru-RU" sz="2200" dirty="0" err="1"/>
+              <a:t>що</a:t>
+            </a:r>
+            <a:r>
+              <a:rPr lang="ru-RU" sz="2200" dirty="0"/>
+              <a:t> не </a:t>
+            </a:r>
+            <a:r>
+              <a:rPr lang="ru-RU" sz="2200" dirty="0" err="1"/>
+              <a:t>повторюються</a:t>
+            </a:r>
+            <a:r>
+              <a:rPr lang="ru-RU" sz="2200" dirty="0"/>
+              <a:t>) </a:t>
+            </a:r>
+            <a:r>
+              <a:rPr lang="ru-RU" sz="2200" dirty="0" err="1"/>
+              <a:t>довільних</a:t>
+            </a:r>
+            <a:r>
+              <a:rPr lang="ru-RU" sz="2200" dirty="0"/>
+              <a:t> </a:t>
+            </a:r>
+            <a:r>
+              <a:rPr lang="ru-RU" sz="2200" dirty="0" err="1"/>
+              <a:t>типів</a:t>
+            </a:r>
+            <a:r>
+              <a:rPr lang="ru-RU" sz="2200" dirty="0"/>
+              <a:t>.</a:t>
+            </a:r>
+          </a:p>
+        </p:txBody>
+      </p:sp>
       <p:sp>
         <p:nvSpPr>
           <p:cNvPr id="4" name="Прямоугольник 3"/>
@@ -16399,75 +14511,401 @@
         </p:nvSpPr>
         <p:spPr>
           <a:xfrm>
-            <a:off x="513872" y="956355"/>
-            <a:ext cx="4483150" cy="461665"/>
+            <a:off x="140578" y="2171580"/>
+            <a:ext cx="8812921" cy="3139321"/>
           </a:xfrm>
           <a:prstGeom prst="rect">
             <a:avLst/>
           </a:prstGeom>
         </p:spPr>
         <p:txBody>
-          <a:bodyPr wrap="none">
+          <a:bodyPr wrap="square">
             <a:spAutoFit/>
           </a:bodyPr>
           <a:lstStyle/>
           <a:p>
-            <a:r>
-              <a:rPr lang="ru-RU" sz="2400" b="1" dirty="0" smtClean="0"/>
-              <a:t>2. </a:t>
-            </a:r>
-            <a:r>
-              <a:rPr lang="ru-RU" sz="2400" b="1" dirty="0" err="1" smtClean="0"/>
-              <a:t>Перетин</a:t>
-            </a:r>
-            <a:r>
-              <a:rPr lang="ru-RU" sz="2400" b="1" dirty="0"/>
-              <a:t>, </a:t>
-            </a:r>
-            <a:r>
-              <a:rPr lang="ru-RU" sz="2400" b="1" dirty="0" err="1"/>
-              <a:t>об'єднання</a:t>
-            </a:r>
-            <a:r>
-              <a:rPr lang="ru-RU" sz="2400" b="1" dirty="0"/>
-              <a:t>, </a:t>
-            </a:r>
-            <a:r>
-              <a:rPr lang="ru-RU" sz="2400" b="1" dirty="0" err="1"/>
-              <a:t>різниця</a:t>
-            </a:r>
-            <a:endParaRPr lang="ru-RU" sz="2400" b="1" dirty="0"/>
+            <a:pPr marL="342900" indent="-342900">
+              <a:buFont typeface="Wingdings" panose="05000000000000000000" pitchFamily="2" charset="2"/>
+              <a:buChar char="q"/>
+            </a:pPr>
+            <a:r>
+              <a:rPr lang="ru-RU" sz="2200" dirty="0" err="1"/>
+              <a:t>Множини</a:t>
+            </a:r>
+            <a:r>
+              <a:rPr lang="ru-RU" sz="2200" dirty="0"/>
+              <a:t> у </a:t>
+            </a:r>
+            <a:r>
+              <a:rPr lang="ru-RU" sz="2200" dirty="0" err="1"/>
+              <a:t>Python</a:t>
+            </a:r>
+            <a:r>
+              <a:rPr lang="ru-RU" sz="2200" dirty="0"/>
+              <a:t> належать до </a:t>
+            </a:r>
+            <a:r>
+              <a:rPr lang="ru-RU" sz="2200" dirty="0" err="1">
+                <a:solidFill>
+                  <a:srgbClr val="0000CC"/>
+                </a:solidFill>
+              </a:rPr>
+              <a:t>змінюваних</a:t>
+            </a:r>
+            <a:r>
+              <a:rPr lang="ru-RU" sz="2200" dirty="0">
+                <a:solidFill>
+                  <a:srgbClr val="0000CC"/>
+                </a:solidFill>
+              </a:rPr>
+              <a:t> (</a:t>
+            </a:r>
+            <a:r>
+              <a:rPr lang="ru-RU" sz="2200" dirty="0" err="1">
+                <a:solidFill>
+                  <a:srgbClr val="0000CC"/>
+                </a:solidFill>
+              </a:rPr>
+              <a:t>mutable</a:t>
+            </a:r>
+            <a:r>
+              <a:rPr lang="ru-RU" sz="2200" dirty="0">
+                <a:solidFill>
+                  <a:srgbClr val="0000CC"/>
+                </a:solidFill>
+              </a:rPr>
+              <a:t>) </a:t>
+            </a:r>
+            <a:r>
+              <a:rPr lang="ru-RU" sz="2200" dirty="0" err="1">
+                <a:solidFill>
+                  <a:srgbClr val="0000CC"/>
+                </a:solidFill>
+              </a:rPr>
+              <a:t>типів</a:t>
+            </a:r>
+            <a:r>
+              <a:rPr lang="ru-RU" sz="2200" dirty="0"/>
+              <a:t>. </a:t>
+            </a:r>
+            <a:endParaRPr lang="en-US" sz="2200" dirty="0" smtClean="0"/>
+          </a:p>
+          <a:p>
+            <a:pPr marL="342900" indent="-342900">
+              <a:buFont typeface="Wingdings" panose="05000000000000000000" pitchFamily="2" charset="2"/>
+              <a:buChar char="q"/>
+            </a:pPr>
+            <a:r>
+              <a:rPr lang="ru-RU" sz="2200" dirty="0" err="1" smtClean="0"/>
+              <a:t>Елементи</a:t>
+            </a:r>
+            <a:r>
+              <a:rPr lang="en-US" sz="2200" dirty="0" smtClean="0"/>
+              <a:t> </a:t>
+            </a:r>
+            <a:r>
+              <a:rPr lang="ru-RU" sz="2200" dirty="0" err="1" smtClean="0"/>
+              <a:t>зберігаються</a:t>
+            </a:r>
+            <a:r>
+              <a:rPr lang="ru-RU" sz="2200" dirty="0" smtClean="0"/>
+              <a:t> </a:t>
+            </a:r>
+            <a:r>
+              <a:rPr lang="ru-RU" sz="2200" dirty="0"/>
+              <a:t>в </a:t>
+            </a:r>
+            <a:r>
+              <a:rPr lang="ru-RU" sz="2200" dirty="0" err="1"/>
+              <a:t>невідсортованому</a:t>
+            </a:r>
+            <a:r>
+              <a:rPr lang="ru-RU" sz="2200" dirty="0"/>
+              <a:t> порядку та не </a:t>
+            </a:r>
+            <a:r>
+              <a:rPr lang="ru-RU" sz="2200" dirty="0" err="1"/>
+              <a:t>залежать</a:t>
+            </a:r>
+            <a:r>
+              <a:rPr lang="ru-RU" sz="2200" dirty="0"/>
+              <a:t> </a:t>
+            </a:r>
+            <a:r>
+              <a:rPr lang="ru-RU" sz="2200" dirty="0" err="1"/>
+              <a:t>від</a:t>
+            </a:r>
+            <a:r>
+              <a:rPr lang="ru-RU" sz="2200" dirty="0"/>
+              <a:t> того коли </a:t>
+            </a:r>
+            <a:r>
+              <a:rPr lang="ru-RU" sz="2200" dirty="0" smtClean="0"/>
+              <a:t>вони</a:t>
+            </a:r>
+            <a:r>
+              <a:rPr lang="en-US" sz="2200" dirty="0" smtClean="0"/>
+              <a:t> </a:t>
+            </a:r>
+            <a:r>
+              <a:rPr lang="ru-RU" sz="2200" dirty="0" err="1" smtClean="0"/>
+              <a:t>додаються</a:t>
+            </a:r>
+            <a:r>
+              <a:rPr lang="ru-RU" sz="2200" dirty="0" smtClean="0"/>
+              <a:t> </a:t>
+            </a:r>
+            <a:r>
+              <a:rPr lang="ru-RU" sz="2200" dirty="0"/>
+              <a:t>у </a:t>
+            </a:r>
+            <a:r>
+              <a:rPr lang="ru-RU" sz="2200" dirty="0" err="1"/>
+              <a:t>множину</a:t>
+            </a:r>
+            <a:r>
+              <a:rPr lang="ru-RU" sz="2200" dirty="0"/>
+              <a:t>.</a:t>
+            </a:r>
+          </a:p>
+          <a:p>
+            <a:pPr marL="342900" indent="-342900">
+              <a:buFont typeface="Wingdings" panose="05000000000000000000" pitchFamily="2" charset="2"/>
+              <a:buChar char="q"/>
+            </a:pPr>
+            <a:r>
+              <a:rPr lang="ru-RU" sz="2200" dirty="0" err="1"/>
+              <a:t>Множини</a:t>
+            </a:r>
+            <a:r>
+              <a:rPr lang="ru-RU" sz="2200" dirty="0"/>
+              <a:t> </a:t>
+            </a:r>
+            <a:r>
+              <a:rPr lang="ru-RU" sz="2200" dirty="0" err="1"/>
+              <a:t>Python</a:t>
+            </a:r>
+            <a:r>
+              <a:rPr lang="ru-RU" sz="2200" dirty="0"/>
+              <a:t> </a:t>
+            </a:r>
+            <a:r>
+              <a:rPr lang="ru-RU" sz="2200" dirty="0" err="1"/>
+              <a:t>використовуються</a:t>
+            </a:r>
+            <a:r>
+              <a:rPr lang="ru-RU" sz="2200" dirty="0"/>
+              <a:t> для </a:t>
+            </a:r>
+            <a:r>
+              <a:rPr lang="ru-RU" sz="2200" dirty="0" err="1"/>
+              <a:t>розв’язання</a:t>
+            </a:r>
+            <a:r>
+              <a:rPr lang="ru-RU" sz="2200" dirty="0"/>
+              <a:t> </a:t>
+            </a:r>
+            <a:r>
+              <a:rPr lang="ru-RU" sz="2200" dirty="0" smtClean="0"/>
+              <a:t>задач</a:t>
+            </a:r>
+            <a:r>
+              <a:rPr lang="uk-UA" sz="2200" dirty="0"/>
+              <a:t>,</a:t>
+            </a:r>
+            <a:r>
+              <a:rPr lang="ru-RU" sz="2200" dirty="0" smtClean="0"/>
+              <a:t> </a:t>
+            </a:r>
+            <a:r>
+              <a:rPr lang="ru-RU" sz="2200" dirty="0"/>
+              <a:t>у </a:t>
+            </a:r>
+            <a:r>
+              <a:rPr lang="ru-RU" sz="2200" dirty="0" err="1"/>
+              <a:t>яких</a:t>
+            </a:r>
+            <a:r>
+              <a:rPr lang="ru-RU" sz="2200" dirty="0"/>
+              <a:t> </a:t>
+            </a:r>
+            <a:r>
+              <a:rPr lang="ru-RU" sz="2200" dirty="0" err="1"/>
+              <a:t>має</a:t>
+            </a:r>
+            <a:endParaRPr lang="ru-RU" sz="2200" dirty="0"/>
+          </a:p>
+          <a:p>
+            <a:pPr marL="342900" indent="-342900">
+              <a:buFont typeface="Wingdings" panose="05000000000000000000" pitchFamily="2" charset="2"/>
+              <a:buChar char="q"/>
+            </a:pPr>
+            <a:r>
+              <a:rPr lang="ru-RU" sz="2200" dirty="0" err="1"/>
+              <a:t>значення</a:t>
+            </a:r>
+            <a:r>
+              <a:rPr lang="ru-RU" sz="2200" dirty="0"/>
+              <a:t> </a:t>
+            </a:r>
+            <a:r>
+              <a:rPr lang="ru-RU" sz="2200" dirty="0" err="1"/>
+              <a:t>лише</a:t>
+            </a:r>
+            <a:r>
+              <a:rPr lang="ru-RU" sz="2200" dirty="0"/>
+              <a:t> </a:t>
+            </a:r>
+            <a:r>
+              <a:rPr lang="ru-RU" sz="2200" dirty="0" err="1"/>
+              <a:t>приналежність</a:t>
+            </a:r>
+            <a:r>
+              <a:rPr lang="ru-RU" sz="2200" dirty="0"/>
+              <a:t> </a:t>
+            </a:r>
+            <a:r>
+              <a:rPr lang="ru-RU" sz="2200" dirty="0" err="1"/>
+              <a:t>елемента</a:t>
+            </a:r>
+            <a:r>
+              <a:rPr lang="ru-RU" sz="2200" dirty="0"/>
+              <a:t> до </a:t>
+            </a:r>
+            <a:r>
+              <a:rPr lang="ru-RU" sz="2200" dirty="0" err="1"/>
+              <a:t>деякої</a:t>
+            </a:r>
+            <a:r>
+              <a:rPr lang="ru-RU" sz="2200" dirty="0"/>
+              <a:t> </a:t>
+            </a:r>
+            <a:r>
+              <a:rPr lang="ru-RU" sz="2200" dirty="0" err="1"/>
+              <a:t>множини</a:t>
+            </a:r>
+            <a:r>
+              <a:rPr lang="ru-RU" sz="2200" dirty="0"/>
+              <a:t> </a:t>
+            </a:r>
+            <a:r>
+              <a:rPr lang="ru-RU" sz="2200" dirty="0" err="1"/>
+              <a:t>або</a:t>
+            </a:r>
+            <a:r>
+              <a:rPr lang="ru-RU" sz="2200" dirty="0"/>
+              <a:t> </a:t>
+            </a:r>
+            <a:r>
+              <a:rPr lang="ru-RU" sz="2200" dirty="0" err="1" smtClean="0"/>
+              <a:t>відсутність</a:t>
+            </a:r>
+            <a:r>
+              <a:rPr lang="ru-RU" sz="2200" dirty="0" smtClean="0"/>
+              <a:t> </a:t>
+            </a:r>
+            <a:r>
+              <a:rPr lang="ru-RU" sz="2200" dirty="0" err="1" smtClean="0"/>
+              <a:t>елемента</a:t>
+            </a:r>
+            <a:r>
+              <a:rPr lang="ru-RU" sz="2200" dirty="0" smtClean="0"/>
+              <a:t> </a:t>
+            </a:r>
+            <a:r>
+              <a:rPr lang="ru-RU" sz="2200" dirty="0"/>
+              <a:t>у </a:t>
+            </a:r>
+            <a:r>
+              <a:rPr lang="ru-RU" sz="2200" dirty="0" err="1"/>
+              <a:t>множині</a:t>
+            </a:r>
+            <a:r>
+              <a:rPr lang="ru-RU" sz="2200" dirty="0"/>
+              <a:t>. </a:t>
+            </a:r>
+            <a:endParaRPr lang="ru-RU" sz="2200" dirty="0" smtClean="0"/>
+          </a:p>
+          <a:p>
+            <a:pPr marL="342900" indent="-342900">
+              <a:buFont typeface="Wingdings" panose="05000000000000000000" pitchFamily="2" charset="2"/>
+              <a:buChar char="q"/>
+            </a:pPr>
+            <a:r>
+              <a:rPr lang="ru-RU" sz="2200" dirty="0" smtClean="0"/>
+              <a:t>Робота </a:t>
+            </a:r>
+            <a:r>
+              <a:rPr lang="ru-RU" sz="2200" dirty="0"/>
+              <a:t>з </a:t>
+            </a:r>
+            <a:r>
+              <a:rPr lang="ru-RU" sz="2200" dirty="0" err="1"/>
+              <a:t>множинами</a:t>
+            </a:r>
+            <a:r>
+              <a:rPr lang="ru-RU" sz="2200" dirty="0"/>
+              <a:t> у </a:t>
+            </a:r>
+            <a:r>
+              <a:rPr lang="ru-RU" sz="2200" dirty="0" err="1"/>
+              <a:t>Python</a:t>
+            </a:r>
+            <a:r>
+              <a:rPr lang="ru-RU" sz="2200" dirty="0"/>
+              <a:t> </a:t>
+            </a:r>
+            <a:r>
+              <a:rPr lang="ru-RU" sz="2200" dirty="0" err="1"/>
+              <a:t>подібна</a:t>
+            </a:r>
+            <a:r>
+              <a:rPr lang="ru-RU" sz="2200" dirty="0"/>
+              <a:t> до </a:t>
+            </a:r>
+            <a:r>
+              <a:rPr lang="ru-RU" sz="2200" dirty="0" err="1"/>
+              <a:t>роботи</a:t>
+            </a:r>
+            <a:r>
+              <a:rPr lang="ru-RU" sz="2200" dirty="0"/>
+              <a:t> </a:t>
+            </a:r>
+            <a:r>
+              <a:rPr lang="ru-RU" sz="2200" dirty="0" smtClean="0"/>
+              <a:t>з </a:t>
+            </a:r>
+            <a:r>
+              <a:rPr lang="ru-RU" sz="2200" dirty="0" err="1" smtClean="0"/>
+              <a:t>дискретними</a:t>
+            </a:r>
+            <a:r>
+              <a:rPr lang="ru-RU" sz="2200" dirty="0" smtClean="0"/>
+              <a:t> </a:t>
+            </a:r>
+            <a:r>
+              <a:rPr lang="ru-RU" sz="2200" dirty="0" err="1"/>
+              <a:t>множинами</a:t>
+            </a:r>
+            <a:r>
+              <a:rPr lang="ru-RU" sz="2200" dirty="0"/>
+              <a:t> у </a:t>
+            </a:r>
+            <a:r>
+              <a:rPr lang="ru-RU" sz="2200" dirty="0" err="1"/>
+              <a:t>математиці</a:t>
+            </a:r>
+            <a:r>
+              <a:rPr lang="ru-RU" sz="2200" dirty="0"/>
+              <a:t>.</a:t>
+            </a:r>
           </a:p>
         </p:txBody>
       </p:sp>
-      <p:pic>
-        <p:nvPicPr>
-          <p:cNvPr id="11" name="Рисунок 10"/>
-          <p:cNvPicPr>
-            <a:picLocks noChangeAspect="1"/>
-          </p:cNvPicPr>
-          <p:nvPr/>
-        </p:nvPicPr>
-        <p:blipFill>
-          <a:blip r:embed="rId4"/>
-          <a:stretch>
-            <a:fillRect/>
-          </a:stretch>
-        </p:blipFill>
-        <p:spPr>
-          <a:xfrm>
-            <a:off x="740282" y="4041290"/>
-            <a:ext cx="7463917" cy="1141741"/>
-          </a:xfrm>
-          <a:prstGeom prst="rect">
-            <a:avLst/>
-          </a:prstGeom>
-        </p:spPr>
-      </p:pic>
     </p:spTree>
     <p:extLst>
       <p:ext uri="{BB962C8B-B14F-4D97-AF65-F5344CB8AC3E}">
-        <p14:creationId xmlns:p14="http://schemas.microsoft.com/office/powerpoint/2010/main" val="3935288630"/>
+        <p14:creationId xmlns:p14="http://schemas.microsoft.com/office/powerpoint/2010/main" val="1312012280"/>
       </p:ext>
     </p:extLst>
   </p:cSld>
@@ -16571,15 +15009,21 @@
               <a:buAutoNum type="arabicPeriod"/>
             </a:pPr>
             <a:r>
-              <a:rPr lang="ru-RU" sz="2200" b="1" dirty="0" err="1"/>
+              <a:rPr lang="ru-RU" sz="2200" b="1" dirty="0" err="1">
+                <a:hlinkClick r:id="rId3" action="ppaction://hlinksldjump"/>
+              </a:rPr>
               <a:t>Створення</a:t>
             </a:r>
             <a:r>
-              <a:rPr lang="ru-RU" sz="2200" b="1" dirty="0"/>
-              <a:t> </a:t>
-            </a:r>
-            <a:r>
-              <a:rPr lang="ru-RU" sz="2200" b="1" dirty="0" err="1" smtClean="0"/>
+              <a:rPr lang="ru-RU" sz="2200" b="1" dirty="0">
+                <a:hlinkClick r:id="rId3" action="ppaction://hlinksldjump"/>
+              </a:rPr>
+              <a:t> </a:t>
+            </a:r>
+            <a:r>
+              <a:rPr lang="ru-RU" sz="2200" b="1" dirty="0" err="1" smtClean="0">
+                <a:hlinkClick r:id="rId3" action="ppaction://hlinksldjump"/>
+              </a:rPr>
               <a:t>словників</a:t>
             </a:r>
             <a:endParaRPr lang="ru-RU" sz="2200" b="1" dirty="0" smtClean="0"/>
@@ -16590,21 +15034,30 @@
               <a:buAutoNum type="arabicPeriod"/>
             </a:pPr>
             <a:r>
-              <a:rPr lang="ru-RU" sz="2200" b="1" dirty="0"/>
+              <a:rPr lang="ru-RU" sz="2200" b="1" dirty="0">
+                <a:hlinkClick r:id="rId4" action="ppaction://hlinksldjump"/>
+              </a:rPr>
               <a:t>Доступ до </a:t>
             </a:r>
             <a:r>
-              <a:rPr lang="ru-RU" sz="2200" b="1" dirty="0" err="1"/>
+              <a:rPr lang="ru-RU" sz="2200" b="1" dirty="0" err="1">
+                <a:hlinkClick r:id="rId4" action="ppaction://hlinksldjump"/>
+              </a:rPr>
               <a:t>елементів</a:t>
             </a:r>
             <a:r>
-              <a:rPr lang="ru-RU" sz="2200" b="1" dirty="0"/>
-              <a:t> </a:t>
-            </a:r>
-            <a:r>
-              <a:rPr lang="ru-RU" sz="2200" b="1" dirty="0" smtClean="0"/>
+              <a:rPr lang="ru-RU" sz="2200" b="1" dirty="0">
+                <a:hlinkClick r:id="rId4" action="ppaction://hlinksldjump"/>
+              </a:rPr>
+              <a:t> </a:t>
+            </a:r>
+            <a:r>
+              <a:rPr lang="ru-RU" sz="2200" b="1" dirty="0" smtClean="0">
+                <a:hlinkClick r:id="rId4" action="ppaction://hlinksldjump"/>
+              </a:rPr>
               <a:t>словника</a:t>
             </a:r>
+            <a:endParaRPr lang="ru-RU" sz="2200" b="1" dirty="0" smtClean="0"/>
           </a:p>
           <a:p>
             <a:pPr marL="457200" indent="-457200">
@@ -16612,17 +15065,24 @@
               <a:buAutoNum type="arabicPeriod"/>
             </a:pPr>
             <a:r>
-              <a:rPr lang="ru-RU" sz="2200" b="1" dirty="0" err="1"/>
+              <a:rPr lang="ru-RU" sz="2200" b="1" dirty="0" err="1">
+                <a:hlinkClick r:id="rId5" action="ppaction://hlinksldjump"/>
+              </a:rPr>
               <a:t>Операції</a:t>
             </a:r>
             <a:r>
-              <a:rPr lang="ru-RU" sz="2200" b="1" dirty="0"/>
+              <a:rPr lang="ru-RU" sz="2200" b="1" dirty="0">
+                <a:hlinkClick r:id="rId5" action="ppaction://hlinksldjump"/>
+              </a:rPr>
               <a:t> над </a:t>
             </a:r>
             <a:r>
-              <a:rPr lang="ru-RU" sz="2200" b="1" dirty="0" smtClean="0"/>
+              <a:rPr lang="ru-RU" sz="2200" b="1" dirty="0" smtClean="0">
+                <a:hlinkClick r:id="rId5" action="ppaction://hlinksldjump"/>
+              </a:rPr>
               <a:t>словниками</a:t>
             </a:r>
+            <a:endParaRPr lang="ru-RU" sz="2200" b="1" dirty="0" smtClean="0"/>
           </a:p>
           <a:p>
             <a:pPr marL="457200" indent="-457200">
@@ -16630,15 +15090,21 @@
               <a:buAutoNum type="arabicPeriod"/>
             </a:pPr>
             <a:r>
-              <a:rPr lang="ru-RU" sz="2200" b="1" dirty="0" err="1"/>
+              <a:rPr lang="ru-RU" sz="2200" b="1" dirty="0" err="1">
+                <a:hlinkClick r:id="rId6" action="ppaction://hlinksldjump"/>
+              </a:rPr>
               <a:t>Обхід</a:t>
             </a:r>
             <a:r>
-              <a:rPr lang="ru-RU" sz="2200" b="1" dirty="0"/>
-              <a:t> </a:t>
-            </a:r>
-            <a:r>
-              <a:rPr lang="ru-RU" sz="2200" b="1" dirty="0" err="1" smtClean="0"/>
+              <a:rPr lang="ru-RU" sz="2200" b="1" dirty="0">
+                <a:hlinkClick r:id="rId6" action="ppaction://hlinksldjump"/>
+              </a:rPr>
+              <a:t> </a:t>
+            </a:r>
+            <a:r>
+              <a:rPr lang="ru-RU" sz="2200" b="1" dirty="0" err="1" smtClean="0">
+                <a:hlinkClick r:id="rId6" action="ppaction://hlinksldjump"/>
+              </a:rPr>
               <a:t>словників</a:t>
             </a:r>
             <a:endParaRPr lang="ru-RU" sz="2200" b="1" dirty="0" smtClean="0"/>
@@ -16649,19 +15115,27 @@
               <a:buAutoNum type="arabicPeriod"/>
             </a:pPr>
             <a:r>
-              <a:rPr lang="ru-RU" sz="2200" b="1" dirty="0"/>
+              <a:rPr lang="ru-RU" sz="2200" b="1" dirty="0">
+                <a:hlinkClick r:id="rId7" action="ppaction://hlinksldjump"/>
+              </a:rPr>
               <a:t>Приклад </a:t>
             </a:r>
             <a:r>
-              <a:rPr lang="ru-RU" sz="2200" b="1" dirty="0" err="1"/>
+              <a:rPr lang="ru-RU" sz="2200" b="1" dirty="0" err="1">
+                <a:hlinkClick r:id="rId7" action="ppaction://hlinksldjump"/>
+              </a:rPr>
               <a:t>обробки</a:t>
             </a:r>
             <a:r>
-              <a:rPr lang="ru-RU" sz="2200" b="1" dirty="0"/>
-              <a:t> </a:t>
-            </a:r>
-            <a:r>
-              <a:rPr lang="ru-RU" sz="2200" b="1" dirty="0" err="1" smtClean="0"/>
+              <a:rPr lang="ru-RU" sz="2200" b="1" dirty="0">
+                <a:hlinkClick r:id="rId7" action="ppaction://hlinksldjump"/>
+              </a:rPr>
+              <a:t> </a:t>
+            </a:r>
+            <a:r>
+              <a:rPr lang="ru-RU" sz="2200" b="1" dirty="0" err="1" smtClean="0">
+                <a:hlinkClick r:id="rId7" action="ppaction://hlinksldjump"/>
+              </a:rPr>
               <a:t>словників</a:t>
             </a:r>
             <a:endParaRPr lang="ru-RU" sz="2200" b="1" dirty="0" smtClean="0"/>
@@ -16672,23 +15146,33 @@
               <a:buAutoNum type="arabicPeriod"/>
             </a:pPr>
             <a:r>
-              <a:rPr lang="ru-RU" sz="2200" b="1" dirty="0" err="1"/>
+              <a:rPr lang="ru-RU" sz="2200" b="1" dirty="0" err="1">
+                <a:hlinkClick r:id="rId8" action="ppaction://hlinksldjump"/>
+              </a:rPr>
               <a:t>Поняття</a:t>
             </a:r>
             <a:r>
-              <a:rPr lang="ru-RU" sz="2200" b="1" dirty="0"/>
-              <a:t> </a:t>
-            </a:r>
-            <a:r>
-              <a:rPr lang="ru-RU" sz="2200" b="1" dirty="0" err="1"/>
+              <a:rPr lang="ru-RU" sz="2200" b="1" dirty="0">
+                <a:hlinkClick r:id="rId8" action="ppaction://hlinksldjump"/>
+              </a:rPr>
+              <a:t> </a:t>
+            </a:r>
+            <a:r>
+              <a:rPr lang="ru-RU" sz="2200" b="1" dirty="0" err="1">
+                <a:hlinkClick r:id="rId8" action="ppaction://hlinksldjump"/>
+              </a:rPr>
               <a:t>множин</a:t>
             </a:r>
             <a:r>
-              <a:rPr lang="ru-RU" sz="2200" b="1" dirty="0"/>
+              <a:rPr lang="ru-RU" sz="2200" b="1" dirty="0">
+                <a:hlinkClick r:id="rId8" action="ppaction://hlinksldjump"/>
+              </a:rPr>
               <a:t> в </a:t>
             </a:r>
             <a:r>
-              <a:rPr lang="en-US" sz="2200" b="1" dirty="0" smtClean="0"/>
+              <a:rPr lang="en-US" sz="2200" b="1" dirty="0" smtClean="0">
+                <a:hlinkClick r:id="rId8" action="ppaction://hlinksldjump"/>
+              </a:rPr>
               <a:t>Python</a:t>
             </a:r>
             <a:endParaRPr lang="uk-UA" sz="2200" b="1" dirty="0" smtClean="0"/>
@@ -16796,6 +15280,2470 @@
 </file>
 
 <file path=ppt/slides/slide30.xml><?xml version="1.0" encoding="utf-8"?>
+<p:sld xmlns:a="http://schemas.openxmlformats.org/drawingml/2006/main" xmlns:r="http://schemas.openxmlformats.org/officeDocument/2006/relationships" xmlns:p="http://schemas.openxmlformats.org/presentationml/2006/main">
+  <p:cSld>
+    <p:spTree>
+      <p:nvGrpSpPr>
+        <p:cNvPr id="1" name=""/>
+        <p:cNvGrpSpPr/>
+        <p:nvPr/>
+      </p:nvGrpSpPr>
+      <p:grpSpPr>
+        <a:xfrm>
+          <a:off x="0" y="0"/>
+          <a:ext cx="0" cy="0"/>
+          <a:chOff x="0" y="0"/>
+          <a:chExt cx="0" cy="0"/>
+        </a:xfrm>
+      </p:grpSpPr>
+      <p:sp>
+        <p:nvSpPr>
+          <p:cNvPr id="2" name="Прямоугольник 1"/>
+          <p:cNvSpPr/>
+          <p:nvPr/>
+        </p:nvSpPr>
+        <p:spPr>
+          <a:xfrm>
+            <a:off x="2489211" y="0"/>
+            <a:ext cx="4583947" cy="646331"/>
+          </a:xfrm>
+          <a:prstGeom prst="rect">
+            <a:avLst/>
+          </a:prstGeom>
+        </p:spPr>
+        <p:txBody>
+          <a:bodyPr wrap="none">
+            <a:spAutoFit/>
+          </a:bodyPr>
+          <a:lstStyle/>
+          <a:p>
+            <a:r>
+              <a:rPr lang="ru-RU" sz="3600" b="1" dirty="0" err="1">
+                <a:latin typeface="Cambria,Bold"/>
+              </a:rPr>
+              <a:t>Створення</a:t>
+            </a:r>
+            <a:r>
+              <a:rPr lang="ru-RU" sz="3600" b="1" dirty="0">
+                <a:latin typeface="Cambria,Bold"/>
+              </a:rPr>
+              <a:t> </a:t>
+            </a:r>
+            <a:r>
+              <a:rPr lang="ru-RU" sz="3600" b="1" dirty="0" err="1">
+                <a:latin typeface="Cambria,Bold"/>
+              </a:rPr>
+              <a:t>множин</a:t>
+            </a:r>
+            <a:endParaRPr lang="ru-RU" sz="3600" dirty="0"/>
+          </a:p>
+        </p:txBody>
+      </p:sp>
+      <p:sp>
+        <p:nvSpPr>
+          <p:cNvPr id="3" name="Прямоугольник 2"/>
+          <p:cNvSpPr/>
+          <p:nvPr/>
+        </p:nvSpPr>
+        <p:spPr>
+          <a:xfrm>
+            <a:off x="0" y="1482636"/>
+            <a:ext cx="9144000" cy="769441"/>
+          </a:xfrm>
+          <a:prstGeom prst="rect">
+            <a:avLst/>
+          </a:prstGeom>
+        </p:spPr>
+        <p:txBody>
+          <a:bodyPr wrap="square">
+            <a:spAutoFit/>
+          </a:bodyPr>
+          <a:lstStyle/>
+          <a:p>
+            <a:r>
+              <a:rPr lang="ru-RU" sz="2200" dirty="0" err="1" smtClean="0"/>
+              <a:t>Елементи</a:t>
+            </a:r>
+            <a:r>
+              <a:rPr lang="ru-RU" sz="2200" dirty="0" smtClean="0"/>
+              <a:t> </a:t>
+            </a:r>
+            <a:r>
+              <a:rPr lang="ru-RU" sz="2200" dirty="0" err="1"/>
+              <a:t>множини</a:t>
+            </a:r>
+            <a:r>
+              <a:rPr lang="ru-RU" sz="2200" dirty="0"/>
+              <a:t> </a:t>
+            </a:r>
+            <a:r>
+              <a:rPr lang="ru-RU" sz="2200" dirty="0" err="1"/>
+              <a:t>розділяються</a:t>
+            </a:r>
+            <a:r>
+              <a:rPr lang="ru-RU" sz="2200" dirty="0"/>
+              <a:t> комою, а </a:t>
+            </a:r>
+            <a:r>
+              <a:rPr lang="ru-RU" sz="2200" dirty="0" smtClean="0"/>
+              <a:t>вся </a:t>
+            </a:r>
+            <a:r>
+              <a:rPr lang="ru-RU" sz="2200" dirty="0" err="1" smtClean="0"/>
+              <a:t>послідовність</a:t>
+            </a:r>
+            <a:r>
+              <a:rPr lang="ru-RU" sz="2200" dirty="0" smtClean="0"/>
+              <a:t> </a:t>
+            </a:r>
+            <a:r>
+              <a:rPr lang="ru-RU" sz="2200" dirty="0" err="1"/>
+              <a:t>записується</a:t>
+            </a:r>
+            <a:r>
+              <a:rPr lang="ru-RU" sz="2200" dirty="0"/>
+              <a:t> у </a:t>
+            </a:r>
+            <a:r>
+              <a:rPr lang="ru-RU" sz="2200" dirty="0" err="1">
+                <a:solidFill>
+                  <a:srgbClr val="FF0000"/>
+                </a:solidFill>
+              </a:rPr>
+              <a:t>фігурних</a:t>
+            </a:r>
+            <a:r>
+              <a:rPr lang="ru-RU" sz="2200" dirty="0">
+                <a:solidFill>
+                  <a:srgbClr val="FF0000"/>
+                </a:solidFill>
+              </a:rPr>
+              <a:t> дужках</a:t>
+            </a:r>
+            <a:r>
+              <a:rPr lang="ru-RU" sz="2200" dirty="0"/>
+              <a:t>, </a:t>
+            </a:r>
+            <a:r>
+              <a:rPr lang="ru-RU" sz="2200" dirty="0" err="1"/>
+              <a:t>аналогічно</a:t>
+            </a:r>
+            <a:r>
+              <a:rPr lang="ru-RU" sz="2200" dirty="0"/>
+              <a:t> словникам</a:t>
+            </a:r>
+          </a:p>
+        </p:txBody>
+      </p:sp>
+      <p:sp>
+        <p:nvSpPr>
+          <p:cNvPr id="4" name="Прямоугольник 3"/>
+          <p:cNvSpPr/>
+          <p:nvPr/>
+        </p:nvSpPr>
+        <p:spPr>
+          <a:xfrm>
+            <a:off x="197277" y="962367"/>
+            <a:ext cx="3351559" cy="430887"/>
+          </a:xfrm>
+          <a:prstGeom prst="rect">
+            <a:avLst/>
+          </a:prstGeom>
+        </p:spPr>
+        <p:txBody>
+          <a:bodyPr wrap="none">
+            <a:spAutoFit/>
+          </a:bodyPr>
+          <a:lstStyle/>
+          <a:p>
+            <a:r>
+              <a:rPr lang="ru-RU" sz="2200" b="1" dirty="0">
+                <a:solidFill>
+                  <a:srgbClr val="0000CC"/>
+                </a:solidFill>
+              </a:rPr>
+              <a:t>1. За </a:t>
+            </a:r>
+            <a:r>
+              <a:rPr lang="ru-RU" sz="2200" b="1" dirty="0" err="1">
+                <a:solidFill>
+                  <a:srgbClr val="0000CC"/>
+                </a:solidFill>
+              </a:rPr>
+              <a:t>допомогою</a:t>
+            </a:r>
+            <a:r>
+              <a:rPr lang="ru-RU" sz="2200" b="1" dirty="0">
+                <a:solidFill>
+                  <a:srgbClr val="0000CC"/>
+                </a:solidFill>
+              </a:rPr>
+              <a:t> </a:t>
+            </a:r>
+            <a:r>
+              <a:rPr lang="ru-RU" sz="2200" b="1" dirty="0" err="1">
+                <a:solidFill>
+                  <a:srgbClr val="0000CC"/>
+                </a:solidFill>
+              </a:rPr>
+              <a:t>літерала</a:t>
+            </a:r>
+            <a:endParaRPr lang="ru-RU" sz="2200" b="1" dirty="0">
+              <a:solidFill>
+                <a:srgbClr val="0000CC"/>
+              </a:solidFill>
+            </a:endParaRPr>
+          </a:p>
+        </p:txBody>
+      </p:sp>
+      <p:sp>
+        <p:nvSpPr>
+          <p:cNvPr id="5" name="Прямоугольник 4"/>
+          <p:cNvSpPr/>
+          <p:nvPr/>
+        </p:nvSpPr>
+        <p:spPr>
+          <a:xfrm>
+            <a:off x="419100" y="2587536"/>
+            <a:ext cx="8305800" cy="1107996"/>
+          </a:xfrm>
+          <a:prstGeom prst="rect">
+            <a:avLst/>
+          </a:prstGeom>
+        </p:spPr>
+        <p:txBody>
+          <a:bodyPr wrap="square">
+            <a:spAutoFit/>
+          </a:bodyPr>
+          <a:lstStyle/>
+          <a:p>
+            <a:r>
+              <a:rPr lang="en-GB" sz="2200" dirty="0" err="1"/>
+              <a:t>empty_set</a:t>
+            </a:r>
+            <a:r>
+              <a:rPr lang="en-GB" sz="2200" dirty="0"/>
+              <a:t> = set() </a:t>
+            </a:r>
+            <a:r>
+              <a:rPr lang="uk-UA" sz="2200" dirty="0" smtClean="0"/>
+              <a:t> 	</a:t>
+            </a:r>
+            <a:r>
+              <a:rPr lang="en-GB" sz="2200" dirty="0" smtClean="0">
+                <a:solidFill>
+                  <a:srgbClr val="FF0000"/>
+                </a:solidFill>
+              </a:rPr>
+              <a:t># </a:t>
+            </a:r>
+            <a:r>
+              <a:rPr lang="ru-RU" sz="2200" dirty="0" err="1">
+                <a:solidFill>
+                  <a:srgbClr val="FF0000"/>
+                </a:solidFill>
+              </a:rPr>
+              <a:t>Порожня</a:t>
+            </a:r>
+            <a:r>
+              <a:rPr lang="ru-RU" sz="2200" dirty="0">
+                <a:solidFill>
+                  <a:srgbClr val="FF0000"/>
+                </a:solidFill>
+              </a:rPr>
+              <a:t> </a:t>
+            </a:r>
+            <a:r>
+              <a:rPr lang="ru-RU" sz="2200" dirty="0" err="1">
+                <a:solidFill>
+                  <a:srgbClr val="FF0000"/>
+                </a:solidFill>
+              </a:rPr>
+              <a:t>множина</a:t>
+            </a:r>
+            <a:r>
+              <a:rPr lang="ru-RU" sz="2200" dirty="0">
+                <a:solidFill>
+                  <a:srgbClr val="FF0000"/>
+                </a:solidFill>
+              </a:rPr>
+              <a:t> </a:t>
+            </a:r>
+            <a:r>
+              <a:rPr lang="ru-RU" sz="2200" dirty="0" err="1">
+                <a:solidFill>
+                  <a:srgbClr val="FF0000"/>
+                </a:solidFill>
+              </a:rPr>
+              <a:t>може</a:t>
+            </a:r>
+            <a:r>
+              <a:rPr lang="ru-RU" sz="2200" dirty="0">
+                <a:solidFill>
+                  <a:srgbClr val="FF0000"/>
+                </a:solidFill>
+              </a:rPr>
+              <a:t> </a:t>
+            </a:r>
+            <a:r>
+              <a:rPr lang="ru-RU" sz="2200" dirty="0" err="1">
+                <a:solidFill>
+                  <a:srgbClr val="FF0000"/>
+                </a:solidFill>
+              </a:rPr>
+              <a:t>створюватися</a:t>
+            </a:r>
+            <a:endParaRPr lang="ru-RU" sz="2200" dirty="0">
+              <a:solidFill>
+                <a:srgbClr val="FF0000"/>
+              </a:solidFill>
+            </a:endParaRPr>
+          </a:p>
+          <a:p>
+            <a:r>
+              <a:rPr lang="ru-RU" sz="2200" dirty="0" smtClean="0">
+                <a:solidFill>
+                  <a:srgbClr val="FF0000"/>
+                </a:solidFill>
+              </a:rPr>
+              <a:t>			# </a:t>
+            </a:r>
+            <a:r>
+              <a:rPr lang="ru-RU" sz="2200" dirty="0" err="1">
+                <a:solidFill>
+                  <a:srgbClr val="FF0000"/>
+                </a:solidFill>
+              </a:rPr>
+              <a:t>лише</a:t>
+            </a:r>
+            <a:r>
+              <a:rPr lang="ru-RU" sz="2200" dirty="0">
+                <a:solidFill>
+                  <a:srgbClr val="FF0000"/>
+                </a:solidFill>
+              </a:rPr>
+              <a:t> з </a:t>
+            </a:r>
+            <a:r>
+              <a:rPr lang="ru-RU" sz="2200" dirty="0" err="1">
+                <a:solidFill>
+                  <a:srgbClr val="FF0000"/>
+                </a:solidFill>
+              </a:rPr>
+              <a:t>допомогою</a:t>
+            </a:r>
+            <a:r>
+              <a:rPr lang="ru-RU" sz="2200" dirty="0">
+                <a:solidFill>
+                  <a:srgbClr val="FF0000"/>
+                </a:solidFill>
+              </a:rPr>
+              <a:t> </a:t>
+            </a:r>
+            <a:r>
+              <a:rPr lang="ru-RU" sz="2200" dirty="0" err="1">
+                <a:solidFill>
+                  <a:srgbClr val="FF0000"/>
+                </a:solidFill>
+              </a:rPr>
+              <a:t>інструкції</a:t>
+            </a:r>
+            <a:r>
+              <a:rPr lang="ru-RU" sz="2200" dirty="0">
+                <a:solidFill>
+                  <a:srgbClr val="FF0000"/>
+                </a:solidFill>
+              </a:rPr>
+              <a:t> </a:t>
+            </a:r>
+            <a:r>
+              <a:rPr lang="en-GB" sz="2200" dirty="0">
+                <a:solidFill>
+                  <a:srgbClr val="FF0000"/>
+                </a:solidFill>
+              </a:rPr>
+              <a:t>set</a:t>
+            </a:r>
+          </a:p>
+          <a:p>
+            <a:r>
+              <a:rPr lang="en-GB" sz="2200" dirty="0"/>
+              <a:t>M = {1, 2, 3, 3, 3} </a:t>
+            </a:r>
+            <a:r>
+              <a:rPr lang="uk-UA" sz="2200" dirty="0" smtClean="0"/>
+              <a:t>	</a:t>
+            </a:r>
+            <a:r>
+              <a:rPr lang="en-GB" sz="2200" dirty="0" smtClean="0">
+                <a:solidFill>
+                  <a:srgbClr val="FF0000"/>
+                </a:solidFill>
+              </a:rPr>
+              <a:t># </a:t>
+            </a:r>
+            <a:r>
+              <a:rPr lang="ru-RU" sz="2200" dirty="0" err="1">
+                <a:solidFill>
+                  <a:srgbClr val="FF0000"/>
+                </a:solidFill>
+              </a:rPr>
+              <a:t>Множина</a:t>
+            </a:r>
+            <a:r>
+              <a:rPr lang="ru-RU" sz="2200" dirty="0">
+                <a:solidFill>
+                  <a:srgbClr val="FF0000"/>
+                </a:solidFill>
+              </a:rPr>
+              <a:t> {1, 2, 3}</a:t>
+            </a:r>
+          </a:p>
+        </p:txBody>
+      </p:sp>
+      <p:sp>
+        <p:nvSpPr>
+          <p:cNvPr id="6" name="Прямоугольник 5"/>
+          <p:cNvSpPr/>
+          <p:nvPr/>
+        </p:nvSpPr>
+        <p:spPr>
+          <a:xfrm>
+            <a:off x="197276" y="4030991"/>
+            <a:ext cx="8743523" cy="1107996"/>
+          </a:xfrm>
+          <a:prstGeom prst="rect">
+            <a:avLst/>
+          </a:prstGeom>
+        </p:spPr>
+        <p:txBody>
+          <a:bodyPr wrap="square">
+            <a:spAutoFit/>
+          </a:bodyPr>
+          <a:lstStyle/>
+          <a:p>
+            <a:r>
+              <a:rPr lang="ru-RU" sz="2200" dirty="0" err="1" smtClean="0"/>
+              <a:t>Порожні</a:t>
+            </a:r>
+            <a:r>
+              <a:rPr lang="ru-RU" sz="2200" dirty="0" smtClean="0"/>
+              <a:t> </a:t>
+            </a:r>
+            <a:r>
+              <a:rPr lang="ru-RU" sz="2200" dirty="0" err="1" smtClean="0"/>
+              <a:t>фігурні</a:t>
+            </a:r>
+            <a:r>
+              <a:rPr lang="ru-RU" sz="2200" dirty="0" smtClean="0"/>
+              <a:t> </a:t>
+            </a:r>
+            <a:r>
+              <a:rPr lang="ru-RU" sz="2200" dirty="0"/>
+              <a:t>дужки </a:t>
+            </a:r>
+            <a:r>
+              <a:rPr lang="ru-RU" sz="2200" dirty="0" err="1"/>
+              <a:t>використовуються</a:t>
+            </a:r>
+            <a:r>
+              <a:rPr lang="ru-RU" sz="2200" dirty="0"/>
+              <a:t> для </a:t>
+            </a:r>
+            <a:r>
+              <a:rPr lang="ru-RU" sz="2200" dirty="0" err="1"/>
+              <a:t>створення</a:t>
+            </a:r>
+            <a:r>
+              <a:rPr lang="ru-RU" sz="2200" dirty="0"/>
+              <a:t> </a:t>
+            </a:r>
+            <a:r>
+              <a:rPr lang="ru-RU" sz="2200" dirty="0" err="1"/>
+              <a:t>словників</a:t>
+            </a:r>
+            <a:r>
+              <a:rPr lang="ru-RU" sz="2200" dirty="0"/>
+              <a:t>. Тому, </a:t>
+            </a:r>
+            <a:r>
+              <a:rPr lang="ru-RU" sz="2200" dirty="0" err="1"/>
+              <a:t>щоб</a:t>
+            </a:r>
+            <a:r>
+              <a:rPr lang="ru-RU" sz="2200" dirty="0"/>
+              <a:t> </a:t>
+            </a:r>
+            <a:r>
+              <a:rPr lang="ru-RU" sz="2200" dirty="0" err="1" smtClean="0"/>
+              <a:t>уникнути</a:t>
+            </a:r>
+            <a:r>
+              <a:rPr lang="ru-RU" sz="2200" dirty="0" smtClean="0"/>
+              <a:t> </a:t>
+            </a:r>
+            <a:r>
+              <a:rPr lang="ru-RU" sz="2200" dirty="0" err="1" smtClean="0"/>
+              <a:t>неоднозначності</a:t>
+            </a:r>
+            <a:r>
+              <a:rPr lang="ru-RU" sz="2200" dirty="0" smtClean="0"/>
+              <a:t> </a:t>
+            </a:r>
+            <a:r>
+              <a:rPr lang="ru-RU" sz="2200" dirty="0" err="1"/>
+              <a:t>порожні</a:t>
+            </a:r>
+            <a:r>
+              <a:rPr lang="ru-RU" sz="2200" dirty="0"/>
+              <a:t> </a:t>
+            </a:r>
+            <a:r>
+              <a:rPr lang="ru-RU" sz="2200" dirty="0" err="1"/>
+              <a:t>множини</a:t>
+            </a:r>
+            <a:r>
+              <a:rPr lang="ru-RU" sz="2200" dirty="0"/>
+              <a:t> </a:t>
+            </a:r>
+            <a:r>
+              <a:rPr lang="ru-RU" sz="2200" dirty="0" err="1"/>
+              <a:t>створюються</a:t>
+            </a:r>
+            <a:r>
+              <a:rPr lang="ru-RU" sz="2200" dirty="0"/>
+              <a:t> з </a:t>
+            </a:r>
+            <a:r>
+              <a:rPr lang="ru-RU" sz="2200" dirty="0" err="1"/>
+              <a:t>використанням</a:t>
+            </a:r>
+            <a:r>
+              <a:rPr lang="ru-RU" sz="2200" dirty="0"/>
+              <a:t> </a:t>
+            </a:r>
+            <a:r>
+              <a:rPr lang="ru-RU" sz="2200" dirty="0" err="1"/>
+              <a:t>функції</a:t>
+            </a:r>
+            <a:r>
+              <a:rPr lang="ru-RU" sz="2200" dirty="0"/>
+              <a:t> </a:t>
+            </a:r>
+            <a:r>
+              <a:rPr lang="ru-RU" sz="2200" b="1" dirty="0" err="1" smtClean="0">
+                <a:solidFill>
+                  <a:srgbClr val="0000CC"/>
+                </a:solidFill>
+              </a:rPr>
+              <a:t>set</a:t>
+            </a:r>
+            <a:r>
+              <a:rPr lang="ru-RU" sz="2200" b="1" dirty="0" smtClean="0">
+                <a:solidFill>
+                  <a:srgbClr val="0000CC"/>
+                </a:solidFill>
+              </a:rPr>
+              <a:t>()</a:t>
+            </a:r>
+            <a:r>
+              <a:rPr lang="ru-RU" sz="2200" dirty="0" smtClean="0"/>
+              <a:t>.</a:t>
+            </a:r>
+            <a:endParaRPr lang="ru-RU" sz="2200" dirty="0"/>
+          </a:p>
+        </p:txBody>
+      </p:sp>
+    </p:spTree>
+    <p:extLst>
+      <p:ext uri="{BB962C8B-B14F-4D97-AF65-F5344CB8AC3E}">
+        <p14:creationId xmlns:p14="http://schemas.microsoft.com/office/powerpoint/2010/main" val="2407457050"/>
+      </p:ext>
+    </p:extLst>
+  </p:cSld>
+  <p:clrMapOvr>
+    <a:masterClrMapping/>
+  </p:clrMapOvr>
+  <p:timing>
+    <p:tnLst>
+      <p:par>
+        <p:cTn id="1" dur="indefinite" restart="never" nodeType="tmRoot"/>
+      </p:par>
+    </p:tnLst>
+  </p:timing>
+</p:sld>
+</file>
+
+<file path=ppt/slides/slide31.xml><?xml version="1.0" encoding="utf-8"?>
+<p:sld xmlns:a="http://schemas.openxmlformats.org/drawingml/2006/main" xmlns:r="http://schemas.openxmlformats.org/officeDocument/2006/relationships" xmlns:p="http://schemas.openxmlformats.org/presentationml/2006/main">
+  <p:cSld>
+    <p:spTree>
+      <p:nvGrpSpPr>
+        <p:cNvPr id="1" name=""/>
+        <p:cNvGrpSpPr/>
+        <p:nvPr/>
+      </p:nvGrpSpPr>
+      <p:grpSpPr>
+        <a:xfrm>
+          <a:off x="0" y="0"/>
+          <a:ext cx="0" cy="0"/>
+          <a:chOff x="0" y="0"/>
+          <a:chExt cx="0" cy="0"/>
+        </a:xfrm>
+      </p:grpSpPr>
+      <p:sp>
+        <p:nvSpPr>
+          <p:cNvPr id="2" name="Прямоугольник 1"/>
+          <p:cNvSpPr/>
+          <p:nvPr/>
+        </p:nvSpPr>
+        <p:spPr>
+          <a:xfrm>
+            <a:off x="203210" y="2532150"/>
+            <a:ext cx="8940789" cy="430887"/>
+          </a:xfrm>
+          <a:prstGeom prst="rect">
+            <a:avLst/>
+          </a:prstGeom>
+        </p:spPr>
+        <p:txBody>
+          <a:bodyPr wrap="square">
+            <a:spAutoFit/>
+          </a:bodyPr>
+          <a:lstStyle/>
+          <a:p>
+            <a:r>
+              <a:rPr lang="ru-RU" sz="2200" dirty="0" smtClean="0">
+                <a:solidFill>
+                  <a:srgbClr val="000000"/>
+                </a:solidFill>
+              </a:rPr>
+              <a:t>Тут </a:t>
+            </a:r>
+            <a:r>
+              <a:rPr lang="ru-RU" sz="2200" dirty="0">
+                <a:solidFill>
+                  <a:srgbClr val="000000"/>
+                </a:solidFill>
+              </a:rPr>
+              <a:t>M – нова </a:t>
+            </a:r>
+            <a:r>
+              <a:rPr lang="ru-RU" sz="2200" dirty="0" err="1">
+                <a:solidFill>
+                  <a:srgbClr val="000000"/>
+                </a:solidFill>
+              </a:rPr>
+              <a:t>множна</a:t>
+            </a:r>
+            <a:r>
+              <a:rPr lang="ru-RU" sz="2200" dirty="0">
+                <a:solidFill>
+                  <a:srgbClr val="000000"/>
+                </a:solidFill>
+              </a:rPr>
+              <a:t>, </a:t>
+            </a:r>
+            <a:r>
+              <a:rPr lang="ru-RU" sz="2200" dirty="0" err="1">
+                <a:solidFill>
+                  <a:srgbClr val="000000"/>
+                </a:solidFill>
+              </a:rPr>
+              <a:t>що</a:t>
+            </a:r>
+            <a:r>
+              <a:rPr lang="ru-RU" sz="2200" dirty="0">
+                <a:solidFill>
+                  <a:srgbClr val="000000"/>
+                </a:solidFill>
+              </a:rPr>
+              <a:t> </a:t>
+            </a:r>
+            <a:r>
+              <a:rPr lang="ru-RU" sz="2200" dirty="0" err="1">
+                <a:solidFill>
+                  <a:srgbClr val="000000"/>
+                </a:solidFill>
+              </a:rPr>
+              <a:t>будується</a:t>
+            </a:r>
+            <a:r>
+              <a:rPr lang="ru-RU" sz="2200" dirty="0">
+                <a:solidFill>
+                  <a:srgbClr val="000000"/>
+                </a:solidFill>
+              </a:rPr>
+              <a:t> на </a:t>
+            </a:r>
+            <a:r>
+              <a:rPr lang="ru-RU" sz="2200" dirty="0" err="1">
+                <a:solidFill>
+                  <a:srgbClr val="000000"/>
+                </a:solidFill>
+              </a:rPr>
+              <a:t>базі</a:t>
+            </a:r>
+            <a:r>
+              <a:rPr lang="ru-RU" sz="2200" dirty="0">
+                <a:solidFill>
+                  <a:srgbClr val="000000"/>
+                </a:solidFill>
+              </a:rPr>
+              <a:t> </a:t>
+            </a:r>
+            <a:r>
+              <a:rPr lang="ru-RU" sz="2200" dirty="0" err="1">
+                <a:solidFill>
+                  <a:srgbClr val="000000"/>
+                </a:solidFill>
+              </a:rPr>
+              <a:t>колекції</a:t>
+            </a:r>
+            <a:r>
+              <a:rPr lang="ru-RU" sz="2200" dirty="0">
+                <a:solidFill>
+                  <a:srgbClr val="000000"/>
+                </a:solidFill>
+              </a:rPr>
+              <a:t> </a:t>
+            </a:r>
+            <a:r>
+              <a:rPr lang="ru-RU" sz="2200" dirty="0" err="1">
+                <a:solidFill>
+                  <a:srgbClr val="000000"/>
+                </a:solidFill>
+              </a:rPr>
+              <a:t>collection</a:t>
+            </a:r>
+            <a:r>
+              <a:rPr lang="ru-RU" sz="2200" dirty="0" smtClean="0">
+                <a:solidFill>
+                  <a:srgbClr val="000000"/>
+                </a:solidFill>
+              </a:rPr>
+              <a:t>.</a:t>
+            </a:r>
+            <a:endParaRPr lang="ru-RU" sz="2200" dirty="0">
+              <a:solidFill>
+                <a:srgbClr val="000000"/>
+              </a:solidFill>
+            </a:endParaRPr>
+          </a:p>
+        </p:txBody>
+      </p:sp>
+      <p:sp>
+        <p:nvSpPr>
+          <p:cNvPr id="3" name="Прямоугольник 2"/>
+          <p:cNvSpPr/>
+          <p:nvPr/>
+        </p:nvSpPr>
+        <p:spPr>
+          <a:xfrm>
+            <a:off x="2489211" y="0"/>
+            <a:ext cx="4583947" cy="646331"/>
+          </a:xfrm>
+          <a:prstGeom prst="rect">
+            <a:avLst/>
+          </a:prstGeom>
+        </p:spPr>
+        <p:txBody>
+          <a:bodyPr wrap="none">
+            <a:spAutoFit/>
+          </a:bodyPr>
+          <a:lstStyle/>
+          <a:p>
+            <a:r>
+              <a:rPr lang="ru-RU" sz="3600" b="1" dirty="0" err="1">
+                <a:latin typeface="Cambria,Bold"/>
+              </a:rPr>
+              <a:t>Створення</a:t>
+            </a:r>
+            <a:r>
+              <a:rPr lang="ru-RU" sz="3600" b="1" dirty="0">
+                <a:latin typeface="Cambria,Bold"/>
+              </a:rPr>
+              <a:t> </a:t>
+            </a:r>
+            <a:r>
+              <a:rPr lang="ru-RU" sz="3600" b="1" dirty="0" err="1">
+                <a:latin typeface="Cambria,Bold"/>
+              </a:rPr>
+              <a:t>множин</a:t>
+            </a:r>
+            <a:endParaRPr lang="ru-RU" sz="3600" dirty="0"/>
+          </a:p>
+        </p:txBody>
+      </p:sp>
+      <p:sp>
+        <p:nvSpPr>
+          <p:cNvPr id="4" name="Прямоугольник 3"/>
+          <p:cNvSpPr/>
+          <p:nvPr/>
+        </p:nvSpPr>
+        <p:spPr>
+          <a:xfrm>
+            <a:off x="310788" y="964674"/>
+            <a:ext cx="8833211" cy="769441"/>
+          </a:xfrm>
+          <a:prstGeom prst="rect">
+            <a:avLst/>
+          </a:prstGeom>
+        </p:spPr>
+        <p:txBody>
+          <a:bodyPr wrap="square">
+            <a:spAutoFit/>
+          </a:bodyPr>
+          <a:lstStyle/>
+          <a:p>
+            <a:r>
+              <a:rPr lang="ru-RU" sz="2200" b="1" dirty="0">
+                <a:solidFill>
+                  <a:srgbClr val="000000"/>
+                </a:solidFill>
+              </a:rPr>
+              <a:t>2. За </a:t>
+            </a:r>
+            <a:r>
+              <a:rPr lang="ru-RU" sz="2200" b="1" dirty="0" err="1">
+                <a:solidFill>
+                  <a:srgbClr val="000000"/>
+                </a:solidFill>
+              </a:rPr>
+              <a:t>допомогою</a:t>
+            </a:r>
+            <a:r>
+              <a:rPr lang="ru-RU" sz="2200" b="1" dirty="0">
+                <a:solidFill>
+                  <a:srgbClr val="000000"/>
+                </a:solidFill>
+              </a:rPr>
+              <a:t> </a:t>
+            </a:r>
+            <a:r>
+              <a:rPr lang="ru-RU" sz="2200" b="1" dirty="0" err="1">
+                <a:solidFill>
+                  <a:srgbClr val="000000"/>
+                </a:solidFill>
+              </a:rPr>
+              <a:t>перетворення</a:t>
+            </a:r>
+            <a:r>
+              <a:rPr lang="ru-RU" sz="2200" b="1" dirty="0">
+                <a:solidFill>
+                  <a:srgbClr val="000000"/>
+                </a:solidFill>
+              </a:rPr>
+              <a:t> у </a:t>
+            </a:r>
+            <a:r>
+              <a:rPr lang="ru-RU" sz="2200" b="1" dirty="0" err="1">
+                <a:solidFill>
+                  <a:srgbClr val="000000"/>
+                </a:solidFill>
+              </a:rPr>
+              <a:t>множину</a:t>
+            </a:r>
+            <a:r>
+              <a:rPr lang="ru-RU" sz="2200" b="1" dirty="0">
+                <a:solidFill>
+                  <a:srgbClr val="000000"/>
+                </a:solidFill>
+              </a:rPr>
+              <a:t> </a:t>
+            </a:r>
+            <a:r>
+              <a:rPr lang="ru-RU" sz="2200" b="1" dirty="0" err="1">
+                <a:solidFill>
+                  <a:srgbClr val="000000"/>
+                </a:solidFill>
+              </a:rPr>
+              <a:t>іншої</a:t>
+            </a:r>
+            <a:r>
+              <a:rPr lang="ru-RU" sz="2200" b="1" dirty="0">
+                <a:solidFill>
+                  <a:srgbClr val="000000"/>
+                </a:solidFill>
+              </a:rPr>
+              <a:t> </a:t>
+            </a:r>
+            <a:r>
+              <a:rPr lang="ru-RU" sz="2200" b="1" dirty="0" err="1">
+                <a:solidFill>
+                  <a:srgbClr val="000000"/>
+                </a:solidFill>
+              </a:rPr>
+              <a:t>колекції</a:t>
+            </a:r>
+            <a:r>
+              <a:rPr lang="ru-RU" sz="2200" b="1" dirty="0">
+                <a:solidFill>
+                  <a:srgbClr val="000000"/>
+                </a:solidFill>
+              </a:rPr>
+              <a:t> , </a:t>
+            </a:r>
+            <a:r>
+              <a:rPr lang="ru-RU" sz="2200" b="1" dirty="0" err="1">
+                <a:solidFill>
+                  <a:srgbClr val="000000"/>
+                </a:solidFill>
+              </a:rPr>
+              <a:t>використовуючи</a:t>
+            </a:r>
+            <a:r>
+              <a:rPr lang="ru-RU" sz="2200" b="1" dirty="0">
+                <a:solidFill>
+                  <a:srgbClr val="000000"/>
+                </a:solidFill>
+              </a:rPr>
+              <a:t> </a:t>
+            </a:r>
+            <a:r>
+              <a:rPr lang="ru-RU" sz="2200" b="1" dirty="0" err="1">
+                <a:solidFill>
+                  <a:srgbClr val="000000"/>
+                </a:solidFill>
+              </a:rPr>
+              <a:t>ключове</a:t>
+            </a:r>
+            <a:r>
+              <a:rPr lang="ru-RU" sz="2200" b="1" dirty="0">
+                <a:solidFill>
+                  <a:srgbClr val="000000"/>
+                </a:solidFill>
+              </a:rPr>
+              <a:t> слово </a:t>
+            </a:r>
+            <a:r>
+              <a:rPr lang="en-GB" sz="2200" b="1" dirty="0">
+                <a:solidFill>
+                  <a:srgbClr val="000081"/>
+                </a:solidFill>
+              </a:rPr>
+              <a:t>set</a:t>
+            </a:r>
+            <a:r>
+              <a:rPr lang="en-GB" sz="2200" dirty="0">
+                <a:solidFill>
+                  <a:srgbClr val="000000"/>
+                </a:solidFill>
+              </a:rPr>
+              <a:t>.</a:t>
+            </a:r>
+          </a:p>
+        </p:txBody>
+      </p:sp>
+      <p:sp>
+        <p:nvSpPr>
+          <p:cNvPr id="5" name="Прямоугольник 4"/>
+          <p:cNvSpPr/>
+          <p:nvPr/>
+        </p:nvSpPr>
+        <p:spPr>
+          <a:xfrm>
+            <a:off x="2489211" y="1917689"/>
+            <a:ext cx="2366289" cy="430887"/>
+          </a:xfrm>
+          <a:prstGeom prst="rect">
+            <a:avLst/>
+          </a:prstGeom>
+          <a:ln>
+            <a:solidFill>
+              <a:srgbClr val="0000CC"/>
+            </a:solidFill>
+          </a:ln>
+        </p:spPr>
+        <p:txBody>
+          <a:bodyPr wrap="none">
+            <a:spAutoFit/>
+          </a:bodyPr>
+          <a:lstStyle/>
+          <a:p>
+            <a:r>
+              <a:rPr lang="en-GB" sz="2200" b="1" dirty="0">
+                <a:solidFill>
+                  <a:srgbClr val="333333"/>
+                </a:solidFill>
+              </a:rPr>
+              <a:t>M = </a:t>
+            </a:r>
+            <a:r>
+              <a:rPr lang="en-GB" sz="2200" b="1" dirty="0">
+                <a:solidFill>
+                  <a:srgbClr val="000081"/>
+                </a:solidFill>
+              </a:rPr>
+              <a:t>set</a:t>
+            </a:r>
+            <a:r>
+              <a:rPr lang="en-GB" sz="2200" b="1" dirty="0">
+                <a:solidFill>
+                  <a:srgbClr val="333333"/>
+                </a:solidFill>
+              </a:rPr>
+              <a:t>(collection)</a:t>
+            </a:r>
+          </a:p>
+        </p:txBody>
+      </p:sp>
+      <p:sp>
+        <p:nvSpPr>
+          <p:cNvPr id="6" name="Прямоугольник 5"/>
+          <p:cNvSpPr/>
+          <p:nvPr/>
+        </p:nvSpPr>
+        <p:spPr>
+          <a:xfrm>
+            <a:off x="2032000" y="3374936"/>
+            <a:ext cx="2921000" cy="1107996"/>
+          </a:xfrm>
+          <a:prstGeom prst="rect">
+            <a:avLst/>
+          </a:prstGeom>
+          <a:ln>
+            <a:solidFill>
+              <a:srgbClr val="0000CC"/>
+            </a:solidFill>
+          </a:ln>
+        </p:spPr>
+        <p:txBody>
+          <a:bodyPr wrap="square">
+            <a:spAutoFit/>
+          </a:bodyPr>
+          <a:lstStyle/>
+          <a:p>
+            <a:r>
+              <a:rPr lang="en-GB" sz="2200" dirty="0">
+                <a:solidFill>
+                  <a:srgbClr val="994806"/>
+                </a:solidFill>
+              </a:rPr>
+              <a:t>&gt;&gt;&gt; </a:t>
+            </a:r>
+            <a:r>
+              <a:rPr lang="en-GB" sz="2200" dirty="0">
+                <a:solidFill>
+                  <a:srgbClr val="333333"/>
+                </a:solidFill>
+              </a:rPr>
+              <a:t>M = </a:t>
+            </a:r>
+            <a:r>
+              <a:rPr lang="en-GB" sz="2200" dirty="0">
+                <a:solidFill>
+                  <a:srgbClr val="000081"/>
+                </a:solidFill>
+              </a:rPr>
+              <a:t>set</a:t>
+            </a:r>
+            <a:r>
+              <a:rPr lang="en-GB" sz="2200" dirty="0">
+                <a:solidFill>
+                  <a:srgbClr val="333333"/>
+                </a:solidFill>
+              </a:rPr>
+              <a:t>(</a:t>
+            </a:r>
+            <a:r>
+              <a:rPr lang="en-GB" sz="2200" dirty="0">
+                <a:solidFill>
+                  <a:srgbClr val="0000C1"/>
+                </a:solidFill>
+              </a:rPr>
+              <a:t>'</a:t>
+            </a:r>
+            <a:r>
+              <a:rPr lang="ru-RU" sz="2200" dirty="0">
+                <a:solidFill>
+                  <a:srgbClr val="0000C1"/>
+                </a:solidFill>
+              </a:rPr>
+              <a:t>мама'</a:t>
+            </a:r>
+            <a:r>
+              <a:rPr lang="ru-RU" sz="2200" dirty="0">
+                <a:solidFill>
+                  <a:srgbClr val="333333"/>
+                </a:solidFill>
+              </a:rPr>
+              <a:t>)</a:t>
+            </a:r>
+          </a:p>
+          <a:p>
+            <a:r>
+              <a:rPr lang="en-GB" sz="2200" dirty="0">
+                <a:solidFill>
+                  <a:srgbClr val="994806"/>
+                </a:solidFill>
+              </a:rPr>
+              <a:t>&gt;&gt;&gt; </a:t>
+            </a:r>
+            <a:r>
+              <a:rPr lang="en-GB" sz="2200" dirty="0">
+                <a:solidFill>
+                  <a:srgbClr val="000081"/>
+                </a:solidFill>
+              </a:rPr>
+              <a:t>print</a:t>
+            </a:r>
+            <a:r>
+              <a:rPr lang="en-GB" sz="2200" dirty="0">
+                <a:solidFill>
+                  <a:srgbClr val="333333"/>
+                </a:solidFill>
+              </a:rPr>
+              <a:t>(M)</a:t>
+            </a:r>
+          </a:p>
+          <a:p>
+            <a:r>
+              <a:rPr lang="ru-RU" sz="2200" dirty="0">
+                <a:solidFill>
+                  <a:srgbClr val="333333"/>
+                </a:solidFill>
+              </a:rPr>
+              <a:t>{</a:t>
+            </a:r>
+            <a:r>
+              <a:rPr lang="ru-RU" sz="2200" dirty="0">
+                <a:solidFill>
+                  <a:srgbClr val="0000C1"/>
+                </a:solidFill>
+              </a:rPr>
+              <a:t>'м'</a:t>
+            </a:r>
+            <a:r>
+              <a:rPr lang="ru-RU" sz="2200" dirty="0">
+                <a:solidFill>
+                  <a:srgbClr val="0000FF"/>
+                </a:solidFill>
+              </a:rPr>
+              <a:t>, </a:t>
+            </a:r>
+            <a:r>
+              <a:rPr lang="ru-RU" sz="2200" dirty="0">
+                <a:solidFill>
+                  <a:srgbClr val="0000C1"/>
+                </a:solidFill>
+              </a:rPr>
+              <a:t>'а</a:t>
+            </a:r>
+            <a:r>
+              <a:rPr lang="ru-RU" sz="2200" dirty="0" smtClean="0">
+                <a:solidFill>
+                  <a:srgbClr val="0000C1"/>
+                </a:solidFill>
+              </a:rPr>
+              <a:t>'</a:t>
+            </a:r>
+            <a:r>
+              <a:rPr lang="ru-RU" sz="2200" dirty="0" smtClean="0">
+                <a:solidFill>
+                  <a:srgbClr val="333333"/>
+                </a:solidFill>
+              </a:rPr>
+              <a:t>}</a:t>
+            </a:r>
+            <a:endParaRPr lang="ru-RU" sz="2200" dirty="0">
+              <a:solidFill>
+                <a:srgbClr val="333333"/>
+              </a:solidFill>
+            </a:endParaRPr>
+          </a:p>
+        </p:txBody>
+      </p:sp>
+    </p:spTree>
+    <p:extLst>
+      <p:ext uri="{BB962C8B-B14F-4D97-AF65-F5344CB8AC3E}">
+        <p14:creationId xmlns:p14="http://schemas.microsoft.com/office/powerpoint/2010/main" val="816418350"/>
+      </p:ext>
+    </p:extLst>
+  </p:cSld>
+  <p:clrMapOvr>
+    <a:masterClrMapping/>
+  </p:clrMapOvr>
+  <p:timing>
+    <p:tnLst>
+      <p:par>
+        <p:cTn id="1" dur="indefinite" restart="never" nodeType="tmRoot"/>
+      </p:par>
+    </p:tnLst>
+  </p:timing>
+</p:sld>
+</file>
+
+<file path=ppt/slides/slide32.xml><?xml version="1.0" encoding="utf-8"?>
+<p:sld xmlns:a="http://schemas.openxmlformats.org/drawingml/2006/main" xmlns:r="http://schemas.openxmlformats.org/officeDocument/2006/relationships" xmlns:p="http://schemas.openxmlformats.org/presentationml/2006/main">
+  <p:cSld>
+    <p:spTree>
+      <p:nvGrpSpPr>
+        <p:cNvPr id="1" name=""/>
+        <p:cNvGrpSpPr/>
+        <p:nvPr/>
+      </p:nvGrpSpPr>
+      <p:grpSpPr>
+        <a:xfrm>
+          <a:off x="0" y="0"/>
+          <a:ext cx="0" cy="0"/>
+          <a:chOff x="0" y="0"/>
+          <a:chExt cx="0" cy="0"/>
+        </a:xfrm>
+      </p:grpSpPr>
+      <p:sp>
+        <p:nvSpPr>
+          <p:cNvPr id="2" name="Прямоугольник 1"/>
+          <p:cNvSpPr/>
+          <p:nvPr/>
+        </p:nvSpPr>
+        <p:spPr>
+          <a:xfrm>
+            <a:off x="2489211" y="0"/>
+            <a:ext cx="4583947" cy="646331"/>
+          </a:xfrm>
+          <a:prstGeom prst="rect">
+            <a:avLst/>
+          </a:prstGeom>
+        </p:spPr>
+        <p:txBody>
+          <a:bodyPr wrap="none">
+            <a:spAutoFit/>
+          </a:bodyPr>
+          <a:lstStyle/>
+          <a:p>
+            <a:r>
+              <a:rPr lang="ru-RU" sz="3600" b="1" dirty="0" err="1">
+                <a:latin typeface="Cambria,Bold"/>
+              </a:rPr>
+              <a:t>Створення</a:t>
+            </a:r>
+            <a:r>
+              <a:rPr lang="ru-RU" sz="3600" b="1" dirty="0">
+                <a:latin typeface="Cambria,Bold"/>
+              </a:rPr>
+              <a:t> </a:t>
+            </a:r>
+            <a:r>
+              <a:rPr lang="ru-RU" sz="3600" b="1" dirty="0" err="1">
+                <a:latin typeface="Cambria,Bold"/>
+              </a:rPr>
+              <a:t>множин</a:t>
+            </a:r>
+            <a:endParaRPr lang="ru-RU" sz="3600" dirty="0"/>
+          </a:p>
+        </p:txBody>
+      </p:sp>
+      <p:sp>
+        <p:nvSpPr>
+          <p:cNvPr id="3" name="Прямоугольник 2"/>
+          <p:cNvSpPr/>
+          <p:nvPr/>
+        </p:nvSpPr>
+        <p:spPr>
+          <a:xfrm>
+            <a:off x="209184" y="1150035"/>
+            <a:ext cx="8820516" cy="430887"/>
+          </a:xfrm>
+          <a:prstGeom prst="rect">
+            <a:avLst/>
+          </a:prstGeom>
+        </p:spPr>
+        <p:txBody>
+          <a:bodyPr wrap="square">
+            <a:spAutoFit/>
+          </a:bodyPr>
+          <a:lstStyle/>
+          <a:p>
+            <a:r>
+              <a:rPr lang="ru-RU" sz="2200" b="1" dirty="0">
+                <a:solidFill>
+                  <a:srgbClr val="0000CC"/>
+                </a:solidFill>
+              </a:rPr>
+              <a:t>3. За </a:t>
+            </a:r>
+            <a:r>
+              <a:rPr lang="ru-RU" sz="2200" b="1" dirty="0" err="1">
+                <a:solidFill>
+                  <a:srgbClr val="0000CC"/>
+                </a:solidFill>
+              </a:rPr>
+              <a:t>допомогою</a:t>
+            </a:r>
+            <a:r>
+              <a:rPr lang="ru-RU" sz="2200" b="1" dirty="0">
+                <a:solidFill>
+                  <a:srgbClr val="0000CC"/>
+                </a:solidFill>
+              </a:rPr>
+              <a:t> оператор </a:t>
+            </a:r>
+            <a:r>
+              <a:rPr lang="ru-RU" sz="2200" b="1" dirty="0" err="1">
+                <a:solidFill>
+                  <a:srgbClr val="0000CC"/>
+                </a:solidFill>
+              </a:rPr>
+              <a:t>створення</a:t>
+            </a:r>
+            <a:r>
+              <a:rPr lang="ru-RU" sz="2200" b="1" dirty="0">
+                <a:solidFill>
+                  <a:srgbClr val="0000CC"/>
+                </a:solidFill>
+              </a:rPr>
+              <a:t> </a:t>
+            </a:r>
+            <a:r>
+              <a:rPr lang="ru-RU" sz="2200" b="1" dirty="0" err="1">
+                <a:solidFill>
+                  <a:srgbClr val="0000CC"/>
+                </a:solidFill>
+              </a:rPr>
+              <a:t>множини</a:t>
+            </a:r>
+            <a:r>
+              <a:rPr lang="ru-RU" sz="2200" dirty="0"/>
+              <a:t>.</a:t>
+            </a:r>
+          </a:p>
+        </p:txBody>
+      </p:sp>
+      <p:sp>
+        <p:nvSpPr>
+          <p:cNvPr id="4" name="Прямоугольник 3"/>
+          <p:cNvSpPr/>
+          <p:nvPr/>
+        </p:nvSpPr>
+        <p:spPr>
+          <a:xfrm>
+            <a:off x="304800" y="1800136"/>
+            <a:ext cx="8839200" cy="769441"/>
+          </a:xfrm>
+          <a:prstGeom prst="rect">
+            <a:avLst/>
+          </a:prstGeom>
+        </p:spPr>
+        <p:txBody>
+          <a:bodyPr wrap="square">
+            <a:spAutoFit/>
+          </a:bodyPr>
+          <a:lstStyle/>
+          <a:p>
+            <a:r>
+              <a:rPr lang="ru-RU" sz="2200" dirty="0"/>
+              <a:t>Оператор </a:t>
+            </a:r>
+            <a:r>
+              <a:rPr lang="ru-RU" sz="2200" dirty="0" err="1"/>
+              <a:t>створення</a:t>
+            </a:r>
+            <a:r>
+              <a:rPr lang="ru-RU" sz="2200" dirty="0"/>
+              <a:t> </a:t>
+            </a:r>
+            <a:r>
+              <a:rPr lang="ru-RU" sz="2200" dirty="0" err="1"/>
+              <a:t>множини</a:t>
+            </a:r>
+            <a:r>
+              <a:rPr lang="ru-RU" sz="2200" dirty="0"/>
+              <a:t> – </a:t>
+            </a:r>
+            <a:r>
+              <a:rPr lang="ru-RU" sz="2200" dirty="0" err="1"/>
+              <a:t>це</a:t>
+            </a:r>
+            <a:r>
+              <a:rPr lang="ru-RU" sz="2200" dirty="0"/>
+              <a:t> </a:t>
+            </a:r>
+            <a:r>
+              <a:rPr lang="ru-RU" sz="2200" dirty="0" err="1"/>
+              <a:t>спосіб</a:t>
+            </a:r>
+            <a:r>
+              <a:rPr lang="ru-RU" sz="2200" dirty="0"/>
+              <a:t> </a:t>
+            </a:r>
+            <a:r>
+              <a:rPr lang="ru-RU" sz="2200" dirty="0" err="1"/>
+              <a:t>побудови</a:t>
+            </a:r>
+            <a:r>
+              <a:rPr lang="ru-RU" sz="2200" dirty="0"/>
+              <a:t> </a:t>
+            </a:r>
+            <a:r>
+              <a:rPr lang="ru-RU" sz="2200" dirty="0" err="1"/>
+              <a:t>множини</a:t>
+            </a:r>
+            <a:r>
+              <a:rPr lang="ru-RU" sz="2200" dirty="0"/>
+              <a:t> на </a:t>
+            </a:r>
+            <a:r>
+              <a:rPr lang="ru-RU" sz="2200" dirty="0" err="1"/>
+              <a:t>базі</a:t>
+            </a:r>
+            <a:endParaRPr lang="ru-RU" sz="2200" dirty="0"/>
+          </a:p>
+          <a:p>
+            <a:r>
+              <a:rPr lang="ru-RU" sz="2200" dirty="0" err="1"/>
+              <a:t>колекції</a:t>
+            </a:r>
+            <a:r>
+              <a:rPr lang="ru-RU" sz="2200" dirty="0"/>
+              <a:t>, до </a:t>
+            </a:r>
+            <a:r>
+              <a:rPr lang="ru-RU" sz="2200" dirty="0" err="1"/>
+              <a:t>всіх</a:t>
+            </a:r>
+            <a:r>
+              <a:rPr lang="ru-RU" sz="2200" dirty="0"/>
+              <a:t> </a:t>
+            </a:r>
+            <a:r>
+              <a:rPr lang="ru-RU" sz="2200" dirty="0" err="1"/>
+              <a:t>елементів</a:t>
+            </a:r>
+            <a:r>
+              <a:rPr lang="ru-RU" sz="2200" dirty="0"/>
+              <a:t> </a:t>
+            </a:r>
+            <a:r>
+              <a:rPr lang="ru-RU" sz="2200" dirty="0" err="1"/>
+              <a:t>якої</a:t>
+            </a:r>
+            <a:r>
+              <a:rPr lang="ru-RU" sz="2200" dirty="0"/>
+              <a:t> </a:t>
+            </a:r>
+            <a:r>
+              <a:rPr lang="ru-RU" sz="2200" dirty="0" err="1"/>
+              <a:t>застосовується</a:t>
+            </a:r>
+            <a:r>
+              <a:rPr lang="ru-RU" sz="2200" dirty="0"/>
+              <a:t> </a:t>
+            </a:r>
+            <a:r>
+              <a:rPr lang="ru-RU" sz="2200" dirty="0" err="1"/>
+              <a:t>деякий</a:t>
+            </a:r>
+            <a:r>
+              <a:rPr lang="ru-RU" sz="2200" dirty="0"/>
+              <a:t> </a:t>
+            </a:r>
+            <a:r>
+              <a:rPr lang="ru-RU" sz="2200" dirty="0" err="1"/>
+              <a:t>вираз</a:t>
+            </a:r>
+            <a:r>
+              <a:rPr lang="ru-RU" sz="2200" dirty="0"/>
+              <a:t>:</a:t>
+            </a:r>
+          </a:p>
+        </p:txBody>
+      </p:sp>
+      <p:sp>
+        <p:nvSpPr>
+          <p:cNvPr id="5" name="Прямоугольник 4"/>
+          <p:cNvSpPr/>
+          <p:nvPr/>
+        </p:nvSpPr>
+        <p:spPr>
+          <a:xfrm>
+            <a:off x="640984" y="2690480"/>
+            <a:ext cx="7263527" cy="400110"/>
+          </a:xfrm>
+          <a:prstGeom prst="rect">
+            <a:avLst/>
+          </a:prstGeom>
+          <a:ln>
+            <a:solidFill>
+              <a:srgbClr val="0000CC"/>
+            </a:solidFill>
+          </a:ln>
+        </p:spPr>
+        <p:txBody>
+          <a:bodyPr wrap="none">
+            <a:spAutoFit/>
+          </a:bodyPr>
+          <a:lstStyle/>
+          <a:p>
+            <a:r>
+              <a:rPr lang="en-US" sz="2000" dirty="0">
+                <a:solidFill>
+                  <a:srgbClr val="0000CC"/>
+                </a:solidFill>
+                <a:latin typeface="Courier New" panose="02070309020205020404" pitchFamily="49" charset="0"/>
+                <a:cs typeface="Courier New" panose="02070309020205020404" pitchFamily="49" charset="0"/>
+              </a:rPr>
+              <a:t>M = {expr(</a:t>
+            </a:r>
+            <a:r>
+              <a:rPr lang="en-US" sz="2000" dirty="0" err="1">
+                <a:solidFill>
+                  <a:srgbClr val="0000CC"/>
+                </a:solidFill>
+                <a:latin typeface="Courier New" panose="02070309020205020404" pitchFamily="49" charset="0"/>
+                <a:cs typeface="Courier New" panose="02070309020205020404" pitchFamily="49" charset="0"/>
+              </a:rPr>
+              <a:t>i</a:t>
+            </a:r>
+            <a:r>
+              <a:rPr lang="en-US" sz="2000" dirty="0">
+                <a:solidFill>
+                  <a:srgbClr val="0000CC"/>
+                </a:solidFill>
+                <a:latin typeface="Courier New" panose="02070309020205020404" pitchFamily="49" charset="0"/>
+                <a:cs typeface="Courier New" panose="02070309020205020404" pitchFamily="49" charset="0"/>
+              </a:rPr>
+              <a:t>) for </a:t>
+            </a:r>
+            <a:r>
+              <a:rPr lang="en-US" sz="2000" dirty="0" err="1">
+                <a:solidFill>
+                  <a:srgbClr val="0000CC"/>
+                </a:solidFill>
+                <a:latin typeface="Courier New" panose="02070309020205020404" pitchFamily="49" charset="0"/>
+                <a:cs typeface="Courier New" panose="02070309020205020404" pitchFamily="49" charset="0"/>
+              </a:rPr>
+              <a:t>i</a:t>
+            </a:r>
+            <a:r>
+              <a:rPr lang="en-US" sz="2000" dirty="0">
+                <a:solidFill>
+                  <a:srgbClr val="0000CC"/>
+                </a:solidFill>
+                <a:latin typeface="Courier New" panose="02070309020205020404" pitchFamily="49" charset="0"/>
+                <a:cs typeface="Courier New" panose="02070309020205020404" pitchFamily="49" charset="0"/>
+              </a:rPr>
+              <a:t> in collection if condition}</a:t>
+            </a:r>
+            <a:endParaRPr lang="ru-RU" sz="2000" dirty="0">
+              <a:solidFill>
+                <a:srgbClr val="0000CC"/>
+              </a:solidFill>
+              <a:latin typeface="Courier New" panose="02070309020205020404" pitchFamily="49" charset="0"/>
+              <a:cs typeface="Courier New" panose="02070309020205020404" pitchFamily="49" charset="0"/>
+            </a:endParaRPr>
+          </a:p>
+        </p:txBody>
+      </p:sp>
+      <p:sp>
+        <p:nvSpPr>
+          <p:cNvPr id="6" name="Прямоугольник 5"/>
+          <p:cNvSpPr/>
+          <p:nvPr/>
+        </p:nvSpPr>
+        <p:spPr>
+          <a:xfrm>
+            <a:off x="209184" y="3438892"/>
+            <a:ext cx="8820516" cy="1323439"/>
+          </a:xfrm>
+          <a:prstGeom prst="rect">
+            <a:avLst/>
+          </a:prstGeom>
+        </p:spPr>
+        <p:txBody>
+          <a:bodyPr wrap="square">
+            <a:spAutoFit/>
+          </a:bodyPr>
+          <a:lstStyle/>
+          <a:p>
+            <a:r>
+              <a:rPr lang="ru-RU" sz="2000" dirty="0" err="1"/>
+              <a:t>Цей</a:t>
+            </a:r>
+            <a:r>
+              <a:rPr lang="ru-RU" sz="2000" dirty="0"/>
+              <a:t> оператор </a:t>
+            </a:r>
+            <a:r>
+              <a:rPr lang="ru-RU" sz="2000" dirty="0" err="1"/>
+              <a:t>працює</a:t>
+            </a:r>
+            <a:r>
+              <a:rPr lang="ru-RU" sz="2000" dirty="0"/>
+              <a:t> </a:t>
+            </a:r>
+            <a:r>
+              <a:rPr lang="ru-RU" sz="2000" dirty="0" smtClean="0"/>
+              <a:t>так: </a:t>
+            </a:r>
+          </a:p>
+          <a:p>
+            <a:pPr marL="342900" indent="-342900">
+              <a:buFont typeface="Wingdings" panose="05000000000000000000" pitchFamily="2" charset="2"/>
+              <a:buChar char="q"/>
+            </a:pPr>
+            <a:r>
+              <a:rPr lang="ru-RU" sz="2000" dirty="0" err="1" smtClean="0"/>
+              <a:t>змінна</a:t>
+            </a:r>
+            <a:r>
+              <a:rPr lang="ru-RU" sz="2000" dirty="0" smtClean="0"/>
+              <a:t> </a:t>
+            </a:r>
+            <a:r>
+              <a:rPr lang="en-GB" sz="2000" dirty="0" err="1"/>
+              <a:t>i</a:t>
+            </a:r>
+            <a:r>
+              <a:rPr lang="en-GB" sz="2000" dirty="0"/>
+              <a:t> </a:t>
+            </a:r>
+            <a:r>
+              <a:rPr lang="ru-RU" sz="2000" dirty="0" err="1"/>
+              <a:t>послідовно</a:t>
+            </a:r>
+            <a:r>
+              <a:rPr lang="ru-RU" sz="2000" dirty="0"/>
+              <a:t> </a:t>
+            </a:r>
+            <a:r>
+              <a:rPr lang="ru-RU" sz="2000" dirty="0" err="1"/>
+              <a:t>пробігає</a:t>
+            </a:r>
+            <a:r>
+              <a:rPr lang="ru-RU" sz="2000" dirty="0"/>
+              <a:t> </a:t>
+            </a:r>
+            <a:r>
+              <a:rPr lang="ru-RU" sz="2000" dirty="0" err="1" smtClean="0"/>
+              <a:t>всі</a:t>
+            </a:r>
+            <a:r>
+              <a:rPr lang="ru-RU" sz="2000" dirty="0" smtClean="0"/>
+              <a:t> </a:t>
+            </a:r>
+            <a:r>
+              <a:rPr lang="ru-RU" sz="2000" dirty="0" err="1" smtClean="0"/>
+              <a:t>елементи</a:t>
+            </a:r>
+            <a:r>
+              <a:rPr lang="ru-RU" sz="2000" dirty="0" smtClean="0"/>
+              <a:t> </a:t>
+            </a:r>
+            <a:r>
+              <a:rPr lang="en-GB" sz="2000" dirty="0" smtClean="0"/>
+              <a:t>collection</a:t>
+            </a:r>
+            <a:r>
+              <a:rPr lang="uk-UA" sz="2000" dirty="0"/>
+              <a:t>,</a:t>
+            </a:r>
+            <a:endParaRPr lang="uk-UA" sz="2000" dirty="0" smtClean="0"/>
+          </a:p>
+          <a:p>
+            <a:pPr marL="342900" indent="-342900">
+              <a:buFont typeface="Wingdings" panose="05000000000000000000" pitchFamily="2" charset="2"/>
+              <a:buChar char="q"/>
+            </a:pPr>
+            <a:r>
+              <a:rPr lang="ru-RU" sz="2000" dirty="0" err="1" smtClean="0"/>
+              <a:t>якщо</a:t>
+            </a:r>
+            <a:r>
+              <a:rPr lang="ru-RU" sz="2000" dirty="0" smtClean="0"/>
+              <a:t> </a:t>
+            </a:r>
+            <a:r>
+              <a:rPr lang="ru-RU" sz="2000" dirty="0"/>
+              <a:t>для поточного </a:t>
+            </a:r>
+            <a:r>
+              <a:rPr lang="ru-RU" sz="2000" dirty="0" err="1"/>
+              <a:t>значення</a:t>
+            </a:r>
+            <a:r>
+              <a:rPr lang="ru-RU" sz="2000" dirty="0"/>
+              <a:t> </a:t>
+            </a:r>
+            <a:r>
+              <a:rPr lang="en-GB" sz="2000" dirty="0" err="1"/>
+              <a:t>i</a:t>
+            </a:r>
+            <a:r>
+              <a:rPr lang="en-GB" sz="2000" dirty="0"/>
+              <a:t> </a:t>
+            </a:r>
+            <a:r>
+              <a:rPr lang="ru-RU" sz="2000" dirty="0" err="1"/>
+              <a:t>виконується</a:t>
+            </a:r>
+            <a:r>
+              <a:rPr lang="ru-RU" sz="2000" dirty="0"/>
+              <a:t> </a:t>
+            </a:r>
+            <a:r>
+              <a:rPr lang="ru-RU" sz="2000" dirty="0" err="1" smtClean="0"/>
+              <a:t>умова</a:t>
+            </a:r>
+            <a:r>
+              <a:rPr lang="ru-RU" sz="2000" dirty="0" smtClean="0"/>
+              <a:t> </a:t>
+            </a:r>
+            <a:r>
+              <a:rPr lang="en-GB" sz="2000" dirty="0" smtClean="0"/>
+              <a:t>condition</a:t>
+            </a:r>
+            <a:r>
+              <a:rPr lang="en-GB" sz="2000" dirty="0"/>
+              <a:t>, </a:t>
+            </a:r>
+            <a:r>
+              <a:rPr lang="ru-RU" sz="2000" dirty="0"/>
+              <a:t>то в </a:t>
+            </a:r>
+            <a:r>
+              <a:rPr lang="ru-RU" sz="2000" dirty="0" err="1"/>
+              <a:t>множину</a:t>
+            </a:r>
+            <a:r>
+              <a:rPr lang="ru-RU" sz="2000" dirty="0"/>
+              <a:t> </a:t>
+            </a:r>
+            <a:r>
+              <a:rPr lang="en-GB" sz="2000" dirty="0"/>
+              <a:t>M </a:t>
+            </a:r>
+            <a:r>
+              <a:rPr lang="ru-RU" sz="2000" dirty="0" err="1"/>
+              <a:t>додається</a:t>
+            </a:r>
+            <a:r>
+              <a:rPr lang="ru-RU" sz="2000" dirty="0"/>
+              <a:t> </a:t>
+            </a:r>
+            <a:r>
+              <a:rPr lang="ru-RU" sz="2000" dirty="0" err="1"/>
+              <a:t>елемент</a:t>
+            </a:r>
+            <a:r>
+              <a:rPr lang="ru-RU" sz="2000" dirty="0"/>
+              <a:t> </a:t>
+            </a:r>
+            <a:r>
+              <a:rPr lang="en-GB" sz="2000" dirty="0"/>
+              <a:t>expr(</a:t>
+            </a:r>
+            <a:r>
+              <a:rPr lang="en-GB" sz="2000" dirty="0" err="1"/>
+              <a:t>i</a:t>
+            </a:r>
+            <a:r>
+              <a:rPr lang="en-GB" sz="2000" dirty="0"/>
+              <a:t>).</a:t>
+            </a:r>
+            <a:endParaRPr lang="ru-RU" sz="2000" dirty="0"/>
+          </a:p>
+        </p:txBody>
+      </p:sp>
+      <p:sp>
+        <p:nvSpPr>
+          <p:cNvPr id="7" name="Прямоугольник 6"/>
+          <p:cNvSpPr/>
+          <p:nvPr/>
+        </p:nvSpPr>
+        <p:spPr>
+          <a:xfrm>
+            <a:off x="1612900" y="5058826"/>
+            <a:ext cx="6464300" cy="923330"/>
+          </a:xfrm>
+          <a:prstGeom prst="rect">
+            <a:avLst/>
+          </a:prstGeom>
+          <a:ln>
+            <a:solidFill>
+              <a:srgbClr val="0000CC"/>
+            </a:solidFill>
+          </a:ln>
+        </p:spPr>
+        <p:txBody>
+          <a:bodyPr wrap="square">
+            <a:spAutoFit/>
+          </a:bodyPr>
+          <a:lstStyle/>
+          <a:p>
+            <a:r>
+              <a:rPr lang="en-US" dirty="0">
+                <a:solidFill>
+                  <a:srgbClr val="994806"/>
+                </a:solidFill>
+                <a:latin typeface="Courier New,Bold"/>
+              </a:rPr>
+              <a:t>&gt;&gt;&gt; </a:t>
+            </a:r>
+            <a:r>
+              <a:rPr lang="en-US" dirty="0">
+                <a:solidFill>
+                  <a:srgbClr val="333333"/>
+                </a:solidFill>
+                <a:latin typeface="Courier New" panose="02070309020205020404" pitchFamily="49" charset="0"/>
+              </a:rPr>
+              <a:t>M = </a:t>
+            </a:r>
+            <a:r>
+              <a:rPr lang="en-US" dirty="0">
+                <a:solidFill>
+                  <a:srgbClr val="333333"/>
+                </a:solidFill>
+                <a:latin typeface="Courier New,Bold"/>
+              </a:rPr>
+              <a:t>{</a:t>
+            </a:r>
+            <a:r>
+              <a:rPr lang="en-US" dirty="0" err="1">
+                <a:solidFill>
+                  <a:srgbClr val="333333"/>
+                </a:solidFill>
+                <a:latin typeface="Courier New" panose="02070309020205020404" pitchFamily="49" charset="0"/>
+              </a:rPr>
+              <a:t>i</a:t>
+            </a:r>
+            <a:r>
+              <a:rPr lang="en-US" dirty="0">
+                <a:solidFill>
+                  <a:srgbClr val="333333"/>
+                </a:solidFill>
+                <a:latin typeface="Courier New" panose="02070309020205020404" pitchFamily="49" charset="0"/>
+              </a:rPr>
+              <a:t> </a:t>
+            </a:r>
+            <a:r>
+              <a:rPr lang="en-US" dirty="0">
+                <a:solidFill>
+                  <a:srgbClr val="7F0055"/>
+                </a:solidFill>
+                <a:latin typeface="Courier New,Bold"/>
+              </a:rPr>
+              <a:t>for </a:t>
+            </a:r>
+            <a:r>
+              <a:rPr lang="en-US" dirty="0" err="1">
+                <a:solidFill>
+                  <a:srgbClr val="333333"/>
+                </a:solidFill>
+                <a:latin typeface="Courier New" panose="02070309020205020404" pitchFamily="49" charset="0"/>
+              </a:rPr>
+              <a:t>i</a:t>
+            </a:r>
+            <a:r>
+              <a:rPr lang="en-US" dirty="0">
+                <a:solidFill>
+                  <a:srgbClr val="333333"/>
+                </a:solidFill>
+                <a:latin typeface="Courier New" panose="02070309020205020404" pitchFamily="49" charset="0"/>
+              </a:rPr>
+              <a:t> </a:t>
+            </a:r>
+            <a:r>
+              <a:rPr lang="en-US" dirty="0">
+                <a:solidFill>
+                  <a:srgbClr val="7F0055"/>
+                </a:solidFill>
+                <a:latin typeface="Courier New,Bold"/>
+              </a:rPr>
+              <a:t>in </a:t>
+            </a:r>
+            <a:r>
+              <a:rPr lang="en-US" dirty="0">
+                <a:solidFill>
+                  <a:srgbClr val="0000C1"/>
+                </a:solidFill>
+                <a:latin typeface="Courier New" panose="02070309020205020404" pitchFamily="49" charset="0"/>
+              </a:rPr>
+              <a:t>"Boing 777" </a:t>
+            </a:r>
+            <a:r>
+              <a:rPr lang="en-US" dirty="0">
+                <a:solidFill>
+                  <a:srgbClr val="7F0055"/>
+                </a:solidFill>
+                <a:latin typeface="Courier New,Bold"/>
+              </a:rPr>
+              <a:t>if </a:t>
+            </a:r>
+            <a:r>
+              <a:rPr lang="en-US" dirty="0" err="1">
+                <a:solidFill>
+                  <a:srgbClr val="333333"/>
+                </a:solidFill>
+                <a:latin typeface="Courier New" panose="02070309020205020404" pitchFamily="49" charset="0"/>
+              </a:rPr>
+              <a:t>i</a:t>
+            </a:r>
+            <a:r>
+              <a:rPr lang="en-US" dirty="0" err="1">
+                <a:solidFill>
+                  <a:srgbClr val="0000FF"/>
+                </a:solidFill>
+                <a:latin typeface="Courier New,Bold"/>
+              </a:rPr>
+              <a:t>.</a:t>
+            </a:r>
+            <a:r>
+              <a:rPr lang="en-US" dirty="0" err="1">
+                <a:solidFill>
+                  <a:srgbClr val="333333"/>
+                </a:solidFill>
+                <a:latin typeface="Courier New" panose="02070309020205020404" pitchFamily="49" charset="0"/>
+              </a:rPr>
+              <a:t>isdigit</a:t>
+            </a:r>
+            <a:r>
+              <a:rPr lang="en-US" dirty="0">
+                <a:solidFill>
+                  <a:srgbClr val="333333"/>
+                </a:solidFill>
+                <a:latin typeface="Courier New,Bold"/>
+              </a:rPr>
+              <a:t>()}</a:t>
+            </a:r>
+          </a:p>
+          <a:p>
+            <a:r>
+              <a:rPr lang="en-GB" dirty="0">
+                <a:solidFill>
+                  <a:srgbClr val="994806"/>
+                </a:solidFill>
+                <a:latin typeface="Courier New,Bold"/>
+              </a:rPr>
+              <a:t>&gt;&gt;&gt; </a:t>
+            </a:r>
+            <a:r>
+              <a:rPr lang="en-GB" dirty="0">
+                <a:solidFill>
+                  <a:srgbClr val="000081"/>
+                </a:solidFill>
+                <a:latin typeface="Courier New" panose="02070309020205020404" pitchFamily="49" charset="0"/>
+              </a:rPr>
+              <a:t>print</a:t>
+            </a:r>
+            <a:r>
+              <a:rPr lang="en-GB" dirty="0">
+                <a:solidFill>
+                  <a:srgbClr val="333333"/>
+                </a:solidFill>
+                <a:latin typeface="Courier New,Bold"/>
+              </a:rPr>
+              <a:t>(</a:t>
+            </a:r>
+            <a:r>
+              <a:rPr lang="en-GB" dirty="0">
+                <a:solidFill>
+                  <a:srgbClr val="333333"/>
+                </a:solidFill>
+                <a:latin typeface="Courier New" panose="02070309020205020404" pitchFamily="49" charset="0"/>
+              </a:rPr>
+              <a:t>M</a:t>
+            </a:r>
+            <a:r>
+              <a:rPr lang="en-GB" dirty="0">
+                <a:solidFill>
+                  <a:srgbClr val="333333"/>
+                </a:solidFill>
+                <a:latin typeface="Courier New,Bold"/>
+              </a:rPr>
+              <a:t>)</a:t>
+            </a:r>
+          </a:p>
+          <a:p>
+            <a:r>
+              <a:rPr lang="ru-RU" dirty="0">
+                <a:solidFill>
+                  <a:srgbClr val="333333"/>
+                </a:solidFill>
+                <a:latin typeface="Courier New,Bold"/>
+              </a:rPr>
+              <a:t>{</a:t>
+            </a:r>
+            <a:r>
+              <a:rPr lang="ru-RU" dirty="0">
+                <a:solidFill>
+                  <a:srgbClr val="0000C1"/>
+                </a:solidFill>
+                <a:latin typeface="Courier New" panose="02070309020205020404" pitchFamily="49" charset="0"/>
+              </a:rPr>
+              <a:t>'7'</a:t>
+            </a:r>
+            <a:r>
+              <a:rPr lang="ru-RU" dirty="0">
+                <a:solidFill>
+                  <a:srgbClr val="333333"/>
+                </a:solidFill>
+                <a:latin typeface="Courier New,Bold"/>
+              </a:rPr>
+              <a:t>}</a:t>
+            </a:r>
+            <a:endParaRPr lang="ru-RU" dirty="0"/>
+          </a:p>
+        </p:txBody>
+      </p:sp>
+    </p:spTree>
+    <p:extLst>
+      <p:ext uri="{BB962C8B-B14F-4D97-AF65-F5344CB8AC3E}">
+        <p14:creationId xmlns:p14="http://schemas.microsoft.com/office/powerpoint/2010/main" val="4252835519"/>
+      </p:ext>
+    </p:extLst>
+  </p:cSld>
+  <p:clrMapOvr>
+    <a:masterClrMapping/>
+  </p:clrMapOvr>
+  <p:timing>
+    <p:tnLst>
+      <p:par>
+        <p:cTn id="1" dur="indefinite" restart="never" nodeType="tmRoot"/>
+      </p:par>
+    </p:tnLst>
+  </p:timing>
+</p:sld>
+</file>
+
+<file path=ppt/slides/slide33.xml><?xml version="1.0" encoding="utf-8"?>
+<p:sld xmlns:a="http://schemas.openxmlformats.org/drawingml/2006/main" xmlns:r="http://schemas.openxmlformats.org/officeDocument/2006/relationships" xmlns:p="http://schemas.openxmlformats.org/presentationml/2006/main">
+  <p:cSld>
+    <p:spTree>
+      <p:nvGrpSpPr>
+        <p:cNvPr id="1" name=""/>
+        <p:cNvGrpSpPr/>
+        <p:nvPr/>
+      </p:nvGrpSpPr>
+      <p:grpSpPr>
+        <a:xfrm>
+          <a:off x="0" y="0"/>
+          <a:ext cx="0" cy="0"/>
+          <a:chOff x="0" y="0"/>
+          <a:chExt cx="0" cy="0"/>
+        </a:xfrm>
+      </p:grpSpPr>
+      <p:sp>
+        <p:nvSpPr>
+          <p:cNvPr id="2" name="Прямоугольник 1"/>
+          <p:cNvSpPr/>
+          <p:nvPr/>
+        </p:nvSpPr>
+        <p:spPr>
+          <a:xfrm>
+            <a:off x="0" y="107434"/>
+            <a:ext cx="9144000" cy="646331"/>
+          </a:xfrm>
+          <a:prstGeom prst="rect">
+            <a:avLst/>
+          </a:prstGeom>
+        </p:spPr>
+        <p:txBody>
+          <a:bodyPr wrap="square">
+            <a:spAutoFit/>
+          </a:bodyPr>
+          <a:lstStyle/>
+          <a:p>
+            <a:pPr algn="ctr"/>
+            <a:r>
+              <a:rPr lang="ru-RU" sz="3600" b="1" dirty="0" err="1"/>
+              <a:t>Операції</a:t>
+            </a:r>
+            <a:r>
+              <a:rPr lang="ru-RU" sz="3600" b="1" dirty="0"/>
+              <a:t> над </a:t>
+            </a:r>
+            <a:r>
+              <a:rPr lang="ru-RU" sz="3600" b="1" dirty="0" err="1"/>
+              <a:t>множинами</a:t>
+            </a:r>
+            <a:endParaRPr lang="ru-RU" sz="3600" dirty="0"/>
+          </a:p>
+        </p:txBody>
+      </p:sp>
+      <p:pic>
+        <p:nvPicPr>
+          <p:cNvPr id="4" name="Рисунок 3"/>
+          <p:cNvPicPr>
+            <a:picLocks noChangeAspect="1"/>
+          </p:cNvPicPr>
+          <p:nvPr/>
+        </p:nvPicPr>
+        <p:blipFill>
+          <a:blip r:embed="rId3"/>
+          <a:stretch>
+            <a:fillRect/>
+          </a:stretch>
+        </p:blipFill>
+        <p:spPr>
+          <a:xfrm>
+            <a:off x="341783" y="1987680"/>
+            <a:ext cx="8460433" cy="3145521"/>
+          </a:xfrm>
+          <a:prstGeom prst="rect">
+            <a:avLst/>
+          </a:prstGeom>
+        </p:spPr>
+      </p:pic>
+      <p:sp>
+        <p:nvSpPr>
+          <p:cNvPr id="5" name="Прямоугольник 4"/>
+          <p:cNvSpPr/>
+          <p:nvPr/>
+        </p:nvSpPr>
+        <p:spPr>
+          <a:xfrm>
+            <a:off x="2436018" y="1139890"/>
+            <a:ext cx="3352200" cy="461665"/>
+          </a:xfrm>
+          <a:prstGeom prst="rect">
+            <a:avLst/>
+          </a:prstGeom>
+        </p:spPr>
+        <p:txBody>
+          <a:bodyPr wrap="none">
+            <a:spAutoFit/>
+          </a:bodyPr>
+          <a:lstStyle/>
+          <a:p>
+            <a:r>
+              <a:rPr lang="ru-RU" sz="2400" b="1" dirty="0" smtClean="0"/>
+              <a:t>1. </a:t>
+            </a:r>
+            <a:r>
+              <a:rPr lang="ru-RU" sz="2400" b="1" dirty="0" err="1" smtClean="0"/>
+              <a:t>Операції</a:t>
+            </a:r>
+            <a:r>
+              <a:rPr lang="ru-RU" sz="2400" b="1" dirty="0" smtClean="0"/>
+              <a:t> </a:t>
+            </a:r>
+            <a:r>
+              <a:rPr lang="ru-RU" sz="2400" b="1" dirty="0" err="1"/>
+              <a:t>відношення</a:t>
+            </a:r>
+            <a:endParaRPr lang="ru-RU" sz="2400" b="1" dirty="0"/>
+          </a:p>
+        </p:txBody>
+      </p:sp>
+    </p:spTree>
+    <p:extLst>
+      <p:ext uri="{BB962C8B-B14F-4D97-AF65-F5344CB8AC3E}">
+        <p14:creationId xmlns:p14="http://schemas.microsoft.com/office/powerpoint/2010/main" val="705346774"/>
+      </p:ext>
+    </p:extLst>
+  </p:cSld>
+  <p:clrMapOvr>
+    <a:masterClrMapping/>
+  </p:clrMapOvr>
+  <p:timing>
+    <p:tnLst>
+      <p:par>
+        <p:cTn id="1" dur="indefinite" restart="never" nodeType="tmRoot"/>
+      </p:par>
+    </p:tnLst>
+  </p:timing>
+</p:sld>
+</file>
+
+<file path=ppt/slides/slide34.xml><?xml version="1.0" encoding="utf-8"?>
+<p:sld xmlns:a="http://schemas.openxmlformats.org/drawingml/2006/main" xmlns:r="http://schemas.openxmlformats.org/officeDocument/2006/relationships" xmlns:p="http://schemas.openxmlformats.org/presentationml/2006/main">
+  <p:cSld>
+    <p:spTree>
+      <p:nvGrpSpPr>
+        <p:cNvPr id="1" name=""/>
+        <p:cNvGrpSpPr/>
+        <p:nvPr/>
+      </p:nvGrpSpPr>
+      <p:grpSpPr>
+        <a:xfrm>
+          <a:off x="0" y="0"/>
+          <a:ext cx="0" cy="0"/>
+          <a:chOff x="0" y="0"/>
+          <a:chExt cx="0" cy="0"/>
+        </a:xfrm>
+      </p:grpSpPr>
+      <p:sp>
+        <p:nvSpPr>
+          <p:cNvPr id="2" name="Прямоугольник 1"/>
+          <p:cNvSpPr/>
+          <p:nvPr/>
+        </p:nvSpPr>
+        <p:spPr>
+          <a:xfrm>
+            <a:off x="0" y="107434"/>
+            <a:ext cx="9144000" cy="646331"/>
+          </a:xfrm>
+          <a:prstGeom prst="rect">
+            <a:avLst/>
+          </a:prstGeom>
+        </p:spPr>
+        <p:txBody>
+          <a:bodyPr wrap="square">
+            <a:spAutoFit/>
+          </a:bodyPr>
+          <a:lstStyle/>
+          <a:p>
+            <a:pPr algn="ctr"/>
+            <a:r>
+              <a:rPr lang="ru-RU" sz="3600" b="1" dirty="0" err="1"/>
+              <a:t>Операції</a:t>
+            </a:r>
+            <a:r>
+              <a:rPr lang="ru-RU" sz="3600" b="1" dirty="0"/>
+              <a:t> над </a:t>
+            </a:r>
+            <a:r>
+              <a:rPr lang="ru-RU" sz="3600" b="1" dirty="0" err="1"/>
+              <a:t>множинами</a:t>
+            </a:r>
+            <a:endParaRPr lang="ru-RU" sz="3600" dirty="0"/>
+          </a:p>
+        </p:txBody>
+      </p:sp>
+      <p:pic>
+        <p:nvPicPr>
+          <p:cNvPr id="3" name="Рисунок 2"/>
+          <p:cNvPicPr>
+            <a:picLocks noChangeAspect="1"/>
+          </p:cNvPicPr>
+          <p:nvPr/>
+        </p:nvPicPr>
+        <p:blipFill>
+          <a:blip r:embed="rId3"/>
+          <a:stretch>
+            <a:fillRect/>
+          </a:stretch>
+        </p:blipFill>
+        <p:spPr>
+          <a:xfrm>
+            <a:off x="0" y="1607300"/>
+            <a:ext cx="9144000" cy="2058620"/>
+          </a:xfrm>
+          <a:prstGeom prst="rect">
+            <a:avLst/>
+          </a:prstGeom>
+          <a:ln>
+            <a:solidFill>
+              <a:schemeClr val="accent1"/>
+            </a:solidFill>
+          </a:ln>
+        </p:spPr>
+      </p:pic>
+      <p:sp>
+        <p:nvSpPr>
+          <p:cNvPr id="4" name="Прямоугольник 3"/>
+          <p:cNvSpPr/>
+          <p:nvPr/>
+        </p:nvSpPr>
+        <p:spPr>
+          <a:xfrm>
+            <a:off x="513872" y="956355"/>
+            <a:ext cx="4483150" cy="461665"/>
+          </a:xfrm>
+          <a:prstGeom prst="rect">
+            <a:avLst/>
+          </a:prstGeom>
+        </p:spPr>
+        <p:txBody>
+          <a:bodyPr wrap="none">
+            <a:spAutoFit/>
+          </a:bodyPr>
+          <a:lstStyle/>
+          <a:p>
+            <a:r>
+              <a:rPr lang="ru-RU" sz="2400" b="1" dirty="0" smtClean="0"/>
+              <a:t>2. </a:t>
+            </a:r>
+            <a:r>
+              <a:rPr lang="ru-RU" sz="2400" b="1" dirty="0" err="1" smtClean="0"/>
+              <a:t>Перетин</a:t>
+            </a:r>
+            <a:r>
+              <a:rPr lang="ru-RU" sz="2400" b="1" dirty="0"/>
+              <a:t>, </a:t>
+            </a:r>
+            <a:r>
+              <a:rPr lang="ru-RU" sz="2400" b="1" dirty="0" err="1"/>
+              <a:t>об'єднання</a:t>
+            </a:r>
+            <a:r>
+              <a:rPr lang="ru-RU" sz="2400" b="1" dirty="0"/>
+              <a:t>, </a:t>
+            </a:r>
+            <a:r>
+              <a:rPr lang="ru-RU" sz="2400" b="1" dirty="0" err="1"/>
+              <a:t>різниця</a:t>
+            </a:r>
+            <a:endParaRPr lang="ru-RU" sz="2400" b="1" dirty="0"/>
+          </a:p>
+        </p:txBody>
+      </p:sp>
+      <p:pic>
+        <p:nvPicPr>
+          <p:cNvPr id="11" name="Рисунок 10"/>
+          <p:cNvPicPr>
+            <a:picLocks noChangeAspect="1"/>
+          </p:cNvPicPr>
+          <p:nvPr/>
+        </p:nvPicPr>
+        <p:blipFill>
+          <a:blip r:embed="rId4"/>
+          <a:stretch>
+            <a:fillRect/>
+          </a:stretch>
+        </p:blipFill>
+        <p:spPr>
+          <a:xfrm>
+            <a:off x="740282" y="4041290"/>
+            <a:ext cx="7463917" cy="1141741"/>
+          </a:xfrm>
+          <a:prstGeom prst="rect">
+            <a:avLst/>
+          </a:prstGeom>
+        </p:spPr>
+      </p:pic>
+      <p:sp>
+        <p:nvSpPr>
+          <p:cNvPr id="5" name="TextBox 4"/>
+          <p:cNvSpPr txBox="1"/>
+          <p:nvPr/>
+        </p:nvSpPr>
+        <p:spPr>
+          <a:xfrm>
+            <a:off x="513872" y="5183031"/>
+            <a:ext cx="1841500" cy="400110"/>
+          </a:xfrm>
+          <a:prstGeom prst="rect">
+            <a:avLst/>
+          </a:prstGeom>
+          <a:noFill/>
+        </p:spPr>
+        <p:txBody>
+          <a:bodyPr wrap="square" rtlCol="0">
+            <a:spAutoFit/>
+          </a:bodyPr>
+          <a:lstStyle/>
+          <a:p>
+            <a:r>
+              <a:rPr lang="uk-UA" sz="2000" dirty="0" smtClean="0"/>
+              <a:t>Яка операція?</a:t>
+            </a:r>
+            <a:endParaRPr lang="ru-RU" sz="2000" dirty="0"/>
+          </a:p>
+        </p:txBody>
+      </p:sp>
+      <p:sp>
+        <p:nvSpPr>
+          <p:cNvPr id="7" name="TextBox 6"/>
+          <p:cNvSpPr txBox="1"/>
+          <p:nvPr/>
+        </p:nvSpPr>
+        <p:spPr>
+          <a:xfrm>
+            <a:off x="2755447" y="5209862"/>
+            <a:ext cx="1841500" cy="400110"/>
+          </a:xfrm>
+          <a:prstGeom prst="rect">
+            <a:avLst/>
+          </a:prstGeom>
+          <a:noFill/>
+        </p:spPr>
+        <p:txBody>
+          <a:bodyPr wrap="square" rtlCol="0">
+            <a:spAutoFit/>
+          </a:bodyPr>
+          <a:lstStyle/>
+          <a:p>
+            <a:r>
+              <a:rPr lang="uk-UA" sz="2000" dirty="0" smtClean="0"/>
+              <a:t>Яка операція?</a:t>
+            </a:r>
+            <a:endParaRPr lang="ru-RU" sz="2000" dirty="0"/>
+          </a:p>
+        </p:txBody>
+      </p:sp>
+      <p:sp>
+        <p:nvSpPr>
+          <p:cNvPr id="8" name="TextBox 7"/>
+          <p:cNvSpPr txBox="1"/>
+          <p:nvPr/>
+        </p:nvSpPr>
+        <p:spPr>
+          <a:xfrm>
+            <a:off x="4812847" y="5212724"/>
+            <a:ext cx="1841500" cy="400110"/>
+          </a:xfrm>
+          <a:prstGeom prst="rect">
+            <a:avLst/>
+          </a:prstGeom>
+          <a:noFill/>
+        </p:spPr>
+        <p:txBody>
+          <a:bodyPr wrap="square" rtlCol="0">
+            <a:spAutoFit/>
+          </a:bodyPr>
+          <a:lstStyle/>
+          <a:p>
+            <a:r>
+              <a:rPr lang="uk-UA" sz="2000" dirty="0" smtClean="0"/>
+              <a:t>Яка операція?</a:t>
+            </a:r>
+            <a:endParaRPr lang="ru-RU" sz="2000" dirty="0"/>
+          </a:p>
+        </p:txBody>
+      </p:sp>
+      <p:sp>
+        <p:nvSpPr>
+          <p:cNvPr id="9" name="TextBox 8"/>
+          <p:cNvSpPr txBox="1"/>
+          <p:nvPr/>
+        </p:nvSpPr>
+        <p:spPr>
+          <a:xfrm>
+            <a:off x="6870247" y="5209862"/>
+            <a:ext cx="1841500" cy="400110"/>
+          </a:xfrm>
+          <a:prstGeom prst="rect">
+            <a:avLst/>
+          </a:prstGeom>
+          <a:noFill/>
+        </p:spPr>
+        <p:txBody>
+          <a:bodyPr wrap="square" rtlCol="0">
+            <a:spAutoFit/>
+          </a:bodyPr>
+          <a:lstStyle/>
+          <a:p>
+            <a:r>
+              <a:rPr lang="uk-UA" sz="2000" dirty="0" smtClean="0"/>
+              <a:t>Яка операція?</a:t>
+            </a:r>
+            <a:endParaRPr lang="ru-RU" sz="2000" dirty="0"/>
+          </a:p>
+        </p:txBody>
+      </p:sp>
+    </p:spTree>
+    <p:extLst>
+      <p:ext uri="{BB962C8B-B14F-4D97-AF65-F5344CB8AC3E}">
+        <p14:creationId xmlns:p14="http://schemas.microsoft.com/office/powerpoint/2010/main" val="3935288630"/>
+      </p:ext>
+    </p:extLst>
+  </p:cSld>
+  <p:clrMapOvr>
+    <a:masterClrMapping/>
+  </p:clrMapOvr>
+  <p:timing>
+    <p:tnLst>
+      <p:par>
+        <p:cTn id="1" dur="indefinite" restart="never" nodeType="tmRoot"/>
+      </p:par>
+    </p:tnLst>
+  </p:timing>
+</p:sld>
+</file>
+
+<file path=ppt/slides/slide35.xml><?xml version="1.0" encoding="utf-8"?>
 <p:sld xmlns:a="http://schemas.openxmlformats.org/drawingml/2006/main" xmlns:r="http://schemas.openxmlformats.org/officeDocument/2006/relationships" xmlns:p="http://schemas.openxmlformats.org/presentationml/2006/main">
   <p:cSld>
     <p:spTree>
@@ -16952,7 +17900,7 @@
 </p:sld>
 </file>
 
-<file path=ppt/slides/slide31.xml><?xml version="1.0" encoding="utf-8"?>
+<file path=ppt/slides/slide36.xml><?xml version="1.0" encoding="utf-8"?>
 <p:sld xmlns:a="http://schemas.openxmlformats.org/drawingml/2006/main" xmlns:r="http://schemas.openxmlformats.org/officeDocument/2006/relationships" xmlns:p="http://schemas.openxmlformats.org/presentationml/2006/main">
   <p:cSld>
     <p:spTree>
@@ -17057,12 +18005,16 @@
           <a:lstStyle/>
           <a:p>
             <a:r>
-              <a:rPr lang="ru-RU" sz="2100" b="1" dirty="0" smtClean="0"/>
+              <a:rPr lang="ru-RU" sz="2100" b="1" i="1" dirty="0" smtClean="0"/>
               <a:t>Задача3</a:t>
             </a:r>
             <a:r>
+              <a:rPr lang="ru-RU" sz="2100" i="1" dirty="0" smtClean="0"/>
+              <a:t>. </a:t>
+            </a:r>
+            <a:r>
               <a:rPr lang="ru-RU" sz="2100" dirty="0" smtClean="0"/>
-              <a:t>. Слова </a:t>
+              <a:t>Слова </a:t>
             </a:r>
             <a:r>
               <a:rPr lang="ru-RU" sz="2100" dirty="0"/>
@@ -17358,7 +18310,7 @@
 </p:sld>
 </file>
 
-<file path=ppt/slides/slide32.xml><?xml version="1.0" encoding="utf-8"?>
+<file path=ppt/slides/slide37.xml><?xml version="1.0" encoding="utf-8"?>
 <p:sld xmlns:a="http://schemas.openxmlformats.org/drawingml/2006/main" xmlns:r="http://schemas.openxmlformats.org/officeDocument/2006/relationships" xmlns:p="http://schemas.openxmlformats.org/presentationml/2006/main">
   <p:cSld>
     <p:spTree>
@@ -18042,7 +18994,7 @@
 </p:sld>
 </file>
 
-<file path=ppt/slides/slide33.xml><?xml version="1.0" encoding="utf-8"?>
+<file path=ppt/slides/slide38.xml><?xml version="1.0" encoding="utf-8"?>
 <p:sld xmlns:a="http://schemas.openxmlformats.org/drawingml/2006/main" xmlns:r="http://schemas.openxmlformats.org/officeDocument/2006/relationships" xmlns:p="http://schemas.openxmlformats.org/presentationml/2006/main">
   <p:cSld>
     <p:spTree>
@@ -18383,7 +19335,7 @@
 </p:sld>
 </file>
 
-<file path=ppt/slides/slide34.xml><?xml version="1.0" encoding="utf-8"?>
+<file path=ppt/slides/slide39.xml><?xml version="1.0" encoding="utf-8"?>
 <p:sld xmlns:a="http://schemas.openxmlformats.org/drawingml/2006/main" xmlns:r="http://schemas.openxmlformats.org/officeDocument/2006/relationships" xmlns:p="http://schemas.openxmlformats.org/presentationml/2006/main">
   <p:cSld>
     <p:spTree>
@@ -18570,13 +19522,15 @@
         </p:nvSpPr>
         <p:spPr>
           <a:xfrm>
-            <a:off x="127000" y="1320800"/>
-            <a:ext cx="8636000" cy="4801314"/>
+            <a:off x="0" y="990883"/>
+            <a:ext cx="9144000" cy="5940088"/>
           </a:xfrm>
           <a:prstGeom prst="rect">
             <a:avLst/>
           </a:prstGeom>
-          <a:noFill/>
+          <a:solidFill>
+            <a:schemeClr val="bg1"/>
+          </a:solidFill>
         </p:spPr>
         <p:txBody>
           <a:bodyPr wrap="square" rtlCol="0">
@@ -18585,344 +19539,355 @@
           <a:lstStyle/>
           <a:p>
             <a:r>
-              <a:rPr lang="uk-UA" dirty="0" smtClean="0"/>
+              <a:rPr lang="uk-UA" sz="2000" dirty="0" smtClean="0"/>
               <a:t>1. Створити список, що містить дані про студентів, навчальні заклади та їх успішність. Перетворити список у словник та доповнити словник даними про місце роботи студента</a:t>
             </a:r>
           </a:p>
           <a:p>
             <a:r>
-              <a:rPr lang="uk-UA" dirty="0" smtClean="0"/>
+              <a:rPr lang="uk-UA" sz="2000" dirty="0" smtClean="0"/>
               <a:t>2. Створити словник, що містить дані про міста та кількість населення. Визначити місто з найбільшою кількістю населення.</a:t>
             </a:r>
           </a:p>
           <a:p>
             <a:r>
-              <a:rPr lang="uk-UA" dirty="0" smtClean="0"/>
+              <a:rPr lang="uk-UA" sz="2000" dirty="0" smtClean="0"/>
               <a:t>3. Створити словник з даними про концерти, дату їх проведення та середню вартість квитків. Вивести у вигляді таблиці дані про концерти, які відбудуться в заданий з клавіатури період (від одної дати до іншої включно)  </a:t>
             </a:r>
           </a:p>
           <a:p>
             <a:r>
-              <a:rPr lang="uk-UA" dirty="0" smtClean="0"/>
-              <a:t>4. Створити словник з даними про погоду (дата, температура, наявність опадів). Визначити дату з найкращими погодними умовами</a:t>
-            </a:r>
-          </a:p>
-          <a:p>
-            <a:r>
-              <a:rPr lang="uk-UA" dirty="0" smtClean="0"/>
+              <a:rPr lang="uk-UA" sz="2000" dirty="0" smtClean="0"/>
+              <a:t>4. Створити словник з даними про погоду (дата, температура, наявність опадів). Визначити дату з найкращими погодними </a:t>
+            </a:r>
+            <a:r>
+              <a:rPr lang="uk-UA" sz="2000" dirty="0" smtClean="0"/>
+              <a:t>умовами</a:t>
+            </a:r>
+          </a:p>
+          <a:p>
+            <a:pPr algn="ctr"/>
+            <a:r>
+              <a:rPr lang="uk-UA" sz="2000" b="1" dirty="0" smtClean="0"/>
+              <a:t>Множини</a:t>
+            </a:r>
+            <a:endParaRPr lang="uk-UA" sz="2000" b="1" dirty="0" smtClean="0"/>
+          </a:p>
+          <a:p>
+            <a:r>
+              <a:rPr lang="uk-UA" sz="2000" dirty="0" smtClean="0"/>
               <a:t>5. Згенерувати список чисел. Визначити кількість різних чисел в </a:t>
             </a:r>
             <a:r>
-              <a:rPr lang="uk-UA" dirty="0" err="1" smtClean="0"/>
+              <a:rPr lang="uk-UA" sz="2000" dirty="0" err="1" smtClean="0"/>
               <a:t>згенерованому</a:t>
             </a:r>
             <a:r>
-              <a:rPr lang="uk-UA" dirty="0" smtClean="0"/>
+              <a:rPr lang="uk-UA" sz="2000" dirty="0" smtClean="0"/>
               <a:t> списку</a:t>
             </a:r>
           </a:p>
           <a:p>
             <a:r>
-              <a:rPr lang="uk-UA" dirty="0" smtClean="0"/>
+              <a:rPr lang="uk-UA" sz="2000" dirty="0" smtClean="0"/>
               <a:t>6. </a:t>
             </a:r>
             <a:r>
-              <a:rPr lang="ru-RU" dirty="0" err="1" smtClean="0"/>
+              <a:rPr lang="ru-RU" sz="2000" dirty="0" err="1" smtClean="0"/>
               <a:t>Введені</a:t>
             </a:r>
             <a:r>
-              <a:rPr lang="ru-RU" dirty="0" smtClean="0"/>
+              <a:rPr lang="ru-RU" sz="2000" dirty="0" smtClean="0"/>
               <a:t> два </a:t>
             </a:r>
             <a:r>
-              <a:rPr lang="ru-RU" dirty="0"/>
+              <a:rPr lang="ru-RU" sz="2000" dirty="0"/>
               <a:t>списки чисел. </a:t>
             </a:r>
             <a:r>
-              <a:rPr lang="ru-RU" dirty="0" err="1"/>
+              <a:rPr lang="ru-RU" sz="2000" dirty="0" err="1"/>
               <a:t>Знайдіть</a:t>
             </a:r>
             <a:r>
-              <a:rPr lang="ru-RU" dirty="0"/>
-              <a:t> </a:t>
-            </a:r>
-            <a:r>
-              <a:rPr lang="ru-RU" dirty="0" err="1"/>
+              <a:rPr lang="ru-RU" sz="2000" dirty="0"/>
+              <a:t> </a:t>
+            </a:r>
+            <a:r>
+              <a:rPr lang="ru-RU" sz="2000" dirty="0" err="1"/>
               <a:t>всі</a:t>
             </a:r>
             <a:r>
-              <a:rPr lang="ru-RU" dirty="0"/>
+              <a:rPr lang="ru-RU" sz="2000" dirty="0"/>
               <a:t> числа, </a:t>
             </a:r>
             <a:r>
-              <a:rPr lang="ru-RU" dirty="0" err="1"/>
+              <a:rPr lang="ru-RU" sz="2000" dirty="0" err="1"/>
               <a:t>які</a:t>
             </a:r>
             <a:r>
-              <a:rPr lang="ru-RU" dirty="0"/>
-              <a:t> </a:t>
-            </a:r>
-            <a:r>
-              <a:rPr lang="ru-RU" dirty="0" err="1"/>
+              <a:rPr lang="ru-RU" sz="2000" dirty="0"/>
+              <a:t> </a:t>
+            </a:r>
+            <a:r>
+              <a:rPr lang="ru-RU" sz="2000" dirty="0" err="1"/>
               <a:t>входять</a:t>
             </a:r>
             <a:r>
-              <a:rPr lang="ru-RU" dirty="0"/>
+              <a:rPr lang="ru-RU" sz="2000" dirty="0"/>
               <a:t> як в перший, так і в </a:t>
             </a:r>
             <a:r>
-              <a:rPr lang="ru-RU" dirty="0" err="1"/>
+              <a:rPr lang="ru-RU" sz="2000" dirty="0" err="1"/>
               <a:t>другій</a:t>
             </a:r>
             <a:r>
-              <a:rPr lang="ru-RU" dirty="0"/>
+              <a:rPr lang="ru-RU" sz="2000" dirty="0"/>
               <a:t> список і </a:t>
             </a:r>
             <a:r>
-              <a:rPr lang="ru-RU" dirty="0" err="1"/>
+              <a:rPr lang="ru-RU" sz="2000" dirty="0" err="1"/>
               <a:t>виведіть</a:t>
             </a:r>
             <a:r>
-              <a:rPr lang="ru-RU" dirty="0"/>
-              <a:t> </a:t>
-            </a:r>
-            <a:r>
-              <a:rPr lang="ru-RU" dirty="0" err="1"/>
+              <a:rPr lang="ru-RU" sz="2000" dirty="0"/>
+              <a:t> </a:t>
+            </a:r>
+            <a:r>
+              <a:rPr lang="ru-RU" sz="2000" dirty="0" err="1"/>
               <a:t>їх</a:t>
             </a:r>
             <a:r>
-              <a:rPr lang="ru-RU" dirty="0"/>
+              <a:rPr lang="ru-RU" sz="2000" dirty="0"/>
               <a:t> в порядку </a:t>
             </a:r>
             <a:r>
-              <a:rPr lang="ru-RU" dirty="0" err="1" smtClean="0"/>
+              <a:rPr lang="ru-RU" sz="2000" dirty="0" err="1" smtClean="0"/>
               <a:t>зростання</a:t>
             </a:r>
             <a:r>
-              <a:rPr lang="ru-RU" dirty="0" smtClean="0"/>
+              <a:rPr lang="ru-RU" sz="2000" dirty="0" smtClean="0"/>
               <a:t>.</a:t>
             </a:r>
           </a:p>
           <a:p>
             <a:r>
-              <a:rPr lang="uk-UA" dirty="0" smtClean="0"/>
+              <a:rPr lang="uk-UA" sz="2000" dirty="0" smtClean="0"/>
               <a:t>7. </a:t>
             </a:r>
             <a:r>
-              <a:rPr lang="ru-RU" dirty="0"/>
+              <a:rPr lang="ru-RU" sz="2000" dirty="0"/>
               <a:t>Задано </a:t>
             </a:r>
             <a:r>
-              <a:rPr lang="ru-RU" dirty="0" err="1"/>
+              <a:rPr lang="ru-RU" sz="2000" dirty="0" err="1"/>
               <a:t>множини</a:t>
             </a:r>
             <a:r>
-              <a:rPr lang="ru-RU" dirty="0"/>
+              <a:rPr lang="ru-RU" sz="2000" dirty="0"/>
               <a:t> А та В, </a:t>
             </a:r>
             <a:r>
-              <a:rPr lang="ru-RU" dirty="0" err="1"/>
+              <a:rPr lang="ru-RU" sz="2000" dirty="0" err="1"/>
               <a:t>що</a:t>
             </a:r>
             <a:r>
-              <a:rPr lang="ru-RU" dirty="0"/>
-              <a:t> </a:t>
-            </a:r>
-            <a:r>
-              <a:rPr lang="ru-RU" dirty="0" err="1"/>
+              <a:rPr lang="ru-RU" sz="2000" dirty="0"/>
+              <a:t> </a:t>
+            </a:r>
+            <a:r>
+              <a:rPr lang="ru-RU" sz="2000" dirty="0" err="1"/>
               <a:t>складаються</a:t>
             </a:r>
             <a:r>
-              <a:rPr lang="ru-RU" dirty="0"/>
+              <a:rPr lang="ru-RU" sz="2000" dirty="0"/>
               <a:t> з </a:t>
             </a:r>
             <a:r>
-              <a:rPr lang="ru-RU" dirty="0" err="1"/>
+              <a:rPr lang="ru-RU" sz="2000" dirty="0" err="1"/>
               <a:t>двоцифрових</a:t>
             </a:r>
             <a:r>
-              <a:rPr lang="ru-RU" dirty="0"/>
+              <a:rPr lang="ru-RU" sz="2000" dirty="0"/>
               <a:t> чисел. </a:t>
             </a:r>
             <a:r>
-              <a:rPr lang="ru-RU" dirty="0" err="1"/>
+              <a:rPr lang="ru-RU" sz="2000" dirty="0" err="1"/>
               <a:t>Знайти</a:t>
             </a:r>
             <a:r>
-              <a:rPr lang="ru-RU" dirty="0"/>
+              <a:rPr lang="ru-RU" sz="2000" dirty="0"/>
               <a:t> суму тих </a:t>
             </a:r>
             <a:r>
-              <a:rPr lang="ru-RU" dirty="0" err="1"/>
+              <a:rPr lang="ru-RU" sz="2000" dirty="0" err="1"/>
               <a:t>елементів</a:t>
             </a:r>
             <a:r>
-              <a:rPr lang="ru-RU" dirty="0"/>
+              <a:rPr lang="ru-RU" sz="2000" dirty="0"/>
               <a:t>, </a:t>
             </a:r>
             <a:r>
-              <a:rPr lang="ru-RU" dirty="0" err="1"/>
+              <a:rPr lang="ru-RU" sz="2000" dirty="0" err="1"/>
               <a:t>що</a:t>
             </a:r>
             <a:r>
-              <a:rPr lang="ru-RU" dirty="0"/>
-              <a:t> </a:t>
-            </a:r>
-            <a:r>
-              <a:rPr lang="ru-RU" dirty="0" err="1"/>
+              <a:rPr lang="ru-RU" sz="2000" dirty="0"/>
+              <a:t> </a:t>
+            </a:r>
+            <a:r>
+              <a:rPr lang="ru-RU" sz="2000" dirty="0" err="1"/>
               <a:t>входять</a:t>
             </a:r>
             <a:r>
-              <a:rPr lang="ru-RU" dirty="0"/>
-              <a:t> </a:t>
-            </a:r>
-            <a:r>
-              <a:rPr lang="ru-RU" dirty="0" err="1"/>
+              <a:rPr lang="ru-RU" sz="2000" dirty="0"/>
+              <a:t> </a:t>
+            </a:r>
+            <a:r>
+              <a:rPr lang="ru-RU" sz="2000" dirty="0" err="1"/>
               <a:t>хоча</a:t>
             </a:r>
             <a:r>
-              <a:rPr lang="ru-RU" dirty="0"/>
-              <a:t> </a:t>
-            </a:r>
-            <a:r>
-              <a:rPr lang="ru-RU" dirty="0" err="1"/>
+              <a:rPr lang="ru-RU" sz="2000" dirty="0"/>
+              <a:t> </a:t>
+            </a:r>
+            <a:r>
+              <a:rPr lang="ru-RU" sz="2000" dirty="0" err="1"/>
               <a:t>би</a:t>
             </a:r>
             <a:r>
-              <a:rPr lang="ru-RU" dirty="0"/>
+              <a:rPr lang="ru-RU" sz="2000" dirty="0"/>
               <a:t> в одну з </a:t>
             </a:r>
             <a:r>
-              <a:rPr lang="ru-RU" dirty="0" err="1"/>
+              <a:rPr lang="ru-RU" sz="2000" dirty="0" err="1"/>
               <a:t>цих</a:t>
             </a:r>
             <a:r>
-              <a:rPr lang="ru-RU" dirty="0"/>
-              <a:t> </a:t>
-            </a:r>
-            <a:r>
-              <a:rPr lang="ru-RU" dirty="0" err="1"/>
+              <a:rPr lang="ru-RU" sz="2000" dirty="0"/>
+              <a:t> </a:t>
+            </a:r>
+            <a:r>
+              <a:rPr lang="ru-RU" sz="2000" dirty="0" err="1"/>
               <a:t>множин</a:t>
             </a:r>
             <a:r>
-              <a:rPr lang="ru-RU" dirty="0" smtClean="0"/>
+              <a:rPr lang="ru-RU" sz="2000" dirty="0" smtClean="0"/>
               <a:t>.</a:t>
             </a:r>
           </a:p>
           <a:p>
             <a:r>
-              <a:rPr lang="ru-RU" dirty="0" smtClean="0"/>
+              <a:rPr lang="ru-RU" sz="2000" dirty="0" smtClean="0"/>
               <a:t>8. Дано </a:t>
             </a:r>
             <a:r>
-              <a:rPr lang="ru-RU" dirty="0"/>
+              <a:rPr lang="ru-RU" sz="2000" dirty="0"/>
               <a:t>два слова, </a:t>
             </a:r>
             <a:r>
-              <a:rPr lang="ru-RU" dirty="0" err="1"/>
+              <a:rPr lang="ru-RU" sz="2000" dirty="0" err="1"/>
               <a:t>що</a:t>
             </a:r>
             <a:r>
-              <a:rPr lang="ru-RU" dirty="0"/>
-              <a:t> </a:t>
-            </a:r>
-            <a:r>
-              <a:rPr lang="ru-RU" dirty="0" err="1"/>
+              <a:rPr lang="ru-RU" sz="2000" dirty="0"/>
+              <a:t> </a:t>
+            </a:r>
+            <a:r>
+              <a:rPr lang="ru-RU" sz="2000" dirty="0" err="1"/>
               <a:t>складаються</a:t>
             </a:r>
             <a:r>
-              <a:rPr lang="ru-RU" dirty="0"/>
+              <a:rPr lang="ru-RU" sz="2000" dirty="0"/>
               <a:t> з </a:t>
             </a:r>
             <a:r>
-              <a:rPr lang="ru-RU" dirty="0" err="1"/>
+              <a:rPr lang="ru-RU" sz="2000" dirty="0" err="1"/>
               <a:t>малих</a:t>
             </a:r>
             <a:r>
-              <a:rPr lang="ru-RU" dirty="0"/>
-              <a:t> </a:t>
-            </a:r>
-            <a:r>
-              <a:rPr lang="ru-RU" dirty="0" err="1"/>
+              <a:rPr lang="ru-RU" sz="2000" dirty="0"/>
+              <a:t> </a:t>
+            </a:r>
+            <a:r>
+              <a:rPr lang="ru-RU" sz="2000" dirty="0" err="1"/>
               <a:t>латинських</a:t>
             </a:r>
             <a:r>
-              <a:rPr lang="ru-RU" dirty="0"/>
-              <a:t> </a:t>
-            </a:r>
-            <a:r>
-              <a:rPr lang="ru-RU" dirty="0" err="1"/>
+              <a:rPr lang="ru-RU" sz="2000" dirty="0"/>
+              <a:t> </a:t>
+            </a:r>
+            <a:r>
+              <a:rPr lang="ru-RU" sz="2000" dirty="0" err="1"/>
               <a:t>літер</a:t>
             </a:r>
             <a:r>
-              <a:rPr lang="ru-RU" dirty="0"/>
+              <a:rPr lang="ru-RU" sz="2000" dirty="0"/>
               <a:t>. </a:t>
             </a:r>
             <a:r>
-              <a:rPr lang="ru-RU" dirty="0" err="1"/>
+              <a:rPr lang="ru-RU" sz="2000" dirty="0" err="1"/>
               <a:t>Вивести</a:t>
             </a:r>
             <a:r>
-              <a:rPr lang="ru-RU" dirty="0"/>
-              <a:t> </a:t>
-            </a:r>
-            <a:r>
-              <a:rPr lang="ru-RU" dirty="0" err="1"/>
+              <a:rPr lang="ru-RU" sz="2000" dirty="0"/>
+              <a:t> </a:t>
+            </a:r>
+            <a:r>
+              <a:rPr lang="ru-RU" sz="2000" dirty="0" err="1"/>
               <a:t>ті</a:t>
             </a:r>
             <a:r>
-              <a:rPr lang="ru-RU" dirty="0"/>
-              <a:t> </a:t>
-            </a:r>
-            <a:r>
-              <a:rPr lang="ru-RU" dirty="0" err="1"/>
+              <a:rPr lang="ru-RU" sz="2000" dirty="0"/>
+              <a:t> </a:t>
+            </a:r>
+            <a:r>
+              <a:rPr lang="ru-RU" sz="2000" dirty="0" err="1"/>
               <a:t>літери</a:t>
             </a:r>
             <a:r>
-              <a:rPr lang="ru-RU" dirty="0"/>
+              <a:rPr lang="ru-RU" sz="2000" dirty="0"/>
               <a:t>, </a:t>
             </a:r>
             <a:r>
-              <a:rPr lang="ru-RU" dirty="0" err="1"/>
+              <a:rPr lang="ru-RU" sz="2000" dirty="0" err="1"/>
               <a:t>що</a:t>
             </a:r>
             <a:r>
-              <a:rPr lang="ru-RU" dirty="0"/>
+              <a:rPr lang="ru-RU" sz="2000" dirty="0"/>
               <a:t> не </a:t>
             </a:r>
             <a:r>
-              <a:rPr lang="ru-RU" dirty="0" err="1"/>
+              <a:rPr lang="ru-RU" sz="2000" dirty="0" err="1"/>
               <a:t>входять</a:t>
             </a:r>
             <a:r>
-              <a:rPr lang="ru-RU" dirty="0"/>
+              <a:rPr lang="ru-RU" sz="2000" dirty="0"/>
               <a:t> в </a:t>
             </a:r>
             <a:r>
-              <a:rPr lang="ru-RU" dirty="0" err="1"/>
+              <a:rPr lang="ru-RU" sz="2000" dirty="0" err="1"/>
               <a:t>жодне</a:t>
             </a:r>
             <a:r>
-              <a:rPr lang="ru-RU" dirty="0"/>
-              <a:t> </a:t>
-            </a:r>
-            <a:r>
-              <a:rPr lang="ru-RU" dirty="0" err="1"/>
+              <a:rPr lang="ru-RU" sz="2000" dirty="0"/>
+              <a:t> </a:t>
+            </a:r>
+            <a:r>
+              <a:rPr lang="ru-RU" sz="2000" dirty="0" err="1"/>
               <a:t>із</a:t>
             </a:r>
             <a:r>
-              <a:rPr lang="ru-RU" dirty="0"/>
-              <a:t> </a:t>
-            </a:r>
-            <a:r>
-              <a:rPr lang="ru-RU" dirty="0" err="1"/>
+              <a:rPr lang="ru-RU" sz="2000" dirty="0"/>
+              <a:t> </a:t>
+            </a:r>
+            <a:r>
+              <a:rPr lang="ru-RU" sz="2000" dirty="0" err="1"/>
               <a:t>слів</a:t>
             </a:r>
             <a:r>
-              <a:rPr lang="ru-RU" dirty="0"/>
+              <a:rPr lang="ru-RU" sz="2000" dirty="0"/>
               <a:t>.</a:t>
             </a:r>
-            <a:endParaRPr lang="ru-RU" dirty="0"/>
           </a:p>
         </p:txBody>
       </p:sp>
@@ -18930,351 +19895,6 @@
     <p:extLst>
       <p:ext uri="{BB962C8B-B14F-4D97-AF65-F5344CB8AC3E}">
         <p14:creationId xmlns:p14="http://schemas.microsoft.com/office/powerpoint/2010/main" val="1358637956"/>
-      </p:ext>
-    </p:extLst>
-  </p:cSld>
-  <p:clrMapOvr>
-    <a:masterClrMapping/>
-  </p:clrMapOvr>
-  <p:timing>
-    <p:tnLst>
-      <p:par>
-        <p:cTn id="1" dur="indefinite" restart="never" nodeType="tmRoot"/>
-      </p:par>
-    </p:tnLst>
-  </p:timing>
-</p:sld>
-</file>
-
-<file path=ppt/slides/slide35.xml><?xml version="1.0" encoding="utf-8"?>
-<p:sld xmlns:a="http://schemas.openxmlformats.org/drawingml/2006/main" xmlns:r="http://schemas.openxmlformats.org/officeDocument/2006/relationships" xmlns:p="http://schemas.openxmlformats.org/presentationml/2006/main">
-  <p:cSld>
-    <p:spTree>
-      <p:nvGrpSpPr>
-        <p:cNvPr id="1" name=""/>
-        <p:cNvGrpSpPr/>
-        <p:nvPr/>
-      </p:nvGrpSpPr>
-      <p:grpSpPr>
-        <a:xfrm>
-          <a:off x="0" y="0"/>
-          <a:ext cx="0" cy="0"/>
-          <a:chOff x="0" y="0"/>
-          <a:chExt cx="0" cy="0"/>
-        </a:xfrm>
-      </p:grpSpPr>
-      <p:sp>
-        <p:nvSpPr>
-          <p:cNvPr id="2" name="Title 1"/>
-          <p:cNvSpPr>
-            <a:spLocks noGrp="1"/>
-          </p:cNvSpPr>
-          <p:nvPr>
-            <p:ph type="title" idx="4294967295"/>
-          </p:nvPr>
-        </p:nvSpPr>
-        <p:spPr>
-          <a:xfrm>
-            <a:off x="0" y="239895"/>
-            <a:ext cx="9144000" cy="2663190"/>
-          </a:xfrm>
-          <a:solidFill>
-            <a:schemeClr val="bg1"/>
-          </a:solidFill>
-        </p:spPr>
-        <p:txBody>
-          <a:bodyPr>
-            <a:normAutofit/>
-          </a:bodyPr>
-          <a:lstStyle/>
-          <a:p>
-            <a:r>
-              <a:rPr lang="ru-RU" sz="3200" b="1" dirty="0" err="1">
-                <a:solidFill>
-                  <a:srgbClr val="0000CC"/>
-                </a:solidFill>
-              </a:rPr>
-              <a:t>Іноді</a:t>
-            </a:r>
-            <a:r>
-              <a:rPr lang="ru-RU" sz="3200" b="1" dirty="0">
-                <a:solidFill>
-                  <a:srgbClr val="0000CC"/>
-                </a:solidFill>
-              </a:rPr>
-              <a:t> </a:t>
-            </a:r>
-            <a:r>
-              <a:rPr lang="ru-RU" sz="3200" b="1" dirty="0" err="1">
-                <a:solidFill>
-                  <a:srgbClr val="0000CC"/>
-                </a:solidFill>
-              </a:rPr>
-              <a:t>кращі</a:t>
-            </a:r>
-            <a:r>
-              <a:rPr lang="ru-RU" sz="3200" b="1" dirty="0">
-                <a:solidFill>
-                  <a:srgbClr val="0000CC"/>
-                </a:solidFill>
-              </a:rPr>
-              <a:t> </a:t>
-            </a:r>
-            <a:r>
-              <a:rPr lang="ru-RU" sz="3200" b="1" dirty="0" err="1">
-                <a:solidFill>
-                  <a:srgbClr val="0000CC"/>
-                </a:solidFill>
-              </a:rPr>
-              <a:t>програми</a:t>
-            </a:r>
-            <a:r>
-              <a:rPr lang="ru-RU" sz="3200" b="1" dirty="0">
-                <a:solidFill>
-                  <a:srgbClr val="0000CC"/>
-                </a:solidFill>
-              </a:rPr>
-              <a:t> </a:t>
-            </a:r>
-            <a:r>
-              <a:rPr lang="ru-RU" sz="3200" b="1" dirty="0" err="1">
-                <a:solidFill>
-                  <a:srgbClr val="0000CC"/>
-                </a:solidFill>
-              </a:rPr>
-              <a:t>створюються</a:t>
-            </a:r>
-            <a:r>
-              <a:rPr lang="ru-RU" sz="3200" b="1" dirty="0">
-                <a:solidFill>
-                  <a:srgbClr val="0000CC"/>
-                </a:solidFill>
-              </a:rPr>
-              <a:t> на </a:t>
-            </a:r>
-            <a:r>
-              <a:rPr lang="ru-RU" sz="3200" b="1" dirty="0" err="1">
-                <a:solidFill>
-                  <a:srgbClr val="0000CC"/>
-                </a:solidFill>
-              </a:rPr>
-              <a:t>папірці</a:t>
-            </a:r>
-            <a:r>
-              <a:rPr lang="ru-RU" sz="3200" b="1" dirty="0">
-                <a:solidFill>
-                  <a:srgbClr val="0000CC"/>
-                </a:solidFill>
-              </a:rPr>
-              <a:t>. </a:t>
-            </a:r>
-            <a:r>
-              <a:rPr lang="ru-RU" sz="3200" b="1" dirty="0" smtClean="0">
-                <a:solidFill>
-                  <a:srgbClr val="0000CC"/>
-                </a:solidFill>
-              </a:rPr>
-              <a:t>	</a:t>
-            </a:r>
-            <a:r>
-              <a:rPr lang="ru-RU" sz="3200" b="1" dirty="0" err="1" smtClean="0">
-                <a:solidFill>
-                  <a:srgbClr val="0000CC"/>
-                </a:solidFill>
-              </a:rPr>
-              <a:t>Запрограмувати</a:t>
-            </a:r>
-            <a:r>
-              <a:rPr lang="ru-RU" sz="3200" b="1" dirty="0" smtClean="0">
-                <a:solidFill>
-                  <a:srgbClr val="0000CC"/>
-                </a:solidFill>
-              </a:rPr>
-              <a:t> </a:t>
-            </a:r>
-            <a:r>
-              <a:rPr lang="ru-RU" sz="3200" b="1" dirty="0" err="1">
-                <a:solidFill>
-                  <a:srgbClr val="0000CC"/>
-                </a:solidFill>
-              </a:rPr>
-              <a:t>їх</a:t>
-            </a:r>
-            <a:r>
-              <a:rPr lang="ru-RU" sz="3200" b="1" dirty="0">
-                <a:solidFill>
-                  <a:srgbClr val="0000CC"/>
-                </a:solidFill>
-              </a:rPr>
-              <a:t> - </a:t>
-            </a:r>
-            <a:r>
-              <a:rPr lang="ru-RU" sz="3200" b="1" dirty="0" err="1">
-                <a:solidFill>
-                  <a:srgbClr val="0000CC"/>
-                </a:solidFill>
-              </a:rPr>
-              <a:t>другорядна</a:t>
-            </a:r>
-            <a:r>
-              <a:rPr lang="ru-RU" sz="3200" b="1" dirty="0">
-                <a:solidFill>
-                  <a:srgbClr val="0000CC"/>
-                </a:solidFill>
-              </a:rPr>
-              <a:t> </a:t>
-            </a:r>
-            <a:r>
-              <a:rPr lang="ru-RU" sz="3200" b="1" dirty="0" err="1">
-                <a:solidFill>
-                  <a:srgbClr val="0000CC"/>
-                </a:solidFill>
-              </a:rPr>
-              <a:t>річ</a:t>
-            </a:r>
-            <a:r>
-              <a:rPr lang="ru-RU" sz="3200" dirty="0" smtClean="0"/>
-              <a:t>.</a:t>
-            </a:r>
-            <a:r>
-              <a:rPr lang="ru-RU" sz="3200" dirty="0"/>
-              <a:t/>
-            </a:r>
-            <a:br>
-              <a:rPr lang="ru-RU" sz="3200" dirty="0"/>
-            </a:br>
-            <a:r>
-              <a:rPr lang="ru-RU" sz="3200" dirty="0" smtClean="0"/>
-              <a:t>				</a:t>
-            </a:r>
-            <a:r>
-              <a:rPr lang="ru-RU" sz="3200" i="1" dirty="0" err="1" smtClean="0">
-                <a:solidFill>
-                  <a:srgbClr val="FF0000"/>
-                </a:solidFill>
-              </a:rPr>
-              <a:t>Max</a:t>
-            </a:r>
-            <a:r>
-              <a:rPr lang="ru-RU" sz="3200" i="1" dirty="0" smtClean="0">
-                <a:solidFill>
-                  <a:srgbClr val="FF0000"/>
-                </a:solidFill>
-              </a:rPr>
-              <a:t> </a:t>
-            </a:r>
-            <a:r>
-              <a:rPr lang="ru-RU" sz="3200" i="1" dirty="0" err="1">
-                <a:solidFill>
-                  <a:srgbClr val="FF0000"/>
-                </a:solidFill>
-              </a:rPr>
-              <a:t>Kanat-Alexander</a:t>
-            </a:r>
-            <a:endParaRPr lang="ru-RU" sz="3200" dirty="0">
-              <a:solidFill>
-                <a:srgbClr val="FF0000"/>
-              </a:solidFill>
-            </a:endParaRPr>
-          </a:p>
-        </p:txBody>
-      </p:sp>
-      <p:pic>
-        <p:nvPicPr>
-          <p:cNvPr id="4" name="Рисунок 3"/>
-          <p:cNvPicPr>
-            <a:picLocks noChangeAspect="1"/>
-          </p:cNvPicPr>
-          <p:nvPr/>
-        </p:nvPicPr>
-        <p:blipFill>
-          <a:blip r:embed="rId3"/>
-          <a:stretch>
-            <a:fillRect/>
-          </a:stretch>
-        </p:blipFill>
-        <p:spPr>
-          <a:xfrm>
-            <a:off x="1817374" y="2806700"/>
-            <a:ext cx="5509252" cy="2832100"/>
-          </a:xfrm>
-          <a:prstGeom prst="rect">
-            <a:avLst/>
-          </a:prstGeom>
-        </p:spPr>
-      </p:pic>
-    </p:spTree>
-    <p:extLst>
-      <p:ext uri="{BB962C8B-B14F-4D97-AF65-F5344CB8AC3E}">
-        <p14:creationId xmlns:p14="http://schemas.microsoft.com/office/powerpoint/2010/main" val="3942233637"/>
-      </p:ext>
-    </p:extLst>
-  </p:cSld>
-  <p:clrMapOvr>
-    <a:masterClrMapping/>
-  </p:clrMapOvr>
-  <p:timing>
-    <p:tnLst>
-      <p:par>
-        <p:cTn id="1" dur="indefinite" restart="never" nodeType="tmRoot"/>
-      </p:par>
-    </p:tnLst>
-  </p:timing>
-</p:sld>
-</file>
-
-<file path=ppt/slides/slide36.xml><?xml version="1.0" encoding="utf-8"?>
-<p:sld xmlns:a="http://schemas.openxmlformats.org/drawingml/2006/main" xmlns:r="http://schemas.openxmlformats.org/officeDocument/2006/relationships" xmlns:p="http://schemas.openxmlformats.org/presentationml/2006/main">
-  <p:cSld>
-    <p:spTree>
-      <p:nvGrpSpPr>
-        <p:cNvPr id="1" name=""/>
-        <p:cNvGrpSpPr/>
-        <p:nvPr/>
-      </p:nvGrpSpPr>
-      <p:grpSpPr>
-        <a:xfrm>
-          <a:off x="0" y="0"/>
-          <a:ext cx="0" cy="0"/>
-          <a:chOff x="0" y="0"/>
-          <a:chExt cx="0" cy="0"/>
-        </a:xfrm>
-      </p:grpSpPr>
-      <p:sp>
-        <p:nvSpPr>
-          <p:cNvPr id="2" name="Прямоугольник 1"/>
-          <p:cNvSpPr/>
-          <p:nvPr/>
-        </p:nvSpPr>
-        <p:spPr>
-          <a:xfrm>
-            <a:off x="393700" y="1454835"/>
-            <a:ext cx="8407400" cy="369332"/>
-          </a:xfrm>
-          <a:prstGeom prst="rect">
-            <a:avLst/>
-          </a:prstGeom>
-        </p:spPr>
-        <p:txBody>
-          <a:bodyPr wrap="square">
-            <a:spAutoFit/>
-          </a:bodyPr>
-          <a:lstStyle/>
-          <a:p>
-            <a:r>
-              <a:rPr lang="en-GB" dirty="0">
-                <a:hlinkClick r:id="rId2"/>
-              </a:rPr>
-              <a:t>https://www.ibm.com/developerworks/ru/library/l-python_part_4/index.html</a:t>
-            </a:r>
-            <a:endParaRPr lang="ru-RU" dirty="0"/>
-          </a:p>
-        </p:txBody>
-      </p:sp>
-    </p:spTree>
-    <p:extLst>
-      <p:ext uri="{BB962C8B-B14F-4D97-AF65-F5344CB8AC3E}">
-        <p14:creationId xmlns:p14="http://schemas.microsoft.com/office/powerpoint/2010/main" val="787406403"/>
       </p:ext>
     </p:extLst>
   </p:cSld>
@@ -19739,6 +20359,351 @@
     <p:extLst>
       <p:ext uri="{BB962C8B-B14F-4D97-AF65-F5344CB8AC3E}">
         <p14:creationId xmlns:p14="http://schemas.microsoft.com/office/powerpoint/2010/main" val="3227963034"/>
+      </p:ext>
+    </p:extLst>
+  </p:cSld>
+  <p:clrMapOvr>
+    <a:masterClrMapping/>
+  </p:clrMapOvr>
+  <p:timing>
+    <p:tnLst>
+      <p:par>
+        <p:cTn id="1" dur="indefinite" restart="never" nodeType="tmRoot"/>
+      </p:par>
+    </p:tnLst>
+  </p:timing>
+</p:sld>
+</file>
+
+<file path=ppt/slides/slide40.xml><?xml version="1.0" encoding="utf-8"?>
+<p:sld xmlns:a="http://schemas.openxmlformats.org/drawingml/2006/main" xmlns:r="http://schemas.openxmlformats.org/officeDocument/2006/relationships" xmlns:p="http://schemas.openxmlformats.org/presentationml/2006/main">
+  <p:cSld>
+    <p:spTree>
+      <p:nvGrpSpPr>
+        <p:cNvPr id="1" name=""/>
+        <p:cNvGrpSpPr/>
+        <p:nvPr/>
+      </p:nvGrpSpPr>
+      <p:grpSpPr>
+        <a:xfrm>
+          <a:off x="0" y="0"/>
+          <a:ext cx="0" cy="0"/>
+          <a:chOff x="0" y="0"/>
+          <a:chExt cx="0" cy="0"/>
+        </a:xfrm>
+      </p:grpSpPr>
+      <p:sp>
+        <p:nvSpPr>
+          <p:cNvPr id="2" name="Title 1"/>
+          <p:cNvSpPr>
+            <a:spLocks noGrp="1"/>
+          </p:cNvSpPr>
+          <p:nvPr>
+            <p:ph type="title" idx="4294967295"/>
+          </p:nvPr>
+        </p:nvSpPr>
+        <p:spPr>
+          <a:xfrm>
+            <a:off x="0" y="239895"/>
+            <a:ext cx="9144000" cy="2663190"/>
+          </a:xfrm>
+          <a:solidFill>
+            <a:schemeClr val="bg1"/>
+          </a:solidFill>
+        </p:spPr>
+        <p:txBody>
+          <a:bodyPr>
+            <a:normAutofit/>
+          </a:bodyPr>
+          <a:lstStyle/>
+          <a:p>
+            <a:r>
+              <a:rPr lang="ru-RU" sz="3200" b="1" dirty="0" err="1">
+                <a:solidFill>
+                  <a:srgbClr val="0000CC"/>
+                </a:solidFill>
+              </a:rPr>
+              <a:t>Іноді</a:t>
+            </a:r>
+            <a:r>
+              <a:rPr lang="ru-RU" sz="3200" b="1" dirty="0">
+                <a:solidFill>
+                  <a:srgbClr val="0000CC"/>
+                </a:solidFill>
+              </a:rPr>
+              <a:t> </a:t>
+            </a:r>
+            <a:r>
+              <a:rPr lang="ru-RU" b="1" dirty="0" err="1">
+                <a:solidFill>
+                  <a:srgbClr val="0000CC"/>
+                </a:solidFill>
+              </a:rPr>
+              <a:t>кращі</a:t>
+            </a:r>
+            <a:r>
+              <a:rPr lang="ru-RU" sz="3200" b="1" dirty="0">
+                <a:solidFill>
+                  <a:srgbClr val="0000CC"/>
+                </a:solidFill>
+              </a:rPr>
+              <a:t> </a:t>
+            </a:r>
+            <a:r>
+              <a:rPr lang="ru-RU" sz="3200" b="1" dirty="0" err="1">
+                <a:solidFill>
+                  <a:srgbClr val="0000CC"/>
+                </a:solidFill>
+              </a:rPr>
+              <a:t>програми</a:t>
+            </a:r>
+            <a:r>
+              <a:rPr lang="ru-RU" sz="3200" b="1" dirty="0">
+                <a:solidFill>
+                  <a:srgbClr val="0000CC"/>
+                </a:solidFill>
+              </a:rPr>
+              <a:t> </a:t>
+            </a:r>
+            <a:r>
+              <a:rPr lang="ru-RU" sz="3200" b="1" dirty="0" err="1">
+                <a:solidFill>
+                  <a:srgbClr val="0000CC"/>
+                </a:solidFill>
+              </a:rPr>
+              <a:t>створюються</a:t>
+            </a:r>
+            <a:r>
+              <a:rPr lang="ru-RU" sz="3200" b="1" dirty="0">
+                <a:solidFill>
+                  <a:srgbClr val="0000CC"/>
+                </a:solidFill>
+              </a:rPr>
+              <a:t> на </a:t>
+            </a:r>
+            <a:r>
+              <a:rPr lang="ru-RU" b="1" dirty="0" err="1">
+                <a:solidFill>
+                  <a:srgbClr val="0000CC"/>
+                </a:solidFill>
+              </a:rPr>
+              <a:t>папірці</a:t>
+            </a:r>
+            <a:r>
+              <a:rPr lang="ru-RU" sz="3200" b="1" dirty="0">
+                <a:solidFill>
+                  <a:srgbClr val="0000CC"/>
+                </a:solidFill>
+              </a:rPr>
+              <a:t>. </a:t>
+            </a:r>
+            <a:r>
+              <a:rPr lang="ru-RU" sz="3200" b="1" dirty="0" smtClean="0">
+                <a:solidFill>
+                  <a:srgbClr val="0000CC"/>
+                </a:solidFill>
+              </a:rPr>
+              <a:t>	</a:t>
+            </a:r>
+            <a:r>
+              <a:rPr lang="ru-RU" sz="3200" b="1" dirty="0" err="1" smtClean="0">
+                <a:solidFill>
+                  <a:srgbClr val="0000CC"/>
+                </a:solidFill>
+              </a:rPr>
+              <a:t>Запрограмувати</a:t>
+            </a:r>
+            <a:r>
+              <a:rPr lang="ru-RU" sz="3200" b="1" dirty="0" smtClean="0">
+                <a:solidFill>
+                  <a:srgbClr val="0000CC"/>
+                </a:solidFill>
+              </a:rPr>
+              <a:t> </a:t>
+            </a:r>
+            <a:r>
+              <a:rPr lang="ru-RU" sz="3200" b="1" dirty="0" err="1">
+                <a:solidFill>
+                  <a:srgbClr val="0000CC"/>
+                </a:solidFill>
+              </a:rPr>
+              <a:t>їх</a:t>
+            </a:r>
+            <a:r>
+              <a:rPr lang="ru-RU" sz="3200" b="1" dirty="0">
+                <a:solidFill>
+                  <a:srgbClr val="0000CC"/>
+                </a:solidFill>
+              </a:rPr>
+              <a:t> - </a:t>
+            </a:r>
+            <a:r>
+              <a:rPr lang="ru-RU" sz="3200" b="1" dirty="0" err="1">
+                <a:solidFill>
+                  <a:srgbClr val="0000CC"/>
+                </a:solidFill>
+              </a:rPr>
+              <a:t>другорядна</a:t>
+            </a:r>
+            <a:r>
+              <a:rPr lang="ru-RU" sz="3200" b="1" dirty="0">
+                <a:solidFill>
+                  <a:srgbClr val="0000CC"/>
+                </a:solidFill>
+              </a:rPr>
+              <a:t> </a:t>
+            </a:r>
+            <a:r>
+              <a:rPr lang="ru-RU" sz="3200" b="1" dirty="0" err="1">
+                <a:solidFill>
+                  <a:srgbClr val="0000CC"/>
+                </a:solidFill>
+              </a:rPr>
+              <a:t>річ</a:t>
+            </a:r>
+            <a:r>
+              <a:rPr lang="ru-RU" sz="3200" dirty="0" smtClean="0"/>
+              <a:t>.</a:t>
+            </a:r>
+            <a:r>
+              <a:rPr lang="ru-RU" sz="3200" dirty="0"/>
+              <a:t/>
+            </a:r>
+            <a:br>
+              <a:rPr lang="ru-RU" sz="3200" dirty="0"/>
+            </a:br>
+            <a:r>
+              <a:rPr lang="ru-RU" sz="3200" dirty="0" smtClean="0"/>
+              <a:t>				</a:t>
+            </a:r>
+            <a:r>
+              <a:rPr lang="ru-RU" sz="3200" i="1" dirty="0" err="1" smtClean="0">
+                <a:solidFill>
+                  <a:srgbClr val="FF0000"/>
+                </a:solidFill>
+              </a:rPr>
+              <a:t>Max</a:t>
+            </a:r>
+            <a:r>
+              <a:rPr lang="ru-RU" sz="3200" i="1" dirty="0" smtClean="0">
+                <a:solidFill>
+                  <a:srgbClr val="FF0000"/>
+                </a:solidFill>
+              </a:rPr>
+              <a:t> </a:t>
+            </a:r>
+            <a:r>
+              <a:rPr lang="ru-RU" sz="3200" i="1" dirty="0" err="1">
+                <a:solidFill>
+                  <a:srgbClr val="FF0000"/>
+                </a:solidFill>
+              </a:rPr>
+              <a:t>Kanat-Alexander</a:t>
+            </a:r>
+            <a:endParaRPr lang="ru-RU" sz="3200" dirty="0">
+              <a:solidFill>
+                <a:srgbClr val="FF0000"/>
+              </a:solidFill>
+            </a:endParaRPr>
+          </a:p>
+        </p:txBody>
+      </p:sp>
+      <p:pic>
+        <p:nvPicPr>
+          <p:cNvPr id="4" name="Рисунок 3"/>
+          <p:cNvPicPr>
+            <a:picLocks noChangeAspect="1"/>
+          </p:cNvPicPr>
+          <p:nvPr/>
+        </p:nvPicPr>
+        <p:blipFill>
+          <a:blip r:embed="rId3"/>
+          <a:stretch>
+            <a:fillRect/>
+          </a:stretch>
+        </p:blipFill>
+        <p:spPr>
+          <a:xfrm>
+            <a:off x="1817374" y="2806700"/>
+            <a:ext cx="5509252" cy="2832100"/>
+          </a:xfrm>
+          <a:prstGeom prst="rect">
+            <a:avLst/>
+          </a:prstGeom>
+        </p:spPr>
+      </p:pic>
+    </p:spTree>
+    <p:extLst>
+      <p:ext uri="{BB962C8B-B14F-4D97-AF65-F5344CB8AC3E}">
+        <p14:creationId xmlns:p14="http://schemas.microsoft.com/office/powerpoint/2010/main" val="3942233637"/>
+      </p:ext>
+    </p:extLst>
+  </p:cSld>
+  <p:clrMapOvr>
+    <a:masterClrMapping/>
+  </p:clrMapOvr>
+  <p:timing>
+    <p:tnLst>
+      <p:par>
+        <p:cTn id="1" dur="indefinite" restart="never" nodeType="tmRoot"/>
+      </p:par>
+    </p:tnLst>
+  </p:timing>
+</p:sld>
+</file>
+
+<file path=ppt/slides/slide41.xml><?xml version="1.0" encoding="utf-8"?>
+<p:sld xmlns:a="http://schemas.openxmlformats.org/drawingml/2006/main" xmlns:r="http://schemas.openxmlformats.org/officeDocument/2006/relationships" xmlns:p="http://schemas.openxmlformats.org/presentationml/2006/main">
+  <p:cSld>
+    <p:spTree>
+      <p:nvGrpSpPr>
+        <p:cNvPr id="1" name=""/>
+        <p:cNvGrpSpPr/>
+        <p:nvPr/>
+      </p:nvGrpSpPr>
+      <p:grpSpPr>
+        <a:xfrm>
+          <a:off x="0" y="0"/>
+          <a:ext cx="0" cy="0"/>
+          <a:chOff x="0" y="0"/>
+          <a:chExt cx="0" cy="0"/>
+        </a:xfrm>
+      </p:grpSpPr>
+      <p:sp>
+        <p:nvSpPr>
+          <p:cNvPr id="2" name="Прямоугольник 1"/>
+          <p:cNvSpPr/>
+          <p:nvPr/>
+        </p:nvSpPr>
+        <p:spPr>
+          <a:xfrm>
+            <a:off x="393700" y="1454835"/>
+            <a:ext cx="8407400" cy="369332"/>
+          </a:xfrm>
+          <a:prstGeom prst="rect">
+            <a:avLst/>
+          </a:prstGeom>
+        </p:spPr>
+        <p:txBody>
+          <a:bodyPr wrap="square">
+            <a:spAutoFit/>
+          </a:bodyPr>
+          <a:lstStyle/>
+          <a:p>
+            <a:r>
+              <a:rPr lang="en-GB" dirty="0">
+                <a:hlinkClick r:id="rId2"/>
+              </a:rPr>
+              <a:t>https://www.ibm.com/developerworks/ru/library/l-python_part_4/index.html</a:t>
+            </a:r>
+            <a:endParaRPr lang="ru-RU" dirty="0"/>
+          </a:p>
+        </p:txBody>
+      </p:sp>
+    </p:spTree>
+    <p:extLst>
+      <p:ext uri="{BB962C8B-B14F-4D97-AF65-F5344CB8AC3E}">
+        <p14:creationId xmlns:p14="http://schemas.microsoft.com/office/powerpoint/2010/main" val="787406403"/>
       </p:ext>
     </p:extLst>
   </p:cSld>
